--- a/docs/part1ca/14_TLP/CA_Lecture_14.pptx
+++ b/docs/part1ca/14_TLP/CA_Lecture_14.pptx
@@ -5,30 +5,33 @@
     <p:sldMasterId id="2147483648" r:id="rId1"/>
   </p:sldMasterIdLst>
   <p:notesMasterIdLst>
-    <p:notesMasterId r:id="rId20"/>
+    <p:notesMasterId r:id="rId23"/>
   </p:notesMasterIdLst>
   <p:handoutMasterIdLst>
-    <p:handoutMasterId r:id="rId21"/>
+    <p:handoutMasterId r:id="rId24"/>
   </p:handoutMasterIdLst>
   <p:sldIdLst>
     <p:sldId id="256" r:id="rId2"/>
     <p:sldId id="288" r:id="rId3"/>
     <p:sldId id="273" r:id="rId4"/>
-    <p:sldId id="285" r:id="rId5"/>
-    <p:sldId id="286" r:id="rId6"/>
-    <p:sldId id="287" r:id="rId7"/>
-    <p:sldId id="276" r:id="rId8"/>
-    <p:sldId id="277" r:id="rId9"/>
-    <p:sldId id="280" r:id="rId10"/>
-    <p:sldId id="274" r:id="rId11"/>
-    <p:sldId id="275" r:id="rId12"/>
-    <p:sldId id="282" r:id="rId13"/>
-    <p:sldId id="283" r:id="rId14"/>
-    <p:sldId id="281" r:id="rId15"/>
-    <p:sldId id="279" r:id="rId16"/>
-    <p:sldId id="284" r:id="rId17"/>
-    <p:sldId id="278" r:id="rId18"/>
-    <p:sldId id="272" r:id="rId19"/>
+    <p:sldId id="275" r:id="rId5"/>
+    <p:sldId id="285" r:id="rId6"/>
+    <p:sldId id="276" r:id="rId7"/>
+    <p:sldId id="277" r:id="rId8"/>
+    <p:sldId id="280" r:id="rId9"/>
+    <p:sldId id="274" r:id="rId10"/>
+    <p:sldId id="286" r:id="rId11"/>
+    <p:sldId id="282" r:id="rId12"/>
+    <p:sldId id="283" r:id="rId13"/>
+    <p:sldId id="279" r:id="rId14"/>
+    <p:sldId id="287" r:id="rId15"/>
+    <p:sldId id="281" r:id="rId16"/>
+    <p:sldId id="289" r:id="rId17"/>
+    <p:sldId id="290" r:id="rId18"/>
+    <p:sldId id="291" r:id="rId19"/>
+    <p:sldId id="278" r:id="rId20"/>
+    <p:sldId id="284" r:id="rId21"/>
+    <p:sldId id="272" r:id="rId22"/>
   </p:sldIdLst>
   <p:sldSz cx="12192000" cy="6858000"/>
   <p:notesSz cx="6858000" cy="9144000"/>
@@ -129,7 +132,7 @@
   </p:defaultTextStyle>
   <p:extLst>
     <p:ext uri="{EFAFB233-063F-42B5-8137-9DF3F51BA10A}">
-      <p15:sldGuideLst xmlns:p15="http://schemas.microsoft.com/office/powerpoint/2012/main" xmlns="">
+      <p15:sldGuideLst xmlns="" xmlns:p15="http://schemas.microsoft.com/office/powerpoint/2012/main">
         <p15:guide id="1" orient="horz" pos="2160">
           <p15:clr>
             <a:srgbClr val="A4A3A4"/>
@@ -143,7 +146,7 @@
       </p15:sldGuideLst>
     </p:ext>
     <p:ext uri="{2D200454-40CA-4A62-9FC3-DE9A4176ACB9}">
-      <p15:notesGuideLst xmlns:p15="http://schemas.microsoft.com/office/powerpoint/2012/main" xmlns="">
+      <p15:notesGuideLst xmlns="" xmlns:p15="http://schemas.microsoft.com/office/powerpoint/2012/main">
         <p15:guide id="1" orient="horz" pos="2880">
           <p15:clr>
             <a:srgbClr val="A4A3A4"/>
@@ -251,7 +254,7 @@
             <a:fld id="{D0106195-8D78-4F6F-B8E4-FA67975ACEF5}" type="datetimeFigureOut">
               <a:rPr lang="ru-RU" smtClean="0"/>
               <a:pPr/>
-              <a:t>01.03.2021</a:t>
+              <a:t>02.03.2021</a:t>
             </a:fld>
             <a:endParaRPr lang="ru-RU"/>
           </a:p>
@@ -327,7 +330,7 @@
     </p:spTree>
     <p:extLst>
       <p:ext uri="{BB962C8B-B14F-4D97-AF65-F5344CB8AC3E}">
-        <p14:creationId xmlns:p14="http://schemas.microsoft.com/office/powerpoint/2010/main" xmlns="" val="827279973"/>
+        <p14:creationId xmlns="" xmlns:p14="http://schemas.microsoft.com/office/powerpoint/2010/main" val="827279973"/>
       </p:ext>
     </p:extLst>
   </p:cSld>
@@ -419,7 +422,7 @@
             <a:fld id="{878212F1-C3D9-4F2B-8F42-5E960FE8BE51}" type="datetimeFigureOut">
               <a:rPr lang="ru-RU" smtClean="0"/>
               <a:pPr/>
-              <a:t>01.03.2021</a:t>
+              <a:t>02.03.2021</a:t>
             </a:fld>
             <a:endParaRPr lang="ru-RU"/>
           </a:p>
@@ -588,7 +591,7 @@
     </p:spTree>
     <p:extLst>
       <p:ext uri="{BB962C8B-B14F-4D97-AF65-F5344CB8AC3E}">
-        <p14:creationId xmlns:p14="http://schemas.microsoft.com/office/powerpoint/2010/main" xmlns="" val="3865021395"/>
+        <p14:creationId xmlns="" xmlns:p14="http://schemas.microsoft.com/office/powerpoint/2010/main" val="3865021395"/>
       </p:ext>
     </p:extLst>
   </p:cSld>
@@ -802,7 +805,7 @@
     </p:spTree>
     <p:extLst>
       <p:ext uri="{BB962C8B-B14F-4D97-AF65-F5344CB8AC3E}">
-        <p14:creationId xmlns:p14="http://schemas.microsoft.com/office/powerpoint/2010/main" xmlns="" val="2381791527"/>
+        <p14:creationId xmlns="" xmlns:p14="http://schemas.microsoft.com/office/powerpoint/2010/main" val="2381791527"/>
       </p:ext>
     </p:extLst>
   </p:cSld>
@@ -916,7 +919,7 @@
             <a:fld id="{5583B3A5-99BF-45D9-956B-DC57CC23AD97}" type="slidenum">
               <a:rPr lang="ru-RU" smtClean="0"/>
               <a:pPr/>
-              <a:t>18</a:t>
+              <a:t>21</a:t>
             </a:fld>
             <a:endParaRPr lang="ru-RU"/>
           </a:p>
@@ -925,7 +928,7 @@
     </p:spTree>
     <p:extLst>
       <p:ext uri="{BB962C8B-B14F-4D97-AF65-F5344CB8AC3E}">
-        <p14:creationId xmlns:p14="http://schemas.microsoft.com/office/powerpoint/2010/main" xmlns="" val="1915950851"/>
+        <p14:creationId xmlns="" xmlns:p14="http://schemas.microsoft.com/office/powerpoint/2010/main" val="1915950851"/>
       </p:ext>
     </p:extLst>
   </p:cSld>
@@ -1185,7 +1188,7 @@
     </p:spTree>
     <p:extLst>
       <p:ext uri="{BB962C8B-B14F-4D97-AF65-F5344CB8AC3E}">
-        <p14:creationId xmlns:p14="http://schemas.microsoft.com/office/powerpoint/2010/main" xmlns="" val="322455162"/>
+        <p14:creationId xmlns="" xmlns:p14="http://schemas.microsoft.com/office/powerpoint/2010/main" val="322455162"/>
       </p:ext>
     </p:extLst>
   </p:cSld>
@@ -1359,7 +1362,7 @@
     </p:spTree>
     <p:extLst>
       <p:ext uri="{BB962C8B-B14F-4D97-AF65-F5344CB8AC3E}">
-        <p14:creationId xmlns:p14="http://schemas.microsoft.com/office/powerpoint/2010/main" xmlns="" val="971117636"/>
+        <p14:creationId xmlns="" xmlns:p14="http://schemas.microsoft.com/office/powerpoint/2010/main" val="971117636"/>
       </p:ext>
     </p:extLst>
   </p:cSld>
@@ -1536,7 +1539,7 @@
     </p:spTree>
     <p:extLst>
       <p:ext uri="{BB962C8B-B14F-4D97-AF65-F5344CB8AC3E}">
-        <p14:creationId xmlns:p14="http://schemas.microsoft.com/office/powerpoint/2010/main" xmlns="" val="3348877825"/>
+        <p14:creationId xmlns="" xmlns:p14="http://schemas.microsoft.com/office/powerpoint/2010/main" val="3348877825"/>
       </p:ext>
     </p:extLst>
   </p:cSld>
@@ -1861,7 +1864,7 @@
     </p:spTree>
     <p:extLst>
       <p:ext uri="{BB962C8B-B14F-4D97-AF65-F5344CB8AC3E}">
-        <p14:creationId xmlns:p14="http://schemas.microsoft.com/office/powerpoint/2010/main" xmlns="" val="3256953994"/>
+        <p14:creationId xmlns="" xmlns:p14="http://schemas.microsoft.com/office/powerpoint/2010/main" val="3256953994"/>
       </p:ext>
     </p:extLst>
   </p:cSld>
@@ -2111,7 +2114,7 @@
     </p:spTree>
     <p:extLst>
       <p:ext uri="{BB962C8B-B14F-4D97-AF65-F5344CB8AC3E}">
-        <p14:creationId xmlns:p14="http://schemas.microsoft.com/office/powerpoint/2010/main" xmlns="" val="3067076846"/>
+        <p14:creationId xmlns="" xmlns:p14="http://schemas.microsoft.com/office/powerpoint/2010/main" val="3067076846"/>
       </p:ext>
     </p:extLst>
   </p:cSld>
@@ -2347,7 +2350,7 @@
     </p:spTree>
     <p:extLst>
       <p:ext uri="{BB962C8B-B14F-4D97-AF65-F5344CB8AC3E}">
-        <p14:creationId xmlns:p14="http://schemas.microsoft.com/office/powerpoint/2010/main" xmlns="" val="3710015975"/>
+        <p14:creationId xmlns="" xmlns:p14="http://schemas.microsoft.com/office/powerpoint/2010/main" val="3710015975"/>
       </p:ext>
     </p:extLst>
   </p:cSld>
@@ -2718,7 +2721,7 @@
     </p:spTree>
     <p:extLst>
       <p:ext uri="{BB962C8B-B14F-4D97-AF65-F5344CB8AC3E}">
-        <p14:creationId xmlns:p14="http://schemas.microsoft.com/office/powerpoint/2010/main" xmlns="" val="4075590966"/>
+        <p14:creationId xmlns="" xmlns:p14="http://schemas.microsoft.com/office/powerpoint/2010/main" val="4075590966"/>
       </p:ext>
     </p:extLst>
   </p:cSld>
@@ -2840,7 +2843,7 @@
     </p:spTree>
     <p:extLst>
       <p:ext uri="{BB962C8B-B14F-4D97-AF65-F5344CB8AC3E}">
-        <p14:creationId xmlns:p14="http://schemas.microsoft.com/office/powerpoint/2010/main" xmlns="" val="2889604898"/>
+        <p14:creationId xmlns="" xmlns:p14="http://schemas.microsoft.com/office/powerpoint/2010/main" val="2889604898"/>
       </p:ext>
     </p:extLst>
   </p:cSld>
@@ -2939,7 +2942,7 @@
     </p:spTree>
     <p:extLst>
       <p:ext uri="{BB962C8B-B14F-4D97-AF65-F5344CB8AC3E}">
-        <p14:creationId xmlns:p14="http://schemas.microsoft.com/office/powerpoint/2010/main" xmlns="" val="152384765"/>
+        <p14:creationId xmlns="" xmlns:p14="http://schemas.microsoft.com/office/powerpoint/2010/main" val="152384765"/>
       </p:ext>
     </p:extLst>
   </p:cSld>
@@ -3220,7 +3223,7 @@
     </p:spTree>
     <p:extLst>
       <p:ext uri="{BB962C8B-B14F-4D97-AF65-F5344CB8AC3E}">
-        <p14:creationId xmlns:p14="http://schemas.microsoft.com/office/powerpoint/2010/main" xmlns="" val="2127791886"/>
+        <p14:creationId xmlns="" xmlns:p14="http://schemas.microsoft.com/office/powerpoint/2010/main" val="2127791886"/>
       </p:ext>
     </p:extLst>
   </p:cSld>
@@ -3477,7 +3480,7 @@
     </p:spTree>
     <p:extLst>
       <p:ext uri="{BB962C8B-B14F-4D97-AF65-F5344CB8AC3E}">
-        <p14:creationId xmlns:p14="http://schemas.microsoft.com/office/powerpoint/2010/main" xmlns="" val="1752705130"/>
+        <p14:creationId xmlns="" xmlns:p14="http://schemas.microsoft.com/office/powerpoint/2010/main" val="1752705130"/>
       </p:ext>
     </p:extLst>
   </p:cSld>
@@ -3730,7 +3733,7 @@
     </p:spTree>
     <p:extLst>
       <p:ext uri="{BB962C8B-B14F-4D97-AF65-F5344CB8AC3E}">
-        <p14:creationId xmlns:p14="http://schemas.microsoft.com/office/powerpoint/2010/main" xmlns="" val="968833914"/>
+        <p14:creationId xmlns="" xmlns:p14="http://schemas.microsoft.com/office/powerpoint/2010/main" val="968833914"/>
       </p:ext>
     </p:extLst>
   </p:cSld>
@@ -4104,7 +4107,19 @@
             </a:r>
             <a:r>
               <a:rPr lang="en-US" b="1" dirty="0" smtClean="0"/>
-              <a:t>: Thread-level parallelism</a:t>
+              <a:t>: </a:t>
+            </a:r>
+            <a:r>
+              <a:rPr lang="en-US" b="1" dirty="0" smtClean="0"/>
+              <a:t>Thread-Level </a:t>
+            </a:r>
+            <a:r>
+              <a:rPr lang="en-US" b="1" dirty="0" smtClean="0"/>
+              <a:t>P</a:t>
+            </a:r>
+            <a:r>
+              <a:rPr lang="en-US" b="1" dirty="0" smtClean="0"/>
+              <a:t>arallelism</a:t>
             </a:r>
             <a:endParaRPr lang="ru-RU" b="1" dirty="0"/>
           </a:p>
@@ -4207,7 +4222,7 @@
     </p:spTree>
     <p:extLst>
       <p:ext uri="{BB962C8B-B14F-4D97-AF65-F5344CB8AC3E}">
-        <p14:creationId xmlns:p14="http://schemas.microsoft.com/office/powerpoint/2010/main" xmlns="" val="2492894732"/>
+        <p14:creationId xmlns="" xmlns:p14="http://schemas.microsoft.com/office/powerpoint/2010/main" val="2492894732"/>
       </p:ext>
     </p:extLst>
   </p:cSld>
@@ -4254,198 +4269,68 @@
         <p:spPr>
           <a:xfrm>
             <a:off x="838200" y="1178052"/>
-            <a:ext cx="10515600" cy="5273547"/>
+            <a:ext cx="10515600" cy="5464048"/>
           </a:xfrm>
         </p:spPr>
         <p:txBody>
-          <a:bodyPr/>
+          <a:bodyPr>
+            <a:normAutofit/>
+          </a:bodyPr>
           <a:lstStyle/>
           <a:p>
-            <a:pPr>
-              <a:lnSpc>
-                <a:spcPct val="100000"/>
-              </a:lnSpc>
+            <a:r>
+              <a:rPr lang="en-US" dirty="0" smtClean="0"/>
+              <a:t>Multiple copies of architectural state</a:t>
+            </a:r>
+          </a:p>
+          <a:p>
+            <a:r>
+              <a:rPr lang="en-US" dirty="0" smtClean="0"/>
+              <a:t>Multiple threads active at once:</a:t>
+            </a:r>
+          </a:p>
+          <a:p>
+            <a:pPr lvl="1"/>
+            <a:r>
+              <a:rPr lang="en-US" dirty="0" smtClean="0"/>
+              <a:t>When one thread stalls, another runs immediately</a:t>
+            </a:r>
+          </a:p>
+          <a:p>
+            <a:pPr lvl="1"/>
+            <a:r>
+              <a:rPr lang="en-US" dirty="0" smtClean="0"/>
+              <a:t>If one thread can’t keep all execution units busy, another thread can use them</a:t>
+            </a:r>
+          </a:p>
+          <a:p>
+            <a:r>
+              <a:rPr lang="en-US" dirty="0" smtClean="0"/>
+              <a:t>Does not increase instruction-level parallelism (ILP) of single thread, but increases throughput </a:t>
+            </a:r>
+          </a:p>
+          <a:p>
+            <a:endParaRPr lang="en-US" dirty="0" smtClean="0"/>
+          </a:p>
+          <a:p>
+            <a:pPr algn="ctr">
+              <a:buNone/>
             </a:pPr>
             <a:r>
-              <a:rPr lang="en-AU" altLang="en-US" dirty="0" smtClean="0"/>
-              <a:t>Strong scaling: problem size fixed</a:t>
-            </a:r>
-          </a:p>
-          <a:p>
-            <a:pPr lvl="1">
-              <a:lnSpc>
-                <a:spcPct val="100000"/>
-              </a:lnSpc>
-            </a:pPr>
-            <a:r>
-              <a:rPr lang="en-AU" altLang="en-US" dirty="0" smtClean="0"/>
-              <a:t>As in example</a:t>
-            </a:r>
-          </a:p>
-          <a:p>
-            <a:pPr>
-              <a:lnSpc>
-                <a:spcPct val="100000"/>
-              </a:lnSpc>
-            </a:pPr>
-            <a:r>
-              <a:rPr lang="en-AU" altLang="en-US" dirty="0" smtClean="0"/>
-              <a:t>Weak scaling: problem size proportional to number of processors</a:t>
-            </a:r>
-          </a:p>
-          <a:p>
-            <a:pPr lvl="1">
-              <a:lnSpc>
-                <a:spcPct val="100000"/>
-              </a:lnSpc>
-            </a:pPr>
-            <a:r>
-              <a:rPr lang="en-AU" altLang="en-US" dirty="0" smtClean="0"/>
-              <a:t>10 processors, 10 </a:t>
-            </a:r>
-            <a:r>
-              <a:rPr lang="en-US" altLang="en-US" dirty="0" smtClean="0">
-                <a:cs typeface="Arial" charset="0"/>
-              </a:rPr>
-              <a:t>× 10 matrix</a:t>
-            </a:r>
-          </a:p>
-          <a:p>
-            <a:pPr lvl="2">
-              <a:lnSpc>
-                <a:spcPct val="100000"/>
-              </a:lnSpc>
-            </a:pPr>
-            <a:r>
-              <a:rPr lang="en-US" altLang="en-US" sz="2800" dirty="0" smtClean="0">
-                <a:cs typeface="Arial" charset="0"/>
-              </a:rPr>
-              <a:t>Time = 20 × </a:t>
-            </a:r>
-            <a:r>
-              <a:rPr lang="en-US" altLang="en-US" sz="2800" dirty="0" err="1" smtClean="0">
-                <a:cs typeface="Arial" charset="0"/>
-              </a:rPr>
-              <a:t>t</a:t>
-            </a:r>
-            <a:r>
-              <a:rPr lang="en-US" altLang="en-US" sz="2800" baseline="-25000" dirty="0" err="1" smtClean="0">
-                <a:cs typeface="Arial" charset="0"/>
-              </a:rPr>
-              <a:t>add</a:t>
-            </a:r>
-            <a:endParaRPr lang="en-US" altLang="en-US" sz="2800" dirty="0" smtClean="0">
-              <a:cs typeface="Arial" charset="0"/>
-            </a:endParaRPr>
-          </a:p>
-          <a:p>
-            <a:pPr lvl="1">
-              <a:lnSpc>
-                <a:spcPct val="100000"/>
-              </a:lnSpc>
-            </a:pPr>
-            <a:r>
-              <a:rPr lang="en-AU" altLang="en-US" dirty="0" smtClean="0">
-                <a:cs typeface="Arial" charset="0"/>
-              </a:rPr>
-              <a:t>100 processors, </a:t>
-            </a:r>
-            <a:r>
-              <a:rPr lang="en-AU" altLang="en-US" dirty="0" smtClean="0"/>
-              <a:t>32 </a:t>
-            </a:r>
-            <a:r>
-              <a:rPr lang="en-US" altLang="en-US" dirty="0" smtClean="0">
-                <a:cs typeface="Arial" charset="0"/>
-              </a:rPr>
-              <a:t>× 32 matrix</a:t>
-            </a:r>
-          </a:p>
-          <a:p>
-            <a:pPr lvl="2">
-              <a:lnSpc>
-                <a:spcPct val="100000"/>
-              </a:lnSpc>
-            </a:pPr>
-            <a:r>
-              <a:rPr lang="en-US" altLang="en-US" sz="2800" dirty="0" smtClean="0">
-                <a:cs typeface="Arial" charset="0"/>
-              </a:rPr>
-              <a:t>Time = 10 × </a:t>
-            </a:r>
-            <a:r>
-              <a:rPr lang="en-US" altLang="en-US" sz="2800" dirty="0" err="1" smtClean="0">
-                <a:cs typeface="Arial" charset="0"/>
-              </a:rPr>
-              <a:t>t</a:t>
-            </a:r>
-            <a:r>
-              <a:rPr lang="en-US" altLang="en-US" sz="2800" baseline="-25000" dirty="0" err="1" smtClean="0">
-                <a:cs typeface="Arial" charset="0"/>
-              </a:rPr>
-              <a:t>add</a:t>
-            </a:r>
-            <a:r>
-              <a:rPr lang="en-US" altLang="en-US" sz="2800" dirty="0" smtClean="0">
-                <a:cs typeface="Arial" charset="0"/>
-              </a:rPr>
-              <a:t> + 1000/100 × </a:t>
-            </a:r>
-            <a:r>
-              <a:rPr lang="en-US" altLang="en-US" sz="2800" dirty="0" err="1" smtClean="0">
-                <a:cs typeface="Arial" charset="0"/>
-              </a:rPr>
-              <a:t>t</a:t>
-            </a:r>
-            <a:r>
-              <a:rPr lang="en-US" altLang="en-US" sz="2800" baseline="-25000" dirty="0" err="1" smtClean="0">
-                <a:cs typeface="Arial" charset="0"/>
-              </a:rPr>
-              <a:t>add</a:t>
-            </a:r>
-            <a:r>
-              <a:rPr lang="en-US" altLang="en-US" sz="2800" dirty="0" smtClean="0">
-                <a:cs typeface="Arial" charset="0"/>
-              </a:rPr>
-              <a:t> = 20 × </a:t>
-            </a:r>
-            <a:r>
-              <a:rPr lang="en-US" altLang="en-US" sz="2800" dirty="0" err="1" smtClean="0">
-                <a:cs typeface="Arial" charset="0"/>
-              </a:rPr>
-              <a:t>t</a:t>
-            </a:r>
-            <a:r>
-              <a:rPr lang="en-US" altLang="en-US" sz="2800" baseline="-25000" dirty="0" err="1" smtClean="0">
-                <a:cs typeface="Arial" charset="0"/>
-              </a:rPr>
-              <a:t>add</a:t>
-            </a:r>
-            <a:endParaRPr lang="en-US" altLang="en-US" sz="2800" dirty="0" smtClean="0">
-              <a:cs typeface="Arial" charset="0"/>
-            </a:endParaRPr>
-          </a:p>
-          <a:p>
-            <a:pPr lvl="1">
-              <a:lnSpc>
-                <a:spcPct val="100000"/>
-              </a:lnSpc>
-            </a:pPr>
-            <a:r>
-              <a:rPr lang="en-AU" altLang="en-US" dirty="0" smtClean="0">
-                <a:cs typeface="Arial" charset="0"/>
-              </a:rPr>
-              <a:t>Constant performance in this </a:t>
-            </a:r>
-            <a:r>
-              <a:rPr lang="en-AU" altLang="en-US" dirty="0" smtClean="0">
-                <a:cs typeface="Arial" charset="0"/>
-              </a:rPr>
-              <a:t>example</a:t>
-            </a:r>
-            <a:endParaRPr lang="en-AU" altLang="en-US" dirty="0" smtClean="0">
-              <a:cs typeface="Arial" charset="0"/>
-            </a:endParaRPr>
+              <a:rPr lang="en-US" dirty="0" smtClean="0"/>
+              <a:t>	Intel calls this “</a:t>
+            </a:r>
+            <a:r>
+              <a:rPr lang="en-US" dirty="0" err="1" smtClean="0"/>
+              <a:t>hyperthreading</a:t>
+            </a:r>
+            <a:r>
+              <a:rPr lang="en-US" dirty="0" smtClean="0"/>
+              <a:t>”</a:t>
+            </a:r>
+          </a:p>
+          <a:p>
+            <a:endParaRPr lang="ru-RU" dirty="0"/>
           </a:p>
         </p:txBody>
       </p:sp>
@@ -4490,16 +4375,8 @@
           <a:lstStyle/>
           <a:p>
             <a:r>
-              <a:rPr lang="en-AU" altLang="en-US" dirty="0" smtClean="0"/>
-              <a:t>Strong </a:t>
-            </a:r>
-            <a:r>
-              <a:rPr lang="en-AU" altLang="en-US" dirty="0" err="1" smtClean="0"/>
-              <a:t>vs</a:t>
-            </a:r>
-            <a:r>
-              <a:rPr lang="en-AU" altLang="en-US" dirty="0" smtClean="0"/>
-              <a:t> Weak Scaling</a:t>
+              <a:rPr lang="en-US" dirty="0" smtClean="0"/>
+              <a:t>Hardware Multithreading</a:t>
             </a:r>
             <a:endParaRPr lang="ru-RU" dirty="0"/>
           </a:p>
@@ -4547,59 +4424,110 @@
             <p:ph idx="1"/>
           </p:nvPr>
         </p:nvSpPr>
-        <p:spPr/>
-        <p:txBody>
-          <a:bodyPr/>
+        <p:spPr>
+          <a:xfrm>
+            <a:off x="787400" y="1028700"/>
+            <a:ext cx="10579100" cy="5524500"/>
+          </a:xfrm>
+        </p:spPr>
+        <p:txBody>
+          <a:bodyPr>
+            <a:noAutofit/>
+          </a:bodyPr>
           <a:lstStyle/>
           <a:p>
-            <a:pPr>
-              <a:lnSpc>
-                <a:spcPct val="150000"/>
-              </a:lnSpc>
-            </a:pPr>
-            <a:r>
-              <a:rPr lang="en-US" dirty="0" smtClean="0"/>
-              <a:t>Process: program running on a computer</a:t>
-            </a:r>
-          </a:p>
-          <a:p>
-            <a:pPr lvl="1">
-              <a:lnSpc>
-                <a:spcPct val="150000"/>
-              </a:lnSpc>
-            </a:pPr>
-            <a:r>
-              <a:rPr lang="en-US" dirty="0" smtClean="0"/>
-              <a:t>Multiple processes can run at once: e.g., surfing Web, playing music, writing a paper</a:t>
-            </a:r>
-          </a:p>
-          <a:p>
-            <a:pPr>
-              <a:lnSpc>
-                <a:spcPct val="150000"/>
-              </a:lnSpc>
-            </a:pPr>
-            <a:r>
-              <a:rPr lang="en-US" dirty="0" smtClean="0"/>
-              <a:t>Thread: part of a program</a:t>
-            </a:r>
-          </a:p>
-          <a:p>
-            <a:pPr lvl="1">
-              <a:lnSpc>
-                <a:spcPct val="150000"/>
-              </a:lnSpc>
-            </a:pPr>
-            <a:r>
-              <a:rPr lang="en-US" dirty="0" smtClean="0"/>
-              <a:t>Each process has multiple threads: e.g., a word processor may have threads for typing, spell checking, printing</a:t>
-            </a:r>
-          </a:p>
-          <a:p>
-            <a:endParaRPr lang="en-US" dirty="0" smtClean="0"/>
-          </a:p>
-          <a:p>
-            <a:endParaRPr lang="ru-RU" dirty="0"/>
+            <a:r>
+              <a:rPr lang="en-AU" altLang="en-US" dirty="0" smtClean="0"/>
+              <a:t>Performing multiple threads of execution in parallel</a:t>
+            </a:r>
+          </a:p>
+          <a:p>
+            <a:pPr lvl="1"/>
+            <a:r>
+              <a:rPr lang="en-AU" altLang="en-US" sz="2800" dirty="0" smtClean="0"/>
+              <a:t>Replicate registers, PC, etc.</a:t>
+            </a:r>
+          </a:p>
+          <a:p>
+            <a:pPr lvl="1"/>
+            <a:r>
+              <a:rPr lang="en-AU" altLang="en-US" sz="2800" dirty="0" smtClean="0"/>
+              <a:t>Fast switching between threads</a:t>
+            </a:r>
+          </a:p>
+          <a:p>
+            <a:r>
+              <a:rPr lang="en-AU" altLang="en-US" dirty="0" smtClean="0"/>
+              <a:t>Fine-grained </a:t>
+            </a:r>
+            <a:r>
+              <a:rPr lang="en-AU" altLang="en-US" dirty="0" smtClean="0"/>
+              <a:t>multithreading</a:t>
+            </a:r>
+          </a:p>
+          <a:p>
+            <a:pPr lvl="1"/>
+            <a:r>
+              <a:rPr lang="en-AU" altLang="en-US" sz="2800" dirty="0" smtClean="0"/>
+              <a:t>Switch threads after each cycle</a:t>
+            </a:r>
+          </a:p>
+          <a:p>
+            <a:pPr lvl="1"/>
+            <a:r>
+              <a:rPr lang="en-AU" altLang="en-US" sz="2800" dirty="0" smtClean="0"/>
+              <a:t>Interleave instruction execution</a:t>
+            </a:r>
+          </a:p>
+          <a:p>
+            <a:pPr lvl="1"/>
+            <a:r>
+              <a:rPr lang="en-AU" altLang="en-US" sz="2800" dirty="0" smtClean="0"/>
+              <a:t>If one thread stalls, others are executed</a:t>
+            </a:r>
+          </a:p>
+          <a:p>
+            <a:r>
+              <a:rPr lang="en-AU" altLang="en-US" dirty="0" smtClean="0"/>
+              <a:t>Coarse-grained </a:t>
+            </a:r>
+            <a:r>
+              <a:rPr lang="en-AU" altLang="en-US" dirty="0" smtClean="0"/>
+              <a:t>multithreading</a:t>
+            </a:r>
+          </a:p>
+          <a:p>
+            <a:pPr lvl="1"/>
+            <a:r>
+              <a:rPr lang="en-AU" altLang="en-US" sz="2800" dirty="0" smtClean="0"/>
+              <a:t>Only switch on long stall (e.g., L2-cache miss)</a:t>
+            </a:r>
+          </a:p>
+          <a:p>
+            <a:pPr lvl="1"/>
+            <a:r>
+              <a:rPr lang="en-AU" altLang="en-US" sz="2800" dirty="0" smtClean="0"/>
+              <a:t>Simplifies hardware, but doesn’t hide short stalls (</a:t>
+            </a:r>
+            <a:r>
+              <a:rPr lang="en-AU" altLang="en-US" sz="2800" dirty="0" err="1" smtClean="0"/>
+              <a:t>eg</a:t>
+            </a:r>
+            <a:r>
+              <a:rPr lang="en-AU" altLang="en-US" sz="2800" dirty="0" smtClean="0"/>
+              <a:t>, data hazards</a:t>
+            </a:r>
+            <a:r>
+              <a:rPr lang="en-AU" altLang="en-US" sz="2800" dirty="0" smtClean="0"/>
+              <a:t>)</a:t>
+            </a:r>
+          </a:p>
+          <a:p>
+            <a:r>
+              <a:rPr lang="en-AU" altLang="en-US" dirty="0" smtClean="0"/>
+              <a:t>Simultaneous multithreading</a:t>
+            </a:r>
+            <a:endParaRPr lang="en-AU" altLang="en-US" dirty="0" smtClean="0"/>
           </a:p>
         </p:txBody>
       </p:sp>
@@ -4644,8 +4572,8 @@
           <a:lstStyle/>
           <a:p>
             <a:r>
-              <a:rPr lang="en-US" dirty="0" smtClean="0"/>
-              <a:t>Threading: Definitions</a:t>
+              <a:rPr lang="en-AU" altLang="en-US" dirty="0" smtClean="0"/>
+              <a:t>Hardware Multithreading</a:t>
             </a:r>
             <a:endParaRPr lang="ru-RU" dirty="0"/>
           </a:p>
@@ -4693,96 +4621,52 @@
             <p:ph idx="1"/>
           </p:nvPr>
         </p:nvSpPr>
-        <p:spPr>
-          <a:xfrm>
-            <a:off x="787400" y="1028700"/>
-            <a:ext cx="10579100" cy="5524500"/>
-          </a:xfrm>
-        </p:spPr>
-        <p:txBody>
-          <a:bodyPr>
-            <a:noAutofit/>
-          </a:bodyPr>
+        <p:spPr/>
+        <p:txBody>
+          <a:bodyPr/>
           <a:lstStyle/>
           <a:p>
             <a:r>
               <a:rPr lang="en-AU" altLang="en-US" dirty="0" smtClean="0"/>
-              <a:t>Performing multiple threads of execution in parallel</a:t>
+              <a:t>In multiple-issue dynamically scheduled processor</a:t>
             </a:r>
           </a:p>
           <a:p>
             <a:pPr lvl="1"/>
             <a:r>
-              <a:rPr lang="en-AU" altLang="en-US" sz="2800" dirty="0" smtClean="0"/>
-              <a:t>Replicate registers, PC, etc.</a:t>
+              <a:rPr lang="en-AU" altLang="en-US" dirty="0" smtClean="0"/>
+              <a:t>Schedule instructions from multiple threads</a:t>
             </a:r>
           </a:p>
           <a:p>
             <a:pPr lvl="1"/>
             <a:r>
-              <a:rPr lang="en-AU" altLang="en-US" sz="2800" dirty="0" smtClean="0"/>
-              <a:t>Fast switching between threads</a:t>
-            </a:r>
-          </a:p>
-          <a:p>
-            <a:r>
               <a:rPr lang="en-AU" altLang="en-US" dirty="0" smtClean="0"/>
-              <a:t>Fine-grain multithreading</a:t>
+              <a:t>Instructions from independent threads execute when function units are available</a:t>
             </a:r>
           </a:p>
           <a:p>
             <a:pPr lvl="1"/>
             <a:r>
-              <a:rPr lang="en-AU" altLang="en-US" sz="2800" dirty="0" smtClean="0"/>
-              <a:t>Switch threads after each cycle</a:t>
+              <a:rPr lang="en-AU" altLang="en-US" dirty="0" smtClean="0"/>
+              <a:t>Within threads, dependencies handled by scheduling and register renaming</a:t>
+            </a:r>
+          </a:p>
+          <a:p>
+            <a:r>
+              <a:rPr lang="en-AU" altLang="en-US" dirty="0" smtClean="0"/>
+              <a:t>Example: Intel Pentium-4 HT</a:t>
             </a:r>
           </a:p>
           <a:p>
             <a:pPr lvl="1"/>
             <a:r>
-              <a:rPr lang="en-AU" altLang="en-US" sz="2800" dirty="0" smtClean="0"/>
-              <a:t>Interleave instruction execution</a:t>
-            </a:r>
-          </a:p>
-          <a:p>
-            <a:pPr lvl="1"/>
-            <a:r>
-              <a:rPr lang="en-AU" altLang="en-US" sz="2800" dirty="0" smtClean="0"/>
-              <a:t>If one thread stalls, others are executed</a:t>
-            </a:r>
-          </a:p>
-          <a:p>
-            <a:r>
               <a:rPr lang="en-AU" altLang="en-US" dirty="0" smtClean="0"/>
-              <a:t>Coarse-grain multithreading</a:t>
-            </a:r>
-          </a:p>
-          <a:p>
-            <a:pPr lvl="1"/>
-            <a:r>
-              <a:rPr lang="en-AU" altLang="en-US" sz="2800" dirty="0" smtClean="0"/>
-              <a:t>Only switch on long stall (e.g., L2-cache miss)</a:t>
-            </a:r>
-          </a:p>
-          <a:p>
-            <a:pPr lvl="1"/>
-            <a:r>
-              <a:rPr lang="en-AU" altLang="en-US" sz="2800" dirty="0" smtClean="0"/>
-              <a:t>Simplifies hardware, but doesn’t hide short stalls (</a:t>
-            </a:r>
-            <a:r>
-              <a:rPr lang="en-AU" altLang="en-US" sz="2800" dirty="0" err="1" smtClean="0"/>
-              <a:t>eg</a:t>
-            </a:r>
-            <a:r>
-              <a:rPr lang="en-AU" altLang="en-US" sz="2800" dirty="0" smtClean="0"/>
-              <a:t>, data hazards</a:t>
-            </a:r>
-            <a:r>
-              <a:rPr lang="en-AU" altLang="en-US" sz="2800" dirty="0" smtClean="0"/>
-              <a:t>)</a:t>
-            </a:r>
-            <a:endParaRPr lang="en-AU" altLang="en-US" sz="2800" dirty="0" smtClean="0"/>
+              <a:t>Two threads: duplicated registers, shared function units and caches</a:t>
+            </a:r>
+          </a:p>
+          <a:p>
+            <a:endParaRPr lang="ru-RU" dirty="0"/>
           </a:p>
         </p:txBody>
       </p:sp>
@@ -4828,7 +4712,7 @@
           <a:p>
             <a:r>
               <a:rPr lang="en-AU" altLang="en-US" dirty="0" smtClean="0"/>
-              <a:t>Multithreading</a:t>
+              <a:t>Simultaneous Multithreading</a:t>
             </a:r>
             <a:endParaRPr lang="ru-RU" dirty="0"/>
           </a:p>
@@ -4868,65 +4752,6 @@
       </p:grpSpPr>
       <p:sp>
         <p:nvSpPr>
-          <p:cNvPr id="2" name="Содержимое 1"/>
-          <p:cNvSpPr>
-            <a:spLocks noGrp="1"/>
-          </p:cNvSpPr>
-          <p:nvPr>
-            <p:ph idx="1"/>
-          </p:nvPr>
-        </p:nvSpPr>
-        <p:spPr/>
-        <p:txBody>
-          <a:bodyPr/>
-          <a:lstStyle/>
-          <a:p>
-            <a:r>
-              <a:rPr lang="en-AU" altLang="en-US" dirty="0" smtClean="0"/>
-              <a:t>In multiple-issue dynamically scheduled processor</a:t>
-            </a:r>
-          </a:p>
-          <a:p>
-            <a:pPr lvl="1"/>
-            <a:r>
-              <a:rPr lang="en-AU" altLang="en-US" dirty="0" smtClean="0"/>
-              <a:t>Schedule instructions from multiple threads</a:t>
-            </a:r>
-          </a:p>
-          <a:p>
-            <a:pPr lvl="1"/>
-            <a:r>
-              <a:rPr lang="en-AU" altLang="en-US" dirty="0" smtClean="0"/>
-              <a:t>Instructions from independent threads execute when function units are available</a:t>
-            </a:r>
-          </a:p>
-          <a:p>
-            <a:pPr lvl="1"/>
-            <a:r>
-              <a:rPr lang="en-AU" altLang="en-US" dirty="0" smtClean="0"/>
-              <a:t>Within threads, dependencies handled by scheduling and register renaming</a:t>
-            </a:r>
-          </a:p>
-          <a:p>
-            <a:r>
-              <a:rPr lang="en-AU" altLang="en-US" dirty="0" smtClean="0"/>
-              <a:t>Example: Intel Pentium-4 HT</a:t>
-            </a:r>
-          </a:p>
-          <a:p>
-            <a:pPr lvl="1"/>
-            <a:r>
-              <a:rPr lang="en-AU" altLang="en-US" dirty="0" smtClean="0"/>
-              <a:t>Two threads: duplicated registers, shared function units and caches</a:t>
-            </a:r>
-          </a:p>
-          <a:p>
-            <a:endParaRPr lang="ru-RU" dirty="0"/>
-          </a:p>
-        </p:txBody>
-      </p:sp>
-      <p:sp>
-        <p:nvSpPr>
           <p:cNvPr id="3" name="Номер слайда 2"/>
           <p:cNvSpPr>
             <a:spLocks noGrp="1"/>
@@ -4967,12 +4792,44 @@
           <a:p>
             <a:r>
               <a:rPr lang="en-AU" altLang="en-US" dirty="0" smtClean="0"/>
-              <a:t>Simultaneous Multithreading</a:t>
+              <a:t>Multithreading Example</a:t>
             </a:r>
             <a:endParaRPr lang="ru-RU" dirty="0"/>
           </a:p>
         </p:txBody>
       </p:sp>
+      <p:pic>
+        <p:nvPicPr>
+          <p:cNvPr id="5" name="Picture 5" descr="f07-05-P374493"/>
+          <p:cNvPicPr>
+            <a:picLocks noChangeAspect="1" noChangeArrowheads="1"/>
+          </p:cNvPicPr>
+          <p:nvPr/>
+        </p:nvPicPr>
+        <p:blipFill>
+          <a:blip r:embed="rId2" cstate="print"/>
+          <a:srcRect/>
+          <a:stretch>
+            <a:fillRect/>
+          </a:stretch>
+        </p:blipFill>
+        <p:spPr bwMode="auto">
+          <a:xfrm>
+            <a:off x="3455981" y="1141412"/>
+            <a:ext cx="5356110" cy="5512015"/>
+          </a:xfrm>
+          <a:prstGeom prst="rect">
+            <a:avLst/>
+          </a:prstGeom>
+          <a:noFill/>
+          <a:ln w="9525">
+            <a:noFill/>
+            <a:miter lim="800000"/>
+            <a:headEnd/>
+            <a:tailEnd/>
+          </a:ln>
+        </p:spPr>
+      </p:pic>
     </p:spTree>
   </p:cSld>
   <p:clrMapOvr>
@@ -5017,91 +4874,48 @@
         </p:nvSpPr>
         <p:spPr>
           <a:xfrm>
-            <a:off x="838200" y="1025653"/>
-            <a:ext cx="10680700" cy="3114547"/>
+            <a:off x="838200" y="1178052"/>
+            <a:ext cx="10515600" cy="5349747"/>
           </a:xfrm>
         </p:spPr>
         <p:txBody>
-          <a:bodyPr>
-            <a:normAutofit/>
-          </a:bodyPr>
+          <a:bodyPr/>
           <a:lstStyle/>
           <a:p>
-            <a:pPr>
-              <a:spcBef>
-                <a:spcPts val="1200"/>
-              </a:spcBef>
-            </a:pPr>
-            <a:r>
-              <a:rPr lang="en-AU" altLang="en-US" dirty="0" smtClean="0"/>
-              <a:t>SMP: shared memory multiprocessor</a:t>
-            </a:r>
-          </a:p>
-          <a:p>
-            <a:pPr lvl="1">
-              <a:spcBef>
-                <a:spcPts val="1200"/>
-              </a:spcBef>
-            </a:pPr>
-            <a:r>
-              <a:rPr lang="en-AU" altLang="en-US" sz="2800" dirty="0" smtClean="0"/>
-              <a:t>Hardware provides single </a:t>
-            </a:r>
-            <a:r>
-              <a:rPr lang="en-AU" altLang="en-US" sz="2800" dirty="0" smtClean="0"/>
-              <a:t>physical address </a:t>
-            </a:r>
-            <a:r>
-              <a:rPr lang="en-AU" altLang="en-US" sz="2800" dirty="0" smtClean="0"/>
-              <a:t>space for all processors</a:t>
-            </a:r>
-          </a:p>
-          <a:p>
-            <a:pPr lvl="1">
-              <a:spcBef>
-                <a:spcPts val="1200"/>
-              </a:spcBef>
-            </a:pPr>
-            <a:r>
-              <a:rPr lang="en-AU" altLang="en-US" sz="2800" dirty="0" smtClean="0"/>
-              <a:t>Synchronize shared variables using locks</a:t>
-            </a:r>
-          </a:p>
-          <a:p>
-            <a:pPr lvl="1">
-              <a:spcBef>
-                <a:spcPts val="1200"/>
-              </a:spcBef>
-            </a:pPr>
-            <a:r>
-              <a:rPr lang="en-AU" altLang="en-US" sz="2800" dirty="0" smtClean="0"/>
-              <a:t>Memory access time</a:t>
-            </a:r>
-          </a:p>
-          <a:p>
-            <a:pPr lvl="2">
-              <a:spcBef>
-                <a:spcPts val="1200"/>
-              </a:spcBef>
-            </a:pPr>
-            <a:r>
-              <a:rPr lang="en-AU" altLang="en-US" sz="2800" dirty="0" smtClean="0"/>
-              <a:t>UMA (uniform) vs. NUMA (</a:t>
-            </a:r>
-            <a:r>
-              <a:rPr lang="en-AU" altLang="en-US" sz="2800" dirty="0" err="1" smtClean="0"/>
-              <a:t>nonuniform</a:t>
-            </a:r>
-            <a:r>
-              <a:rPr lang="en-AU" altLang="en-US" sz="2800" dirty="0" smtClean="0"/>
-              <a:t>)</a:t>
-            </a:r>
-          </a:p>
-          <a:p>
-            <a:endParaRPr lang="en-AU" altLang="en-US" dirty="0" smtClean="0"/>
-          </a:p>
-          <a:p>
-            <a:endParaRPr lang="ru-RU" sz="4400" dirty="0"/>
+            <a:r>
+              <a:rPr lang="en-US" dirty="0" smtClean="0"/>
+              <a:t>Multiple processors (cores) with a method of communication between them</a:t>
+            </a:r>
+          </a:p>
+          <a:p>
+            <a:r>
+              <a:rPr lang="en-US" dirty="0" smtClean="0"/>
+              <a:t>Types:</a:t>
+            </a:r>
+          </a:p>
+          <a:p>
+            <a:pPr lvl="1"/>
+            <a:r>
+              <a:rPr lang="en-US" dirty="0" smtClean="0"/>
+              <a:t>Homogeneous: multiple cores with shared memory</a:t>
+            </a:r>
+          </a:p>
+          <a:p>
+            <a:pPr lvl="1"/>
+            <a:r>
+              <a:rPr lang="en-US" dirty="0" smtClean="0"/>
+              <a:t>Heterogeneous: separate cores for different tasks (for example, DSP and CPU in cell phone)</a:t>
+            </a:r>
+          </a:p>
+          <a:p>
+            <a:pPr lvl="1"/>
+            <a:r>
+              <a:rPr lang="en-US" dirty="0" smtClean="0"/>
+              <a:t>Clusters: each core has own memory system</a:t>
+            </a:r>
+          </a:p>
+          <a:p>
+            <a:endParaRPr lang="ru-RU" dirty="0"/>
           </a:p>
         </p:txBody>
       </p:sp>
@@ -5146,8 +4960,188 @@
           <a:lstStyle/>
           <a:p>
             <a:r>
+              <a:rPr lang="en-US" dirty="0" smtClean="0"/>
+              <a:t>Multiprocessors (MIMD)</a:t>
+            </a:r>
+            <a:endParaRPr lang="ru-RU" dirty="0"/>
+          </a:p>
+        </p:txBody>
+      </p:sp>
+    </p:spTree>
+  </p:cSld>
+  <p:clrMapOvr>
+    <a:masterClrMapping/>
+  </p:clrMapOvr>
+  <p:timing>
+    <p:tnLst>
+      <p:par>
+        <p:cTn id="1" dur="indefinite" restart="never" nodeType="tmRoot"/>
+      </p:par>
+    </p:tnLst>
+  </p:timing>
+</p:sld>
+</file>
+
+<file path=ppt/slides/slide15.xml><?xml version="1.0" encoding="utf-8"?>
+<p:sld xmlns:a="http://schemas.openxmlformats.org/drawingml/2006/main" xmlns:r="http://schemas.openxmlformats.org/officeDocument/2006/relationships" xmlns:p="http://schemas.openxmlformats.org/presentationml/2006/main">
+  <p:cSld>
+    <p:spTree>
+      <p:nvGrpSpPr>
+        <p:cNvPr id="1" name=""/>
+        <p:cNvGrpSpPr/>
+        <p:nvPr/>
+      </p:nvGrpSpPr>
+      <p:grpSpPr>
+        <a:xfrm>
+          <a:off x="0" y="0"/>
+          <a:ext cx="0" cy="0"/>
+          <a:chOff x="0" y="0"/>
+          <a:chExt cx="0" cy="0"/>
+        </a:xfrm>
+      </p:grpSpPr>
+      <p:sp>
+        <p:nvSpPr>
+          <p:cNvPr id="2" name="Содержимое 1"/>
+          <p:cNvSpPr>
+            <a:spLocks noGrp="1"/>
+          </p:cNvSpPr>
+          <p:nvPr>
+            <p:ph idx="1"/>
+          </p:nvPr>
+        </p:nvSpPr>
+        <p:spPr>
+          <a:xfrm>
+            <a:off x="838200" y="1025653"/>
+            <a:ext cx="10680700" cy="3114547"/>
+          </a:xfrm>
+        </p:spPr>
+        <p:txBody>
+          <a:bodyPr>
+            <a:normAutofit/>
+          </a:bodyPr>
+          <a:lstStyle/>
+          <a:p>
+            <a:pPr>
+              <a:spcBef>
+                <a:spcPts val="1200"/>
+              </a:spcBef>
+            </a:pPr>
+            <a:r>
               <a:rPr lang="en-AU" altLang="en-US" dirty="0" smtClean="0"/>
-              <a:t>Shared Memory</a:t>
+              <a:t>SMP: shared memory multiprocessor</a:t>
+            </a:r>
+          </a:p>
+          <a:p>
+            <a:pPr lvl="1">
+              <a:spcBef>
+                <a:spcPts val="1200"/>
+              </a:spcBef>
+            </a:pPr>
+            <a:r>
+              <a:rPr lang="en-AU" altLang="en-US" sz="2800" dirty="0" smtClean="0"/>
+              <a:t>Hardware provides single physical address space for all processors</a:t>
+            </a:r>
+          </a:p>
+          <a:p>
+            <a:pPr lvl="1">
+              <a:spcBef>
+                <a:spcPts val="1200"/>
+              </a:spcBef>
+            </a:pPr>
+            <a:r>
+              <a:rPr lang="en-AU" altLang="en-US" sz="2800" dirty="0" smtClean="0"/>
+              <a:t>Synchronize shared variables using locks</a:t>
+            </a:r>
+          </a:p>
+          <a:p>
+            <a:pPr lvl="1">
+              <a:spcBef>
+                <a:spcPts val="1200"/>
+              </a:spcBef>
+            </a:pPr>
+            <a:r>
+              <a:rPr lang="en-AU" altLang="en-US" sz="2800" dirty="0" smtClean="0"/>
+              <a:t>Memory access time</a:t>
+            </a:r>
+          </a:p>
+          <a:p>
+            <a:pPr lvl="2">
+              <a:spcBef>
+                <a:spcPts val="1200"/>
+              </a:spcBef>
+            </a:pPr>
+            <a:r>
+              <a:rPr lang="en-AU" altLang="en-US" sz="2800" dirty="0" smtClean="0"/>
+              <a:t>UMA (uniform) vs. NUMA (</a:t>
+            </a:r>
+            <a:r>
+              <a:rPr lang="en-AU" altLang="en-US" sz="2800" dirty="0" err="1" smtClean="0"/>
+              <a:t>nonuniform</a:t>
+            </a:r>
+            <a:r>
+              <a:rPr lang="en-AU" altLang="en-US" sz="2800" dirty="0" smtClean="0"/>
+              <a:t>)</a:t>
+            </a:r>
+          </a:p>
+          <a:p>
+            <a:endParaRPr lang="en-AU" altLang="en-US" dirty="0" smtClean="0"/>
+          </a:p>
+          <a:p>
+            <a:endParaRPr lang="ru-RU" sz="4400" dirty="0"/>
+          </a:p>
+        </p:txBody>
+      </p:sp>
+      <p:sp>
+        <p:nvSpPr>
+          <p:cNvPr id="3" name="Номер слайда 2"/>
+          <p:cNvSpPr>
+            <a:spLocks noGrp="1"/>
+          </p:cNvSpPr>
+          <p:nvPr>
+            <p:ph type="sldNum" sz="quarter" idx="12"/>
+          </p:nvPr>
+        </p:nvSpPr>
+        <p:spPr/>
+        <p:txBody>
+          <a:bodyPr/>
+          <a:lstStyle/>
+          <a:p>
+            <a:pPr algn="ctr"/>
+            <a:fld id="{1397BFD8-F312-4EF2-A268-44FB4BDDBBB0}" type="slidenum">
+              <a:rPr lang="ru-RU" smtClean="0"/>
+              <a:pPr algn="ctr"/>
+              <a:t>15</a:t>
+            </a:fld>
+            <a:endParaRPr lang="ru-RU" dirty="0"/>
+          </a:p>
+        </p:txBody>
+      </p:sp>
+      <p:sp>
+        <p:nvSpPr>
+          <p:cNvPr id="4" name="Заголовок 3"/>
+          <p:cNvSpPr>
+            <a:spLocks noGrp="1"/>
+          </p:cNvSpPr>
+          <p:nvPr>
+            <p:ph type="title"/>
+          </p:nvPr>
+        </p:nvSpPr>
+        <p:spPr/>
+        <p:txBody>
+          <a:bodyPr/>
+          <a:lstStyle/>
+          <a:p>
+            <a:r>
+              <a:rPr lang="en-AU" altLang="en-US" dirty="0" err="1" smtClean="0"/>
+              <a:t>Multicores</a:t>
+            </a:r>
+            <a:r>
+              <a:rPr lang="en-AU" altLang="en-US" dirty="0" smtClean="0"/>
+              <a:t>: Shared </a:t>
+            </a:r>
+            <a:r>
+              <a:rPr lang="en-AU" altLang="en-US" dirty="0" smtClean="0"/>
+              <a:t>Memory</a:t>
             </a:r>
             <a:endParaRPr lang="ru-RU" dirty="0"/>
           </a:p>
@@ -5200,118 +5194,6 @@
 </p:sld>
 </file>
 
-<file path=ppt/slides/slide15.xml><?xml version="1.0" encoding="utf-8"?>
-<p:sld xmlns:a="http://schemas.openxmlformats.org/drawingml/2006/main" xmlns:r="http://schemas.openxmlformats.org/officeDocument/2006/relationships" xmlns:p="http://schemas.openxmlformats.org/presentationml/2006/main">
-  <p:cSld>
-    <p:spTree>
-      <p:nvGrpSpPr>
-        <p:cNvPr id="1" name=""/>
-        <p:cNvGrpSpPr/>
-        <p:nvPr/>
-      </p:nvGrpSpPr>
-      <p:grpSpPr>
-        <a:xfrm>
-          <a:off x="0" y="0"/>
-          <a:ext cx="0" cy="0"/>
-          <a:chOff x="0" y="0"/>
-          <a:chExt cx="0" cy="0"/>
-        </a:xfrm>
-      </p:grpSpPr>
-      <p:sp>
-        <p:nvSpPr>
-          <p:cNvPr id="3" name="Номер слайда 2"/>
-          <p:cNvSpPr>
-            <a:spLocks noGrp="1"/>
-          </p:cNvSpPr>
-          <p:nvPr>
-            <p:ph type="sldNum" sz="quarter" idx="12"/>
-          </p:nvPr>
-        </p:nvSpPr>
-        <p:spPr/>
-        <p:txBody>
-          <a:bodyPr/>
-          <a:lstStyle/>
-          <a:p>
-            <a:pPr algn="ctr"/>
-            <a:fld id="{1397BFD8-F312-4EF2-A268-44FB4BDDBBB0}" type="slidenum">
-              <a:rPr lang="ru-RU" smtClean="0"/>
-              <a:pPr algn="ctr"/>
-              <a:t>15</a:t>
-            </a:fld>
-            <a:endParaRPr lang="ru-RU" dirty="0"/>
-          </a:p>
-        </p:txBody>
-      </p:sp>
-      <p:sp>
-        <p:nvSpPr>
-          <p:cNvPr id="4" name="Заголовок 3"/>
-          <p:cNvSpPr>
-            <a:spLocks noGrp="1"/>
-          </p:cNvSpPr>
-          <p:nvPr>
-            <p:ph type="title"/>
-          </p:nvPr>
-        </p:nvSpPr>
-        <p:spPr/>
-        <p:txBody>
-          <a:bodyPr/>
-          <a:lstStyle/>
-          <a:p>
-            <a:r>
-              <a:rPr lang="en-AU" altLang="en-US" dirty="0" smtClean="0"/>
-              <a:t>Multithreading Example</a:t>
-            </a:r>
-            <a:endParaRPr lang="ru-RU" dirty="0"/>
-          </a:p>
-        </p:txBody>
-      </p:sp>
-      <p:pic>
-        <p:nvPicPr>
-          <p:cNvPr id="5" name="Picture 5" descr="f07-05-P374493"/>
-          <p:cNvPicPr>
-            <a:picLocks noChangeAspect="1" noChangeArrowheads="1"/>
-          </p:cNvPicPr>
-          <p:nvPr/>
-        </p:nvPicPr>
-        <p:blipFill>
-          <a:blip r:embed="rId2" cstate="print"/>
-          <a:srcRect/>
-          <a:stretch>
-            <a:fillRect/>
-          </a:stretch>
-        </p:blipFill>
-        <p:spPr bwMode="auto">
-          <a:xfrm>
-            <a:off x="3455981" y="1141412"/>
-            <a:ext cx="5356110" cy="5512015"/>
-          </a:xfrm>
-          <a:prstGeom prst="rect">
-            <a:avLst/>
-          </a:prstGeom>
-          <a:noFill/>
-          <a:ln w="9525">
-            <a:noFill/>
-            <a:miter lim="800000"/>
-            <a:headEnd/>
-            <a:tailEnd/>
-          </a:ln>
-        </p:spPr>
-      </p:pic>
-    </p:spTree>
-  </p:cSld>
-  <p:clrMapOvr>
-    <a:masterClrMapping/>
-  </p:clrMapOvr>
-  <p:timing>
-    <p:tnLst>
-      <p:par>
-        <p:cTn id="1" dur="indefinite" restart="never" nodeType="tmRoot"/>
-      </p:par>
-    </p:tnLst>
-  </p:timing>
-</p:sld>
-</file>
-
 <file path=ppt/slides/slide16.xml><?xml version="1.0" encoding="utf-8"?>
 <p:sld xmlns:a="http://schemas.openxmlformats.org/drawingml/2006/main" xmlns:r="http://schemas.openxmlformats.org/officeDocument/2006/relationships" xmlns:p="http://schemas.openxmlformats.org/presentationml/2006/main">
   <p:cSld>
@@ -5341,8 +5223,8 @@
         </p:nvSpPr>
         <p:spPr>
           <a:xfrm>
-            <a:off x="787400" y="1178053"/>
-            <a:ext cx="10883900" cy="1908047"/>
+            <a:off x="838200" y="1178053"/>
+            <a:ext cx="10515600" cy="1209547"/>
           </a:xfrm>
         </p:spPr>
         <p:txBody>
@@ -5351,19 +5233,18 @@
           <a:p>
             <a:r>
               <a:rPr lang="en-AU" altLang="en-US" dirty="0" smtClean="0"/>
-              <a:t>Each processor has private physical address space</a:t>
-            </a:r>
-          </a:p>
-          <a:p>
+              <a:t>Suppose two CPU cores share a physical address space</a:t>
+            </a:r>
+          </a:p>
+          <a:p>
+            <a:pPr lvl="1"/>
             <a:r>
               <a:rPr lang="en-AU" altLang="en-US" dirty="0" smtClean="0"/>
-              <a:t>Hardware sends/receives messages between </a:t>
-            </a:r>
-            <a:r>
-              <a:rPr lang="en-AU" altLang="en-US" dirty="0" smtClean="0"/>
-              <a:t>processors</a:t>
-            </a:r>
-            <a:endParaRPr lang="en-AU" altLang="en-US" dirty="0" smtClean="0"/>
+              <a:t>Write-through caches</a:t>
+            </a:r>
+          </a:p>
+          <a:p>
+            <a:endParaRPr lang="ru-RU" dirty="0"/>
           </a:p>
         </p:txBody>
       </p:sp>
@@ -5408,57 +5289,2151 @@
           <a:lstStyle/>
           <a:p>
             <a:r>
-              <a:rPr lang="en-AU" altLang="en-US" dirty="0" smtClean="0"/>
-              <a:t>Message Passing</a:t>
+              <a:rPr lang="en-US" dirty="0" err="1" smtClean="0"/>
+              <a:t>Multicores</a:t>
+            </a:r>
+            <a:r>
+              <a:rPr lang="en-US" dirty="0" smtClean="0"/>
+              <a:t> and </a:t>
+            </a:r>
+            <a:r>
+              <a:rPr lang="en-US" dirty="0" smtClean="0"/>
+              <a:t>Cache Coherence</a:t>
             </a:r>
             <a:endParaRPr lang="ru-RU" dirty="0"/>
           </a:p>
         </p:txBody>
       </p:sp>
-      <p:pic>
-        <p:nvPicPr>
-          <p:cNvPr id="5" name="Picture 6" descr="f07-04-P374493"/>
-          <p:cNvPicPr>
-            <a:picLocks noChangeAspect="1" noChangeArrowheads="1"/>
-          </p:cNvPicPr>
+      <p:graphicFrame>
+        <p:nvGraphicFramePr>
+          <p:cNvPr id="5" name="Group 68"/>
+          <p:cNvGraphicFramePr>
+            <a:graphicFrameLocks noGrp="1"/>
+          </p:cNvGraphicFramePr>
           <p:nvPr/>
-        </p:nvPicPr>
-        <p:blipFill>
-          <a:blip r:embed="rId2" cstate="print"/>
-          <a:srcRect/>
-          <a:stretch>
-            <a:fillRect/>
-          </a:stretch>
-        </p:blipFill>
-        <p:spPr bwMode="auto">
-          <a:xfrm>
-            <a:off x="3068616" y="2897182"/>
-            <a:ext cx="6336805" cy="3149200"/>
-          </a:xfrm>
-          <a:prstGeom prst="rect">
-            <a:avLst/>
-          </a:prstGeom>
-          <a:noFill/>
-          <a:ln w="9525">
-            <a:noFill/>
-            <a:miter lim="800000"/>
-            <a:headEnd/>
-            <a:tailEnd/>
-          </a:ln>
-        </p:spPr>
-      </p:pic>
+        </p:nvGraphicFramePr>
+        <p:xfrm>
+          <a:off x="1574800" y="2780221"/>
+          <a:ext cx="9296399" cy="3017630"/>
+        </p:xfrm>
+        <a:graphic>
+          <a:graphicData uri="http://schemas.openxmlformats.org/drawingml/2006/table">
+            <a:tbl>
+              <a:tblPr/>
+              <a:tblGrid>
+                <a:gridCol w="1219200"/>
+                <a:gridCol w="3378200"/>
+                <a:gridCol w="1511300"/>
+                <a:gridCol w="1727200"/>
+                <a:gridCol w="1460499"/>
+              </a:tblGrid>
+              <a:tr h="699982">
+                <a:tc>
+                  <a:txBody>
+                    <a:bodyPr/>
+                    <a:lstStyle/>
+                    <a:p>
+                      <a:pPr marL="0" marR="0" lvl="0" indent="0" algn="ctr" defTabSz="914400" rtl="0" eaLnBrk="1" fontAlgn="base" latinLnBrk="0" hangingPunct="1">
+                        <a:lnSpc>
+                          <a:spcPct val="100000"/>
+                        </a:lnSpc>
+                        <a:spcBef>
+                          <a:spcPct val="20000"/>
+                        </a:spcBef>
+                        <a:spcAft>
+                          <a:spcPct val="0"/>
+                        </a:spcAft>
+                        <a:buClr>
+                          <a:schemeClr val="folHlink"/>
+                        </a:buClr>
+                        <a:buSzPct val="60000"/>
+                        <a:buFont typeface="Wingdings" pitchFamily="2" charset="2"/>
+                        <a:buNone/>
+                        <a:tabLst/>
+                      </a:pPr>
+                      <a:r>
+                        <a:rPr kumimoji="0" lang="en-AU" sz="2800" b="0" i="0" u="none" strike="noStrike" cap="none" normalizeH="0" baseline="0" dirty="0" smtClean="0">
+                          <a:ln>
+                            <a:noFill/>
+                          </a:ln>
+                          <a:solidFill>
+                            <a:srgbClr val="1E3272"/>
+                          </a:solidFill>
+                          <a:effectLst/>
+                          <a:latin typeface="Arial" charset="0"/>
+                        </a:rPr>
+                        <a:t>Time step</a:t>
+                      </a:r>
+                    </a:p>
+                  </a:txBody>
+                  <a:tcPr marT="45731" marB="45731" horzOverflow="overflow">
+                    <a:lnL w="28575" cap="flat" cmpd="sng" algn="ctr">
+                      <a:solidFill>
+                        <a:schemeClr val="tx1"/>
+                      </a:solidFill>
+                      <a:prstDash val="solid"/>
+                      <a:round/>
+                      <a:headEnd type="none" w="med" len="med"/>
+                      <a:tailEnd type="none" w="med" len="med"/>
+                    </a:lnL>
+                    <a:lnR w="12700" cap="flat" cmpd="sng" algn="ctr">
+                      <a:solidFill>
+                        <a:schemeClr val="tx1"/>
+                      </a:solidFill>
+                      <a:prstDash val="solid"/>
+                      <a:round/>
+                      <a:headEnd type="none" w="med" len="med"/>
+                      <a:tailEnd type="none" w="med" len="med"/>
+                    </a:lnR>
+                    <a:lnT w="28575" cap="flat" cmpd="sng" algn="ctr">
+                      <a:solidFill>
+                        <a:schemeClr val="tx1"/>
+                      </a:solidFill>
+                      <a:prstDash val="solid"/>
+                      <a:round/>
+                      <a:headEnd type="none" w="med" len="med"/>
+                      <a:tailEnd type="none" w="med" len="med"/>
+                    </a:lnT>
+                    <a:lnB w="12700" cap="flat" cmpd="sng" algn="ctr">
+                      <a:solidFill>
+                        <a:schemeClr val="tx1"/>
+                      </a:solidFill>
+                      <a:prstDash val="solid"/>
+                      <a:round/>
+                      <a:headEnd type="none" w="med" len="med"/>
+                      <a:tailEnd type="none" w="med" len="med"/>
+                    </a:lnB>
+                    <a:lnTlToBr>
+                      <a:noFill/>
+                    </a:lnTlToBr>
+                    <a:lnBlToTr>
+                      <a:noFill/>
+                    </a:lnBlToTr>
+                    <a:noFill/>
+                  </a:tcPr>
+                </a:tc>
+                <a:tc>
+                  <a:txBody>
+                    <a:bodyPr/>
+                    <a:lstStyle/>
+                    <a:p>
+                      <a:pPr marL="0" marR="0" lvl="0" indent="0" algn="l" defTabSz="914400" rtl="0" eaLnBrk="1" fontAlgn="base" latinLnBrk="0" hangingPunct="1">
+                        <a:lnSpc>
+                          <a:spcPct val="100000"/>
+                        </a:lnSpc>
+                        <a:spcBef>
+                          <a:spcPct val="20000"/>
+                        </a:spcBef>
+                        <a:spcAft>
+                          <a:spcPct val="0"/>
+                        </a:spcAft>
+                        <a:buClr>
+                          <a:schemeClr val="folHlink"/>
+                        </a:buClr>
+                        <a:buSzPct val="60000"/>
+                        <a:buFont typeface="Wingdings" pitchFamily="2" charset="2"/>
+                        <a:buNone/>
+                        <a:tabLst/>
+                      </a:pPr>
+                      <a:r>
+                        <a:rPr kumimoji="0" lang="en-AU" sz="2800" b="0" i="0" u="none" strike="noStrike" cap="none" normalizeH="0" baseline="0" dirty="0" smtClean="0">
+                          <a:ln>
+                            <a:noFill/>
+                          </a:ln>
+                          <a:solidFill>
+                            <a:srgbClr val="1E3272"/>
+                          </a:solidFill>
+                          <a:effectLst/>
+                          <a:latin typeface="Arial" charset="0"/>
+                        </a:rPr>
+                        <a:t>Event</a:t>
+                      </a:r>
+                    </a:p>
+                  </a:txBody>
+                  <a:tcPr marT="45731" marB="45731" horzOverflow="overflow">
+                    <a:lnL w="12700" cap="flat" cmpd="sng" algn="ctr">
+                      <a:solidFill>
+                        <a:schemeClr val="tx1"/>
+                      </a:solidFill>
+                      <a:prstDash val="solid"/>
+                      <a:round/>
+                      <a:headEnd type="none" w="med" len="med"/>
+                      <a:tailEnd type="none" w="med" len="med"/>
+                    </a:lnL>
+                    <a:lnR w="12700" cap="flat" cmpd="sng" algn="ctr">
+                      <a:solidFill>
+                        <a:schemeClr val="tx1"/>
+                      </a:solidFill>
+                      <a:prstDash val="solid"/>
+                      <a:round/>
+                      <a:headEnd type="none" w="med" len="med"/>
+                      <a:tailEnd type="none" w="med" len="med"/>
+                    </a:lnR>
+                    <a:lnT w="28575" cap="flat" cmpd="sng" algn="ctr">
+                      <a:solidFill>
+                        <a:schemeClr val="tx1"/>
+                      </a:solidFill>
+                      <a:prstDash val="solid"/>
+                      <a:round/>
+                      <a:headEnd type="none" w="med" len="med"/>
+                      <a:tailEnd type="none" w="med" len="med"/>
+                    </a:lnT>
+                    <a:lnB w="12700" cap="flat" cmpd="sng" algn="ctr">
+                      <a:solidFill>
+                        <a:schemeClr val="tx1"/>
+                      </a:solidFill>
+                      <a:prstDash val="solid"/>
+                      <a:round/>
+                      <a:headEnd type="none" w="med" len="med"/>
+                      <a:tailEnd type="none" w="med" len="med"/>
+                    </a:lnB>
+                    <a:lnTlToBr>
+                      <a:noFill/>
+                    </a:lnTlToBr>
+                    <a:lnBlToTr>
+                      <a:noFill/>
+                    </a:lnBlToTr>
+                    <a:noFill/>
+                  </a:tcPr>
+                </a:tc>
+                <a:tc>
+                  <a:txBody>
+                    <a:bodyPr/>
+                    <a:lstStyle/>
+                    <a:p>
+                      <a:pPr marL="0" marR="0" lvl="0" indent="0" algn="ctr" defTabSz="914400" rtl="0" eaLnBrk="1" fontAlgn="base" latinLnBrk="0" hangingPunct="1">
+                        <a:lnSpc>
+                          <a:spcPct val="100000"/>
+                        </a:lnSpc>
+                        <a:spcBef>
+                          <a:spcPct val="20000"/>
+                        </a:spcBef>
+                        <a:spcAft>
+                          <a:spcPct val="0"/>
+                        </a:spcAft>
+                        <a:buClr>
+                          <a:schemeClr val="folHlink"/>
+                        </a:buClr>
+                        <a:buSzPct val="60000"/>
+                        <a:buFont typeface="Wingdings" pitchFamily="2" charset="2"/>
+                        <a:buNone/>
+                        <a:tabLst/>
+                      </a:pPr>
+                      <a:r>
+                        <a:rPr kumimoji="0" lang="en-AU" sz="2800" b="0" i="0" u="none" strike="noStrike" cap="none" normalizeH="0" baseline="0" dirty="0" smtClean="0">
+                          <a:ln>
+                            <a:noFill/>
+                          </a:ln>
+                          <a:solidFill>
+                            <a:srgbClr val="1E3272"/>
+                          </a:solidFill>
+                          <a:effectLst/>
+                          <a:latin typeface="Arial" charset="0"/>
+                        </a:rPr>
+                        <a:t>CPU A’s cache</a:t>
+                      </a:r>
+                    </a:p>
+                  </a:txBody>
+                  <a:tcPr marT="45731" marB="45731" horzOverflow="overflow">
+                    <a:lnL w="12700" cap="flat" cmpd="sng" algn="ctr">
+                      <a:solidFill>
+                        <a:schemeClr val="tx1"/>
+                      </a:solidFill>
+                      <a:prstDash val="solid"/>
+                      <a:round/>
+                      <a:headEnd type="none" w="med" len="med"/>
+                      <a:tailEnd type="none" w="med" len="med"/>
+                    </a:lnL>
+                    <a:lnR w="12700" cap="flat" cmpd="sng" algn="ctr">
+                      <a:solidFill>
+                        <a:schemeClr val="tx1"/>
+                      </a:solidFill>
+                      <a:prstDash val="solid"/>
+                      <a:round/>
+                      <a:headEnd type="none" w="med" len="med"/>
+                      <a:tailEnd type="none" w="med" len="med"/>
+                    </a:lnR>
+                    <a:lnT w="28575" cap="flat" cmpd="sng" algn="ctr">
+                      <a:solidFill>
+                        <a:schemeClr val="tx1"/>
+                      </a:solidFill>
+                      <a:prstDash val="solid"/>
+                      <a:round/>
+                      <a:headEnd type="none" w="med" len="med"/>
+                      <a:tailEnd type="none" w="med" len="med"/>
+                    </a:lnT>
+                    <a:lnB w="12700" cap="flat" cmpd="sng" algn="ctr">
+                      <a:solidFill>
+                        <a:schemeClr val="tx1"/>
+                      </a:solidFill>
+                      <a:prstDash val="solid"/>
+                      <a:round/>
+                      <a:headEnd type="none" w="med" len="med"/>
+                      <a:tailEnd type="none" w="med" len="med"/>
+                    </a:lnB>
+                    <a:lnTlToBr>
+                      <a:noFill/>
+                    </a:lnTlToBr>
+                    <a:lnBlToTr>
+                      <a:noFill/>
+                    </a:lnBlToTr>
+                    <a:noFill/>
+                  </a:tcPr>
+                </a:tc>
+                <a:tc>
+                  <a:txBody>
+                    <a:bodyPr/>
+                    <a:lstStyle/>
+                    <a:p>
+                      <a:pPr marL="0" marR="0" lvl="0" indent="0" algn="ctr" defTabSz="914400" rtl="0" eaLnBrk="1" fontAlgn="base" latinLnBrk="0" hangingPunct="1">
+                        <a:lnSpc>
+                          <a:spcPct val="100000"/>
+                        </a:lnSpc>
+                        <a:spcBef>
+                          <a:spcPct val="20000"/>
+                        </a:spcBef>
+                        <a:spcAft>
+                          <a:spcPct val="0"/>
+                        </a:spcAft>
+                        <a:buClr>
+                          <a:schemeClr val="folHlink"/>
+                        </a:buClr>
+                        <a:buSzPct val="60000"/>
+                        <a:buFont typeface="Wingdings" pitchFamily="2" charset="2"/>
+                        <a:buNone/>
+                        <a:tabLst/>
+                      </a:pPr>
+                      <a:r>
+                        <a:rPr kumimoji="0" lang="en-AU" sz="2800" b="0" i="0" u="none" strike="noStrike" cap="none" normalizeH="0" baseline="0" dirty="0" smtClean="0">
+                          <a:ln>
+                            <a:noFill/>
+                          </a:ln>
+                          <a:solidFill>
+                            <a:srgbClr val="1E3272"/>
+                          </a:solidFill>
+                          <a:effectLst/>
+                          <a:latin typeface="Arial" charset="0"/>
+                        </a:rPr>
+                        <a:t>CPU B’s cache</a:t>
+                      </a:r>
+                    </a:p>
+                  </a:txBody>
+                  <a:tcPr marT="45731" marB="45731" horzOverflow="overflow">
+                    <a:lnL w="12700" cap="flat" cmpd="sng" algn="ctr">
+                      <a:solidFill>
+                        <a:schemeClr val="tx1"/>
+                      </a:solidFill>
+                      <a:prstDash val="solid"/>
+                      <a:round/>
+                      <a:headEnd type="none" w="med" len="med"/>
+                      <a:tailEnd type="none" w="med" len="med"/>
+                    </a:lnL>
+                    <a:lnR w="12700" cap="flat" cmpd="sng" algn="ctr">
+                      <a:solidFill>
+                        <a:schemeClr val="tx1"/>
+                      </a:solidFill>
+                      <a:prstDash val="solid"/>
+                      <a:round/>
+                      <a:headEnd type="none" w="med" len="med"/>
+                      <a:tailEnd type="none" w="med" len="med"/>
+                    </a:lnR>
+                    <a:lnT w="28575" cap="flat" cmpd="sng" algn="ctr">
+                      <a:solidFill>
+                        <a:schemeClr val="tx1"/>
+                      </a:solidFill>
+                      <a:prstDash val="solid"/>
+                      <a:round/>
+                      <a:headEnd type="none" w="med" len="med"/>
+                      <a:tailEnd type="none" w="med" len="med"/>
+                    </a:lnT>
+                    <a:lnB w="12700" cap="flat" cmpd="sng" algn="ctr">
+                      <a:solidFill>
+                        <a:schemeClr val="tx1"/>
+                      </a:solidFill>
+                      <a:prstDash val="solid"/>
+                      <a:round/>
+                      <a:headEnd type="none" w="med" len="med"/>
+                      <a:tailEnd type="none" w="med" len="med"/>
+                    </a:lnB>
+                    <a:lnTlToBr>
+                      <a:noFill/>
+                    </a:lnTlToBr>
+                    <a:lnBlToTr>
+                      <a:noFill/>
+                    </a:lnBlToTr>
+                    <a:noFill/>
+                  </a:tcPr>
+                </a:tc>
+                <a:tc>
+                  <a:txBody>
+                    <a:bodyPr/>
+                    <a:lstStyle/>
+                    <a:p>
+                      <a:pPr marL="0" marR="0" lvl="0" indent="0" algn="ctr" defTabSz="914400" rtl="0" eaLnBrk="1" fontAlgn="base" latinLnBrk="0" hangingPunct="1">
+                        <a:lnSpc>
+                          <a:spcPct val="100000"/>
+                        </a:lnSpc>
+                        <a:spcBef>
+                          <a:spcPct val="20000"/>
+                        </a:spcBef>
+                        <a:spcAft>
+                          <a:spcPct val="0"/>
+                        </a:spcAft>
+                        <a:buClr>
+                          <a:schemeClr val="folHlink"/>
+                        </a:buClr>
+                        <a:buSzPct val="60000"/>
+                        <a:buFont typeface="Wingdings" pitchFamily="2" charset="2"/>
+                        <a:buNone/>
+                        <a:tabLst/>
+                      </a:pPr>
+                      <a:r>
+                        <a:rPr kumimoji="0" lang="en-AU" sz="2800" b="0" i="0" u="none" strike="noStrike" cap="none" normalizeH="0" baseline="0" smtClean="0">
+                          <a:ln>
+                            <a:noFill/>
+                          </a:ln>
+                          <a:solidFill>
+                            <a:srgbClr val="1E3272"/>
+                          </a:solidFill>
+                          <a:effectLst/>
+                          <a:latin typeface="Arial" charset="0"/>
+                        </a:rPr>
+                        <a:t>Memory</a:t>
+                      </a:r>
+                    </a:p>
+                  </a:txBody>
+                  <a:tcPr marT="45731" marB="45731" horzOverflow="overflow">
+                    <a:lnL w="12700" cap="flat" cmpd="sng" algn="ctr">
+                      <a:solidFill>
+                        <a:schemeClr val="tx1"/>
+                      </a:solidFill>
+                      <a:prstDash val="solid"/>
+                      <a:round/>
+                      <a:headEnd type="none" w="med" len="med"/>
+                      <a:tailEnd type="none" w="med" len="med"/>
+                    </a:lnL>
+                    <a:lnR w="28575" cap="flat" cmpd="sng" algn="ctr">
+                      <a:solidFill>
+                        <a:schemeClr val="tx1"/>
+                      </a:solidFill>
+                      <a:prstDash val="solid"/>
+                      <a:round/>
+                      <a:headEnd type="none" w="med" len="med"/>
+                      <a:tailEnd type="none" w="med" len="med"/>
+                    </a:lnR>
+                    <a:lnT w="28575" cap="flat" cmpd="sng" algn="ctr">
+                      <a:solidFill>
+                        <a:schemeClr val="tx1"/>
+                      </a:solidFill>
+                      <a:prstDash val="solid"/>
+                      <a:round/>
+                      <a:headEnd type="none" w="med" len="med"/>
+                      <a:tailEnd type="none" w="med" len="med"/>
+                    </a:lnT>
+                    <a:lnB w="12700" cap="flat" cmpd="sng" algn="ctr">
+                      <a:solidFill>
+                        <a:schemeClr val="tx1"/>
+                      </a:solidFill>
+                      <a:prstDash val="solid"/>
+                      <a:round/>
+                      <a:headEnd type="none" w="med" len="med"/>
+                      <a:tailEnd type="none" w="med" len="med"/>
+                    </a:lnB>
+                    <a:lnTlToBr>
+                      <a:noFill/>
+                    </a:lnTlToBr>
+                    <a:lnBlToTr>
+                      <a:noFill/>
+                    </a:lnBlToTr>
+                    <a:noFill/>
+                  </a:tcPr>
+                </a:tc>
+              </a:tr>
+              <a:tr h="507233">
+                <a:tc>
+                  <a:txBody>
+                    <a:bodyPr/>
+                    <a:lstStyle/>
+                    <a:p>
+                      <a:pPr marL="0" marR="0" lvl="0" indent="0" algn="ctr" defTabSz="914400" rtl="0" eaLnBrk="1" fontAlgn="base" latinLnBrk="0" hangingPunct="1">
+                        <a:lnSpc>
+                          <a:spcPct val="100000"/>
+                        </a:lnSpc>
+                        <a:spcBef>
+                          <a:spcPct val="20000"/>
+                        </a:spcBef>
+                        <a:spcAft>
+                          <a:spcPct val="0"/>
+                        </a:spcAft>
+                        <a:buClr>
+                          <a:schemeClr val="folHlink"/>
+                        </a:buClr>
+                        <a:buSzPct val="60000"/>
+                        <a:buFont typeface="Wingdings" pitchFamily="2" charset="2"/>
+                        <a:buNone/>
+                        <a:tabLst/>
+                      </a:pPr>
+                      <a:r>
+                        <a:rPr kumimoji="0" lang="en-AU" sz="2800" b="0" i="0" u="none" strike="noStrike" cap="none" normalizeH="0" baseline="0" dirty="0" smtClean="0">
+                          <a:ln>
+                            <a:noFill/>
+                          </a:ln>
+                          <a:solidFill>
+                            <a:srgbClr val="1E3272"/>
+                          </a:solidFill>
+                          <a:effectLst/>
+                          <a:latin typeface="Arial" charset="0"/>
+                        </a:rPr>
+                        <a:t>0</a:t>
+                      </a:r>
+                    </a:p>
+                  </a:txBody>
+                  <a:tcPr marT="45731" marB="45731" horzOverflow="overflow">
+                    <a:lnL w="28575" cap="flat" cmpd="sng" algn="ctr">
+                      <a:solidFill>
+                        <a:schemeClr val="tx1"/>
+                      </a:solidFill>
+                      <a:prstDash val="solid"/>
+                      <a:round/>
+                      <a:headEnd type="none" w="med" len="med"/>
+                      <a:tailEnd type="none" w="med" len="med"/>
+                    </a:lnL>
+                    <a:lnR w="12700" cap="flat" cmpd="sng" algn="ctr">
+                      <a:solidFill>
+                        <a:schemeClr val="tx1"/>
+                      </a:solidFill>
+                      <a:prstDash val="solid"/>
+                      <a:round/>
+                      <a:headEnd type="none" w="med" len="med"/>
+                      <a:tailEnd type="none" w="med" len="med"/>
+                    </a:lnR>
+                    <a:lnT w="12700" cap="flat" cmpd="sng" algn="ctr">
+                      <a:solidFill>
+                        <a:schemeClr val="tx1"/>
+                      </a:solidFill>
+                      <a:prstDash val="solid"/>
+                      <a:round/>
+                      <a:headEnd type="none" w="med" len="med"/>
+                      <a:tailEnd type="none" w="med" len="med"/>
+                    </a:lnT>
+                    <a:lnB w="12700" cap="flat" cmpd="sng" algn="ctr">
+                      <a:solidFill>
+                        <a:schemeClr val="tx1"/>
+                      </a:solidFill>
+                      <a:prstDash val="solid"/>
+                      <a:round/>
+                      <a:headEnd type="none" w="med" len="med"/>
+                      <a:tailEnd type="none" w="med" len="med"/>
+                    </a:lnB>
+                    <a:lnTlToBr>
+                      <a:noFill/>
+                    </a:lnTlToBr>
+                    <a:lnBlToTr>
+                      <a:noFill/>
+                    </a:lnBlToTr>
+                    <a:noFill/>
+                  </a:tcPr>
+                </a:tc>
+                <a:tc>
+                  <a:txBody>
+                    <a:bodyPr/>
+                    <a:lstStyle/>
+                    <a:p>
+                      <a:pPr marL="0" marR="0" lvl="0" indent="0" algn="l" defTabSz="914400" rtl="0" eaLnBrk="1" fontAlgn="base" latinLnBrk="0" hangingPunct="1">
+                        <a:lnSpc>
+                          <a:spcPct val="100000"/>
+                        </a:lnSpc>
+                        <a:spcBef>
+                          <a:spcPct val="20000"/>
+                        </a:spcBef>
+                        <a:spcAft>
+                          <a:spcPct val="0"/>
+                        </a:spcAft>
+                        <a:buClr>
+                          <a:schemeClr val="folHlink"/>
+                        </a:buClr>
+                        <a:buSzPct val="60000"/>
+                        <a:buFont typeface="Wingdings" pitchFamily="2" charset="2"/>
+                        <a:buNone/>
+                        <a:tabLst/>
+                      </a:pPr>
+                      <a:endParaRPr kumimoji="0" lang="en-US" sz="2800" b="0" i="0" u="none" strike="noStrike" cap="none" normalizeH="0" baseline="0" dirty="0" smtClean="0">
+                        <a:ln>
+                          <a:noFill/>
+                        </a:ln>
+                        <a:solidFill>
+                          <a:srgbClr val="1E3272"/>
+                        </a:solidFill>
+                        <a:effectLst/>
+                        <a:latin typeface="Arial" charset="0"/>
+                      </a:endParaRPr>
+                    </a:p>
+                  </a:txBody>
+                  <a:tcPr marT="45731" marB="45731" horzOverflow="overflow">
+                    <a:lnL w="12700" cap="flat" cmpd="sng" algn="ctr">
+                      <a:solidFill>
+                        <a:schemeClr val="tx1"/>
+                      </a:solidFill>
+                      <a:prstDash val="solid"/>
+                      <a:round/>
+                      <a:headEnd type="none" w="med" len="med"/>
+                      <a:tailEnd type="none" w="med" len="med"/>
+                    </a:lnL>
+                    <a:lnR w="12700" cap="flat" cmpd="sng" algn="ctr">
+                      <a:solidFill>
+                        <a:schemeClr val="tx1"/>
+                      </a:solidFill>
+                      <a:prstDash val="solid"/>
+                      <a:round/>
+                      <a:headEnd type="none" w="med" len="med"/>
+                      <a:tailEnd type="none" w="med" len="med"/>
+                    </a:lnR>
+                    <a:lnT w="12700" cap="flat" cmpd="sng" algn="ctr">
+                      <a:solidFill>
+                        <a:schemeClr val="tx1"/>
+                      </a:solidFill>
+                      <a:prstDash val="solid"/>
+                      <a:round/>
+                      <a:headEnd type="none" w="med" len="med"/>
+                      <a:tailEnd type="none" w="med" len="med"/>
+                    </a:lnT>
+                    <a:lnB w="12700" cap="flat" cmpd="sng" algn="ctr">
+                      <a:solidFill>
+                        <a:schemeClr val="tx1"/>
+                      </a:solidFill>
+                      <a:prstDash val="solid"/>
+                      <a:round/>
+                      <a:headEnd type="none" w="med" len="med"/>
+                      <a:tailEnd type="none" w="med" len="med"/>
+                    </a:lnB>
+                    <a:lnTlToBr>
+                      <a:noFill/>
+                    </a:lnTlToBr>
+                    <a:lnBlToTr>
+                      <a:noFill/>
+                    </a:lnBlToTr>
+                    <a:noFill/>
+                  </a:tcPr>
+                </a:tc>
+                <a:tc>
+                  <a:txBody>
+                    <a:bodyPr/>
+                    <a:lstStyle/>
+                    <a:p>
+                      <a:pPr marL="0" marR="0" lvl="0" indent="0" algn="ctr" defTabSz="914400" rtl="0" eaLnBrk="1" fontAlgn="base" latinLnBrk="0" hangingPunct="1">
+                        <a:lnSpc>
+                          <a:spcPct val="100000"/>
+                        </a:lnSpc>
+                        <a:spcBef>
+                          <a:spcPct val="20000"/>
+                        </a:spcBef>
+                        <a:spcAft>
+                          <a:spcPct val="0"/>
+                        </a:spcAft>
+                        <a:buClr>
+                          <a:schemeClr val="folHlink"/>
+                        </a:buClr>
+                        <a:buSzPct val="60000"/>
+                        <a:buFont typeface="Wingdings" pitchFamily="2" charset="2"/>
+                        <a:buNone/>
+                        <a:tabLst/>
+                      </a:pPr>
+                      <a:endParaRPr kumimoji="0" lang="en-US" sz="2800" b="0" i="0" u="none" strike="noStrike" cap="none" normalizeH="0" baseline="0" smtClean="0">
+                        <a:ln>
+                          <a:noFill/>
+                        </a:ln>
+                        <a:solidFill>
+                          <a:srgbClr val="1E3272"/>
+                        </a:solidFill>
+                        <a:effectLst/>
+                        <a:latin typeface="Arial" charset="0"/>
+                      </a:endParaRPr>
+                    </a:p>
+                  </a:txBody>
+                  <a:tcPr marT="45731" marB="45731" horzOverflow="overflow">
+                    <a:lnL w="12700" cap="flat" cmpd="sng" algn="ctr">
+                      <a:solidFill>
+                        <a:schemeClr val="tx1"/>
+                      </a:solidFill>
+                      <a:prstDash val="solid"/>
+                      <a:round/>
+                      <a:headEnd type="none" w="med" len="med"/>
+                      <a:tailEnd type="none" w="med" len="med"/>
+                    </a:lnL>
+                    <a:lnR w="12700" cap="flat" cmpd="sng" algn="ctr">
+                      <a:solidFill>
+                        <a:schemeClr val="tx1"/>
+                      </a:solidFill>
+                      <a:prstDash val="solid"/>
+                      <a:round/>
+                      <a:headEnd type="none" w="med" len="med"/>
+                      <a:tailEnd type="none" w="med" len="med"/>
+                    </a:lnR>
+                    <a:lnT w="12700" cap="flat" cmpd="sng" algn="ctr">
+                      <a:solidFill>
+                        <a:schemeClr val="tx1"/>
+                      </a:solidFill>
+                      <a:prstDash val="solid"/>
+                      <a:round/>
+                      <a:headEnd type="none" w="med" len="med"/>
+                      <a:tailEnd type="none" w="med" len="med"/>
+                    </a:lnT>
+                    <a:lnB w="12700" cap="flat" cmpd="sng" algn="ctr">
+                      <a:solidFill>
+                        <a:schemeClr val="tx1"/>
+                      </a:solidFill>
+                      <a:prstDash val="solid"/>
+                      <a:round/>
+                      <a:headEnd type="none" w="med" len="med"/>
+                      <a:tailEnd type="none" w="med" len="med"/>
+                    </a:lnB>
+                    <a:lnTlToBr>
+                      <a:noFill/>
+                    </a:lnTlToBr>
+                    <a:lnBlToTr>
+                      <a:noFill/>
+                    </a:lnBlToTr>
+                    <a:noFill/>
+                  </a:tcPr>
+                </a:tc>
+                <a:tc>
+                  <a:txBody>
+                    <a:bodyPr/>
+                    <a:lstStyle/>
+                    <a:p>
+                      <a:pPr marL="0" marR="0" lvl="0" indent="0" algn="ctr" defTabSz="914400" rtl="0" eaLnBrk="1" fontAlgn="base" latinLnBrk="0" hangingPunct="1">
+                        <a:lnSpc>
+                          <a:spcPct val="100000"/>
+                        </a:lnSpc>
+                        <a:spcBef>
+                          <a:spcPct val="20000"/>
+                        </a:spcBef>
+                        <a:spcAft>
+                          <a:spcPct val="0"/>
+                        </a:spcAft>
+                        <a:buClr>
+                          <a:schemeClr val="folHlink"/>
+                        </a:buClr>
+                        <a:buSzPct val="60000"/>
+                        <a:buFont typeface="Wingdings" pitchFamily="2" charset="2"/>
+                        <a:buNone/>
+                        <a:tabLst/>
+                      </a:pPr>
+                      <a:endParaRPr kumimoji="0" lang="en-US" sz="2800" b="0" i="0" u="none" strike="noStrike" cap="none" normalizeH="0" baseline="0" smtClean="0">
+                        <a:ln>
+                          <a:noFill/>
+                        </a:ln>
+                        <a:solidFill>
+                          <a:srgbClr val="1E3272"/>
+                        </a:solidFill>
+                        <a:effectLst/>
+                        <a:latin typeface="Arial" charset="0"/>
+                      </a:endParaRPr>
+                    </a:p>
+                  </a:txBody>
+                  <a:tcPr marT="45731" marB="45731" horzOverflow="overflow">
+                    <a:lnL w="12700" cap="flat" cmpd="sng" algn="ctr">
+                      <a:solidFill>
+                        <a:schemeClr val="tx1"/>
+                      </a:solidFill>
+                      <a:prstDash val="solid"/>
+                      <a:round/>
+                      <a:headEnd type="none" w="med" len="med"/>
+                      <a:tailEnd type="none" w="med" len="med"/>
+                    </a:lnL>
+                    <a:lnR w="12700" cap="flat" cmpd="sng" algn="ctr">
+                      <a:solidFill>
+                        <a:schemeClr val="tx1"/>
+                      </a:solidFill>
+                      <a:prstDash val="solid"/>
+                      <a:round/>
+                      <a:headEnd type="none" w="med" len="med"/>
+                      <a:tailEnd type="none" w="med" len="med"/>
+                    </a:lnR>
+                    <a:lnT w="12700" cap="flat" cmpd="sng" algn="ctr">
+                      <a:solidFill>
+                        <a:schemeClr val="tx1"/>
+                      </a:solidFill>
+                      <a:prstDash val="solid"/>
+                      <a:round/>
+                      <a:headEnd type="none" w="med" len="med"/>
+                      <a:tailEnd type="none" w="med" len="med"/>
+                    </a:lnT>
+                    <a:lnB w="12700" cap="flat" cmpd="sng" algn="ctr">
+                      <a:solidFill>
+                        <a:schemeClr val="tx1"/>
+                      </a:solidFill>
+                      <a:prstDash val="solid"/>
+                      <a:round/>
+                      <a:headEnd type="none" w="med" len="med"/>
+                      <a:tailEnd type="none" w="med" len="med"/>
+                    </a:lnB>
+                    <a:lnTlToBr>
+                      <a:noFill/>
+                    </a:lnTlToBr>
+                    <a:lnBlToTr>
+                      <a:noFill/>
+                    </a:lnBlToTr>
+                    <a:noFill/>
+                  </a:tcPr>
+                </a:tc>
+                <a:tc>
+                  <a:txBody>
+                    <a:bodyPr/>
+                    <a:lstStyle/>
+                    <a:p>
+                      <a:pPr marL="0" marR="0" lvl="0" indent="0" algn="ctr" defTabSz="914400" rtl="0" eaLnBrk="1" fontAlgn="base" latinLnBrk="0" hangingPunct="1">
+                        <a:lnSpc>
+                          <a:spcPct val="100000"/>
+                        </a:lnSpc>
+                        <a:spcBef>
+                          <a:spcPct val="20000"/>
+                        </a:spcBef>
+                        <a:spcAft>
+                          <a:spcPct val="0"/>
+                        </a:spcAft>
+                        <a:buClr>
+                          <a:schemeClr val="folHlink"/>
+                        </a:buClr>
+                        <a:buSzPct val="60000"/>
+                        <a:buFont typeface="Wingdings" pitchFamily="2" charset="2"/>
+                        <a:buNone/>
+                        <a:tabLst/>
+                      </a:pPr>
+                      <a:r>
+                        <a:rPr kumimoji="0" lang="en-AU" sz="2800" b="0" i="0" u="none" strike="noStrike" cap="none" normalizeH="0" baseline="0" smtClean="0">
+                          <a:ln>
+                            <a:noFill/>
+                          </a:ln>
+                          <a:solidFill>
+                            <a:srgbClr val="1E3272"/>
+                          </a:solidFill>
+                          <a:effectLst/>
+                          <a:latin typeface="Arial" charset="0"/>
+                        </a:rPr>
+                        <a:t>0</a:t>
+                      </a:r>
+                    </a:p>
+                  </a:txBody>
+                  <a:tcPr marT="45731" marB="45731" horzOverflow="overflow">
+                    <a:lnL w="12700" cap="flat" cmpd="sng" algn="ctr">
+                      <a:solidFill>
+                        <a:schemeClr val="tx1"/>
+                      </a:solidFill>
+                      <a:prstDash val="solid"/>
+                      <a:round/>
+                      <a:headEnd type="none" w="med" len="med"/>
+                      <a:tailEnd type="none" w="med" len="med"/>
+                    </a:lnL>
+                    <a:lnR w="28575" cap="flat" cmpd="sng" algn="ctr">
+                      <a:solidFill>
+                        <a:schemeClr val="tx1"/>
+                      </a:solidFill>
+                      <a:prstDash val="solid"/>
+                      <a:round/>
+                      <a:headEnd type="none" w="med" len="med"/>
+                      <a:tailEnd type="none" w="med" len="med"/>
+                    </a:lnR>
+                    <a:lnT w="12700" cap="flat" cmpd="sng" algn="ctr">
+                      <a:solidFill>
+                        <a:schemeClr val="tx1"/>
+                      </a:solidFill>
+                      <a:prstDash val="solid"/>
+                      <a:round/>
+                      <a:headEnd type="none" w="med" len="med"/>
+                      <a:tailEnd type="none" w="med" len="med"/>
+                    </a:lnT>
+                    <a:lnB w="12700" cap="flat" cmpd="sng" algn="ctr">
+                      <a:solidFill>
+                        <a:schemeClr val="tx1"/>
+                      </a:solidFill>
+                      <a:prstDash val="solid"/>
+                      <a:round/>
+                      <a:headEnd type="none" w="med" len="med"/>
+                      <a:tailEnd type="none" w="med" len="med"/>
+                    </a:lnB>
+                    <a:lnTlToBr>
+                      <a:noFill/>
+                    </a:lnTlToBr>
+                    <a:lnBlToTr>
+                      <a:noFill/>
+                    </a:lnBlToTr>
+                    <a:noFill/>
+                  </a:tcPr>
+                </a:tc>
+              </a:tr>
+              <a:tr h="507233">
+                <a:tc>
+                  <a:txBody>
+                    <a:bodyPr/>
+                    <a:lstStyle/>
+                    <a:p>
+                      <a:pPr marL="0" marR="0" lvl="0" indent="0" algn="ctr" defTabSz="914400" rtl="0" eaLnBrk="1" fontAlgn="base" latinLnBrk="0" hangingPunct="1">
+                        <a:lnSpc>
+                          <a:spcPct val="100000"/>
+                        </a:lnSpc>
+                        <a:spcBef>
+                          <a:spcPct val="20000"/>
+                        </a:spcBef>
+                        <a:spcAft>
+                          <a:spcPct val="0"/>
+                        </a:spcAft>
+                        <a:buClr>
+                          <a:schemeClr val="folHlink"/>
+                        </a:buClr>
+                        <a:buSzPct val="60000"/>
+                        <a:buFont typeface="Wingdings" pitchFamily="2" charset="2"/>
+                        <a:buNone/>
+                        <a:tabLst/>
+                      </a:pPr>
+                      <a:r>
+                        <a:rPr kumimoji="0" lang="en-AU" sz="2800" b="0" i="0" u="none" strike="noStrike" cap="none" normalizeH="0" baseline="0" smtClean="0">
+                          <a:ln>
+                            <a:noFill/>
+                          </a:ln>
+                          <a:solidFill>
+                            <a:srgbClr val="1E3272"/>
+                          </a:solidFill>
+                          <a:effectLst/>
+                          <a:latin typeface="Arial" charset="0"/>
+                        </a:rPr>
+                        <a:t>1</a:t>
+                      </a:r>
+                    </a:p>
+                  </a:txBody>
+                  <a:tcPr marT="45731" marB="45731" horzOverflow="overflow">
+                    <a:lnL w="28575" cap="flat" cmpd="sng" algn="ctr">
+                      <a:solidFill>
+                        <a:schemeClr val="tx1"/>
+                      </a:solidFill>
+                      <a:prstDash val="solid"/>
+                      <a:round/>
+                      <a:headEnd type="none" w="med" len="med"/>
+                      <a:tailEnd type="none" w="med" len="med"/>
+                    </a:lnL>
+                    <a:lnR w="12700" cap="flat" cmpd="sng" algn="ctr">
+                      <a:solidFill>
+                        <a:schemeClr val="tx1"/>
+                      </a:solidFill>
+                      <a:prstDash val="solid"/>
+                      <a:round/>
+                      <a:headEnd type="none" w="med" len="med"/>
+                      <a:tailEnd type="none" w="med" len="med"/>
+                    </a:lnR>
+                    <a:lnT w="12700" cap="flat" cmpd="sng" algn="ctr">
+                      <a:solidFill>
+                        <a:schemeClr val="tx1"/>
+                      </a:solidFill>
+                      <a:prstDash val="solid"/>
+                      <a:round/>
+                      <a:headEnd type="none" w="med" len="med"/>
+                      <a:tailEnd type="none" w="med" len="med"/>
+                    </a:lnT>
+                    <a:lnB w="12700" cap="flat" cmpd="sng" algn="ctr">
+                      <a:solidFill>
+                        <a:schemeClr val="tx1"/>
+                      </a:solidFill>
+                      <a:prstDash val="solid"/>
+                      <a:round/>
+                      <a:headEnd type="none" w="med" len="med"/>
+                      <a:tailEnd type="none" w="med" len="med"/>
+                    </a:lnB>
+                    <a:lnTlToBr>
+                      <a:noFill/>
+                    </a:lnTlToBr>
+                    <a:lnBlToTr>
+                      <a:noFill/>
+                    </a:lnBlToTr>
+                    <a:noFill/>
+                  </a:tcPr>
+                </a:tc>
+                <a:tc>
+                  <a:txBody>
+                    <a:bodyPr/>
+                    <a:lstStyle/>
+                    <a:p>
+                      <a:pPr marL="0" marR="0" lvl="0" indent="0" algn="l" defTabSz="914400" rtl="0" eaLnBrk="1" fontAlgn="base" latinLnBrk="0" hangingPunct="1">
+                        <a:lnSpc>
+                          <a:spcPct val="100000"/>
+                        </a:lnSpc>
+                        <a:spcBef>
+                          <a:spcPct val="20000"/>
+                        </a:spcBef>
+                        <a:spcAft>
+                          <a:spcPct val="0"/>
+                        </a:spcAft>
+                        <a:buClr>
+                          <a:schemeClr val="folHlink"/>
+                        </a:buClr>
+                        <a:buSzPct val="60000"/>
+                        <a:buFont typeface="Wingdings" pitchFamily="2" charset="2"/>
+                        <a:buNone/>
+                        <a:tabLst/>
+                      </a:pPr>
+                      <a:r>
+                        <a:rPr kumimoji="0" lang="en-AU" sz="2800" b="0" i="0" u="none" strike="noStrike" cap="none" normalizeH="0" baseline="0" dirty="0" smtClean="0">
+                          <a:ln>
+                            <a:noFill/>
+                          </a:ln>
+                          <a:solidFill>
+                            <a:srgbClr val="1E3272"/>
+                          </a:solidFill>
+                          <a:effectLst/>
+                          <a:latin typeface="Arial" charset="0"/>
+                        </a:rPr>
+                        <a:t>CPU A reads X</a:t>
+                      </a:r>
+                    </a:p>
+                  </a:txBody>
+                  <a:tcPr marT="45731" marB="45731" horzOverflow="overflow">
+                    <a:lnL w="12700" cap="flat" cmpd="sng" algn="ctr">
+                      <a:solidFill>
+                        <a:schemeClr val="tx1"/>
+                      </a:solidFill>
+                      <a:prstDash val="solid"/>
+                      <a:round/>
+                      <a:headEnd type="none" w="med" len="med"/>
+                      <a:tailEnd type="none" w="med" len="med"/>
+                    </a:lnL>
+                    <a:lnR w="12700" cap="flat" cmpd="sng" algn="ctr">
+                      <a:solidFill>
+                        <a:schemeClr val="tx1"/>
+                      </a:solidFill>
+                      <a:prstDash val="solid"/>
+                      <a:round/>
+                      <a:headEnd type="none" w="med" len="med"/>
+                      <a:tailEnd type="none" w="med" len="med"/>
+                    </a:lnR>
+                    <a:lnT w="12700" cap="flat" cmpd="sng" algn="ctr">
+                      <a:solidFill>
+                        <a:schemeClr val="tx1"/>
+                      </a:solidFill>
+                      <a:prstDash val="solid"/>
+                      <a:round/>
+                      <a:headEnd type="none" w="med" len="med"/>
+                      <a:tailEnd type="none" w="med" len="med"/>
+                    </a:lnT>
+                    <a:lnB w="12700" cap="flat" cmpd="sng" algn="ctr">
+                      <a:solidFill>
+                        <a:schemeClr val="tx1"/>
+                      </a:solidFill>
+                      <a:prstDash val="solid"/>
+                      <a:round/>
+                      <a:headEnd type="none" w="med" len="med"/>
+                      <a:tailEnd type="none" w="med" len="med"/>
+                    </a:lnB>
+                    <a:lnTlToBr>
+                      <a:noFill/>
+                    </a:lnTlToBr>
+                    <a:lnBlToTr>
+                      <a:noFill/>
+                    </a:lnBlToTr>
+                    <a:noFill/>
+                  </a:tcPr>
+                </a:tc>
+                <a:tc>
+                  <a:txBody>
+                    <a:bodyPr/>
+                    <a:lstStyle/>
+                    <a:p>
+                      <a:pPr marL="0" marR="0" lvl="0" indent="0" algn="ctr" defTabSz="914400" rtl="0" eaLnBrk="1" fontAlgn="base" latinLnBrk="0" hangingPunct="1">
+                        <a:lnSpc>
+                          <a:spcPct val="100000"/>
+                        </a:lnSpc>
+                        <a:spcBef>
+                          <a:spcPct val="20000"/>
+                        </a:spcBef>
+                        <a:spcAft>
+                          <a:spcPct val="0"/>
+                        </a:spcAft>
+                        <a:buClr>
+                          <a:schemeClr val="folHlink"/>
+                        </a:buClr>
+                        <a:buSzPct val="60000"/>
+                        <a:buFont typeface="Wingdings" pitchFamily="2" charset="2"/>
+                        <a:buNone/>
+                        <a:tabLst/>
+                      </a:pPr>
+                      <a:r>
+                        <a:rPr kumimoji="0" lang="en-AU" sz="2800" b="0" i="0" u="none" strike="noStrike" cap="none" normalizeH="0" baseline="0" dirty="0" smtClean="0">
+                          <a:ln>
+                            <a:noFill/>
+                          </a:ln>
+                          <a:solidFill>
+                            <a:srgbClr val="1E3272"/>
+                          </a:solidFill>
+                          <a:effectLst/>
+                          <a:latin typeface="Arial" charset="0"/>
+                        </a:rPr>
+                        <a:t>0</a:t>
+                      </a:r>
+                    </a:p>
+                  </a:txBody>
+                  <a:tcPr marT="45731" marB="45731" horzOverflow="overflow">
+                    <a:lnL w="12700" cap="flat" cmpd="sng" algn="ctr">
+                      <a:solidFill>
+                        <a:schemeClr val="tx1"/>
+                      </a:solidFill>
+                      <a:prstDash val="solid"/>
+                      <a:round/>
+                      <a:headEnd type="none" w="med" len="med"/>
+                      <a:tailEnd type="none" w="med" len="med"/>
+                    </a:lnL>
+                    <a:lnR w="12700" cap="flat" cmpd="sng" algn="ctr">
+                      <a:solidFill>
+                        <a:schemeClr val="tx1"/>
+                      </a:solidFill>
+                      <a:prstDash val="solid"/>
+                      <a:round/>
+                      <a:headEnd type="none" w="med" len="med"/>
+                      <a:tailEnd type="none" w="med" len="med"/>
+                    </a:lnR>
+                    <a:lnT w="12700" cap="flat" cmpd="sng" algn="ctr">
+                      <a:solidFill>
+                        <a:schemeClr val="tx1"/>
+                      </a:solidFill>
+                      <a:prstDash val="solid"/>
+                      <a:round/>
+                      <a:headEnd type="none" w="med" len="med"/>
+                      <a:tailEnd type="none" w="med" len="med"/>
+                    </a:lnT>
+                    <a:lnB w="12700" cap="flat" cmpd="sng" algn="ctr">
+                      <a:solidFill>
+                        <a:schemeClr val="tx1"/>
+                      </a:solidFill>
+                      <a:prstDash val="solid"/>
+                      <a:round/>
+                      <a:headEnd type="none" w="med" len="med"/>
+                      <a:tailEnd type="none" w="med" len="med"/>
+                    </a:lnB>
+                    <a:lnTlToBr>
+                      <a:noFill/>
+                    </a:lnTlToBr>
+                    <a:lnBlToTr>
+                      <a:noFill/>
+                    </a:lnBlToTr>
+                    <a:noFill/>
+                  </a:tcPr>
+                </a:tc>
+                <a:tc>
+                  <a:txBody>
+                    <a:bodyPr/>
+                    <a:lstStyle/>
+                    <a:p>
+                      <a:pPr marL="0" marR="0" lvl="0" indent="0" algn="ctr" defTabSz="914400" rtl="0" eaLnBrk="1" fontAlgn="base" latinLnBrk="0" hangingPunct="1">
+                        <a:lnSpc>
+                          <a:spcPct val="100000"/>
+                        </a:lnSpc>
+                        <a:spcBef>
+                          <a:spcPct val="20000"/>
+                        </a:spcBef>
+                        <a:spcAft>
+                          <a:spcPct val="0"/>
+                        </a:spcAft>
+                        <a:buClr>
+                          <a:schemeClr val="folHlink"/>
+                        </a:buClr>
+                        <a:buSzPct val="60000"/>
+                        <a:buFont typeface="Wingdings" pitchFamily="2" charset="2"/>
+                        <a:buNone/>
+                        <a:tabLst/>
+                      </a:pPr>
+                      <a:endParaRPr kumimoji="0" lang="en-US" sz="2800" b="0" i="0" u="none" strike="noStrike" cap="none" normalizeH="0" baseline="0" dirty="0" smtClean="0">
+                        <a:ln>
+                          <a:noFill/>
+                        </a:ln>
+                        <a:solidFill>
+                          <a:srgbClr val="1E3272"/>
+                        </a:solidFill>
+                        <a:effectLst/>
+                        <a:latin typeface="Arial" charset="0"/>
+                      </a:endParaRPr>
+                    </a:p>
+                  </a:txBody>
+                  <a:tcPr marT="45731" marB="45731" horzOverflow="overflow">
+                    <a:lnL w="12700" cap="flat" cmpd="sng" algn="ctr">
+                      <a:solidFill>
+                        <a:schemeClr val="tx1"/>
+                      </a:solidFill>
+                      <a:prstDash val="solid"/>
+                      <a:round/>
+                      <a:headEnd type="none" w="med" len="med"/>
+                      <a:tailEnd type="none" w="med" len="med"/>
+                    </a:lnL>
+                    <a:lnR w="12700" cap="flat" cmpd="sng" algn="ctr">
+                      <a:solidFill>
+                        <a:schemeClr val="tx1"/>
+                      </a:solidFill>
+                      <a:prstDash val="solid"/>
+                      <a:round/>
+                      <a:headEnd type="none" w="med" len="med"/>
+                      <a:tailEnd type="none" w="med" len="med"/>
+                    </a:lnR>
+                    <a:lnT w="12700" cap="flat" cmpd="sng" algn="ctr">
+                      <a:solidFill>
+                        <a:schemeClr val="tx1"/>
+                      </a:solidFill>
+                      <a:prstDash val="solid"/>
+                      <a:round/>
+                      <a:headEnd type="none" w="med" len="med"/>
+                      <a:tailEnd type="none" w="med" len="med"/>
+                    </a:lnT>
+                    <a:lnB w="12700" cap="flat" cmpd="sng" algn="ctr">
+                      <a:solidFill>
+                        <a:schemeClr val="tx1"/>
+                      </a:solidFill>
+                      <a:prstDash val="solid"/>
+                      <a:round/>
+                      <a:headEnd type="none" w="med" len="med"/>
+                      <a:tailEnd type="none" w="med" len="med"/>
+                    </a:lnB>
+                    <a:lnTlToBr>
+                      <a:noFill/>
+                    </a:lnTlToBr>
+                    <a:lnBlToTr>
+                      <a:noFill/>
+                    </a:lnBlToTr>
+                    <a:noFill/>
+                  </a:tcPr>
+                </a:tc>
+                <a:tc>
+                  <a:txBody>
+                    <a:bodyPr/>
+                    <a:lstStyle/>
+                    <a:p>
+                      <a:pPr marL="0" marR="0" lvl="0" indent="0" algn="ctr" defTabSz="914400" rtl="0" eaLnBrk="1" fontAlgn="base" latinLnBrk="0" hangingPunct="1">
+                        <a:lnSpc>
+                          <a:spcPct val="100000"/>
+                        </a:lnSpc>
+                        <a:spcBef>
+                          <a:spcPct val="20000"/>
+                        </a:spcBef>
+                        <a:spcAft>
+                          <a:spcPct val="0"/>
+                        </a:spcAft>
+                        <a:buClr>
+                          <a:schemeClr val="folHlink"/>
+                        </a:buClr>
+                        <a:buSzPct val="60000"/>
+                        <a:buFont typeface="Wingdings" pitchFamily="2" charset="2"/>
+                        <a:buNone/>
+                        <a:tabLst/>
+                      </a:pPr>
+                      <a:r>
+                        <a:rPr kumimoji="0" lang="en-AU" sz="2800" b="0" i="0" u="none" strike="noStrike" cap="none" normalizeH="0" baseline="0" dirty="0" smtClean="0">
+                          <a:ln>
+                            <a:noFill/>
+                          </a:ln>
+                          <a:solidFill>
+                            <a:srgbClr val="1E3272"/>
+                          </a:solidFill>
+                          <a:effectLst/>
+                          <a:latin typeface="Arial" charset="0"/>
+                        </a:rPr>
+                        <a:t>0</a:t>
+                      </a:r>
+                    </a:p>
+                  </a:txBody>
+                  <a:tcPr marT="45731" marB="45731" horzOverflow="overflow">
+                    <a:lnL w="12700" cap="flat" cmpd="sng" algn="ctr">
+                      <a:solidFill>
+                        <a:schemeClr val="tx1"/>
+                      </a:solidFill>
+                      <a:prstDash val="solid"/>
+                      <a:round/>
+                      <a:headEnd type="none" w="med" len="med"/>
+                      <a:tailEnd type="none" w="med" len="med"/>
+                    </a:lnL>
+                    <a:lnR w="28575" cap="flat" cmpd="sng" algn="ctr">
+                      <a:solidFill>
+                        <a:schemeClr val="tx1"/>
+                      </a:solidFill>
+                      <a:prstDash val="solid"/>
+                      <a:round/>
+                      <a:headEnd type="none" w="med" len="med"/>
+                      <a:tailEnd type="none" w="med" len="med"/>
+                    </a:lnR>
+                    <a:lnT w="12700" cap="flat" cmpd="sng" algn="ctr">
+                      <a:solidFill>
+                        <a:schemeClr val="tx1"/>
+                      </a:solidFill>
+                      <a:prstDash val="solid"/>
+                      <a:round/>
+                      <a:headEnd type="none" w="med" len="med"/>
+                      <a:tailEnd type="none" w="med" len="med"/>
+                    </a:lnT>
+                    <a:lnB w="12700" cap="flat" cmpd="sng" algn="ctr">
+                      <a:solidFill>
+                        <a:schemeClr val="tx1"/>
+                      </a:solidFill>
+                      <a:prstDash val="solid"/>
+                      <a:round/>
+                      <a:headEnd type="none" w="med" len="med"/>
+                      <a:tailEnd type="none" w="med" len="med"/>
+                    </a:lnB>
+                    <a:lnTlToBr>
+                      <a:noFill/>
+                    </a:lnTlToBr>
+                    <a:lnBlToTr>
+                      <a:noFill/>
+                    </a:lnBlToTr>
+                    <a:noFill/>
+                  </a:tcPr>
+                </a:tc>
+              </a:tr>
+              <a:tr h="508819">
+                <a:tc>
+                  <a:txBody>
+                    <a:bodyPr/>
+                    <a:lstStyle/>
+                    <a:p>
+                      <a:pPr marL="0" marR="0" lvl="0" indent="0" algn="ctr" defTabSz="914400" rtl="0" eaLnBrk="1" fontAlgn="base" latinLnBrk="0" hangingPunct="1">
+                        <a:lnSpc>
+                          <a:spcPct val="100000"/>
+                        </a:lnSpc>
+                        <a:spcBef>
+                          <a:spcPct val="20000"/>
+                        </a:spcBef>
+                        <a:spcAft>
+                          <a:spcPct val="0"/>
+                        </a:spcAft>
+                        <a:buClr>
+                          <a:schemeClr val="folHlink"/>
+                        </a:buClr>
+                        <a:buSzPct val="60000"/>
+                        <a:buFont typeface="Wingdings" pitchFamily="2" charset="2"/>
+                        <a:buNone/>
+                        <a:tabLst/>
+                      </a:pPr>
+                      <a:r>
+                        <a:rPr kumimoji="0" lang="en-AU" sz="2800" b="0" i="0" u="none" strike="noStrike" cap="none" normalizeH="0" baseline="0" smtClean="0">
+                          <a:ln>
+                            <a:noFill/>
+                          </a:ln>
+                          <a:solidFill>
+                            <a:srgbClr val="1E3272"/>
+                          </a:solidFill>
+                          <a:effectLst/>
+                          <a:latin typeface="Arial" charset="0"/>
+                        </a:rPr>
+                        <a:t>2</a:t>
+                      </a:r>
+                    </a:p>
+                  </a:txBody>
+                  <a:tcPr marT="45731" marB="45731" horzOverflow="overflow">
+                    <a:lnL w="28575" cap="flat" cmpd="sng" algn="ctr">
+                      <a:solidFill>
+                        <a:schemeClr val="tx1"/>
+                      </a:solidFill>
+                      <a:prstDash val="solid"/>
+                      <a:round/>
+                      <a:headEnd type="none" w="med" len="med"/>
+                      <a:tailEnd type="none" w="med" len="med"/>
+                    </a:lnL>
+                    <a:lnR w="12700" cap="flat" cmpd="sng" algn="ctr">
+                      <a:solidFill>
+                        <a:schemeClr val="tx1"/>
+                      </a:solidFill>
+                      <a:prstDash val="solid"/>
+                      <a:round/>
+                      <a:headEnd type="none" w="med" len="med"/>
+                      <a:tailEnd type="none" w="med" len="med"/>
+                    </a:lnR>
+                    <a:lnT w="12700" cap="flat" cmpd="sng" algn="ctr">
+                      <a:solidFill>
+                        <a:schemeClr val="tx1"/>
+                      </a:solidFill>
+                      <a:prstDash val="solid"/>
+                      <a:round/>
+                      <a:headEnd type="none" w="med" len="med"/>
+                      <a:tailEnd type="none" w="med" len="med"/>
+                    </a:lnT>
+                    <a:lnB w="12700" cap="flat" cmpd="sng" algn="ctr">
+                      <a:solidFill>
+                        <a:schemeClr val="tx1"/>
+                      </a:solidFill>
+                      <a:prstDash val="solid"/>
+                      <a:round/>
+                      <a:headEnd type="none" w="med" len="med"/>
+                      <a:tailEnd type="none" w="med" len="med"/>
+                    </a:lnB>
+                    <a:lnTlToBr>
+                      <a:noFill/>
+                    </a:lnTlToBr>
+                    <a:lnBlToTr>
+                      <a:noFill/>
+                    </a:lnBlToTr>
+                    <a:noFill/>
+                  </a:tcPr>
+                </a:tc>
+                <a:tc>
+                  <a:txBody>
+                    <a:bodyPr/>
+                    <a:lstStyle/>
+                    <a:p>
+                      <a:pPr marL="0" marR="0" lvl="0" indent="0" algn="l" defTabSz="914400" rtl="0" eaLnBrk="1" fontAlgn="base" latinLnBrk="0" hangingPunct="1">
+                        <a:lnSpc>
+                          <a:spcPct val="100000"/>
+                        </a:lnSpc>
+                        <a:spcBef>
+                          <a:spcPct val="20000"/>
+                        </a:spcBef>
+                        <a:spcAft>
+                          <a:spcPct val="0"/>
+                        </a:spcAft>
+                        <a:buClr>
+                          <a:schemeClr val="folHlink"/>
+                        </a:buClr>
+                        <a:buSzPct val="60000"/>
+                        <a:buFont typeface="Wingdings" pitchFamily="2" charset="2"/>
+                        <a:buNone/>
+                        <a:tabLst/>
+                      </a:pPr>
+                      <a:r>
+                        <a:rPr kumimoji="0" lang="en-AU" sz="2800" b="0" i="0" u="none" strike="noStrike" cap="none" normalizeH="0" baseline="0" dirty="0" smtClean="0">
+                          <a:ln>
+                            <a:noFill/>
+                          </a:ln>
+                          <a:solidFill>
+                            <a:srgbClr val="1E3272"/>
+                          </a:solidFill>
+                          <a:effectLst/>
+                          <a:latin typeface="Arial" charset="0"/>
+                        </a:rPr>
+                        <a:t>CPU B reads X</a:t>
+                      </a:r>
+                    </a:p>
+                  </a:txBody>
+                  <a:tcPr marT="45731" marB="45731" horzOverflow="overflow">
+                    <a:lnL w="12700" cap="flat" cmpd="sng" algn="ctr">
+                      <a:solidFill>
+                        <a:schemeClr val="tx1"/>
+                      </a:solidFill>
+                      <a:prstDash val="solid"/>
+                      <a:round/>
+                      <a:headEnd type="none" w="med" len="med"/>
+                      <a:tailEnd type="none" w="med" len="med"/>
+                    </a:lnL>
+                    <a:lnR w="12700" cap="flat" cmpd="sng" algn="ctr">
+                      <a:solidFill>
+                        <a:schemeClr val="tx1"/>
+                      </a:solidFill>
+                      <a:prstDash val="solid"/>
+                      <a:round/>
+                      <a:headEnd type="none" w="med" len="med"/>
+                      <a:tailEnd type="none" w="med" len="med"/>
+                    </a:lnR>
+                    <a:lnT w="12700" cap="flat" cmpd="sng" algn="ctr">
+                      <a:solidFill>
+                        <a:schemeClr val="tx1"/>
+                      </a:solidFill>
+                      <a:prstDash val="solid"/>
+                      <a:round/>
+                      <a:headEnd type="none" w="med" len="med"/>
+                      <a:tailEnd type="none" w="med" len="med"/>
+                    </a:lnT>
+                    <a:lnB w="12700" cap="flat" cmpd="sng" algn="ctr">
+                      <a:solidFill>
+                        <a:schemeClr val="tx1"/>
+                      </a:solidFill>
+                      <a:prstDash val="solid"/>
+                      <a:round/>
+                      <a:headEnd type="none" w="med" len="med"/>
+                      <a:tailEnd type="none" w="med" len="med"/>
+                    </a:lnB>
+                    <a:lnTlToBr>
+                      <a:noFill/>
+                    </a:lnTlToBr>
+                    <a:lnBlToTr>
+                      <a:noFill/>
+                    </a:lnBlToTr>
+                    <a:noFill/>
+                  </a:tcPr>
+                </a:tc>
+                <a:tc>
+                  <a:txBody>
+                    <a:bodyPr/>
+                    <a:lstStyle/>
+                    <a:p>
+                      <a:pPr marL="0" marR="0" lvl="0" indent="0" algn="ctr" defTabSz="914400" rtl="0" eaLnBrk="1" fontAlgn="base" latinLnBrk="0" hangingPunct="1">
+                        <a:lnSpc>
+                          <a:spcPct val="100000"/>
+                        </a:lnSpc>
+                        <a:spcBef>
+                          <a:spcPct val="20000"/>
+                        </a:spcBef>
+                        <a:spcAft>
+                          <a:spcPct val="0"/>
+                        </a:spcAft>
+                        <a:buClr>
+                          <a:schemeClr val="folHlink"/>
+                        </a:buClr>
+                        <a:buSzPct val="60000"/>
+                        <a:buFont typeface="Wingdings" pitchFamily="2" charset="2"/>
+                        <a:buNone/>
+                        <a:tabLst/>
+                      </a:pPr>
+                      <a:r>
+                        <a:rPr kumimoji="0" lang="en-AU" sz="2800" b="0" i="0" u="none" strike="noStrike" cap="none" normalizeH="0" baseline="0" dirty="0" smtClean="0">
+                          <a:ln>
+                            <a:noFill/>
+                          </a:ln>
+                          <a:solidFill>
+                            <a:srgbClr val="1E3272"/>
+                          </a:solidFill>
+                          <a:effectLst/>
+                          <a:latin typeface="Arial" charset="0"/>
+                        </a:rPr>
+                        <a:t>0</a:t>
+                      </a:r>
+                    </a:p>
+                  </a:txBody>
+                  <a:tcPr marT="45731" marB="45731" horzOverflow="overflow">
+                    <a:lnL w="12700" cap="flat" cmpd="sng" algn="ctr">
+                      <a:solidFill>
+                        <a:schemeClr val="tx1"/>
+                      </a:solidFill>
+                      <a:prstDash val="solid"/>
+                      <a:round/>
+                      <a:headEnd type="none" w="med" len="med"/>
+                      <a:tailEnd type="none" w="med" len="med"/>
+                    </a:lnL>
+                    <a:lnR w="12700" cap="flat" cmpd="sng" algn="ctr">
+                      <a:solidFill>
+                        <a:schemeClr val="tx1"/>
+                      </a:solidFill>
+                      <a:prstDash val="solid"/>
+                      <a:round/>
+                      <a:headEnd type="none" w="med" len="med"/>
+                      <a:tailEnd type="none" w="med" len="med"/>
+                    </a:lnR>
+                    <a:lnT w="12700" cap="flat" cmpd="sng" algn="ctr">
+                      <a:solidFill>
+                        <a:schemeClr val="tx1"/>
+                      </a:solidFill>
+                      <a:prstDash val="solid"/>
+                      <a:round/>
+                      <a:headEnd type="none" w="med" len="med"/>
+                      <a:tailEnd type="none" w="med" len="med"/>
+                    </a:lnT>
+                    <a:lnB w="12700" cap="flat" cmpd="sng" algn="ctr">
+                      <a:solidFill>
+                        <a:schemeClr val="tx1"/>
+                      </a:solidFill>
+                      <a:prstDash val="solid"/>
+                      <a:round/>
+                      <a:headEnd type="none" w="med" len="med"/>
+                      <a:tailEnd type="none" w="med" len="med"/>
+                    </a:lnB>
+                    <a:lnTlToBr>
+                      <a:noFill/>
+                    </a:lnTlToBr>
+                    <a:lnBlToTr>
+                      <a:noFill/>
+                    </a:lnBlToTr>
+                    <a:noFill/>
+                  </a:tcPr>
+                </a:tc>
+                <a:tc>
+                  <a:txBody>
+                    <a:bodyPr/>
+                    <a:lstStyle/>
+                    <a:p>
+                      <a:pPr marL="0" marR="0" lvl="0" indent="0" algn="ctr" defTabSz="914400" rtl="0" eaLnBrk="1" fontAlgn="base" latinLnBrk="0" hangingPunct="1">
+                        <a:lnSpc>
+                          <a:spcPct val="100000"/>
+                        </a:lnSpc>
+                        <a:spcBef>
+                          <a:spcPct val="20000"/>
+                        </a:spcBef>
+                        <a:spcAft>
+                          <a:spcPct val="0"/>
+                        </a:spcAft>
+                        <a:buClr>
+                          <a:schemeClr val="folHlink"/>
+                        </a:buClr>
+                        <a:buSzPct val="60000"/>
+                        <a:buFont typeface="Wingdings" pitchFamily="2" charset="2"/>
+                        <a:buNone/>
+                        <a:tabLst/>
+                      </a:pPr>
+                      <a:r>
+                        <a:rPr kumimoji="0" lang="en-AU" sz="2800" b="0" i="0" u="none" strike="noStrike" cap="none" normalizeH="0" baseline="0" dirty="0" smtClean="0">
+                          <a:ln>
+                            <a:noFill/>
+                          </a:ln>
+                          <a:solidFill>
+                            <a:srgbClr val="1E3272"/>
+                          </a:solidFill>
+                          <a:effectLst/>
+                          <a:latin typeface="Arial" charset="0"/>
+                        </a:rPr>
+                        <a:t>0</a:t>
+                      </a:r>
+                    </a:p>
+                  </a:txBody>
+                  <a:tcPr marT="45731" marB="45731" horzOverflow="overflow">
+                    <a:lnL w="12700" cap="flat" cmpd="sng" algn="ctr">
+                      <a:solidFill>
+                        <a:schemeClr val="tx1"/>
+                      </a:solidFill>
+                      <a:prstDash val="solid"/>
+                      <a:round/>
+                      <a:headEnd type="none" w="med" len="med"/>
+                      <a:tailEnd type="none" w="med" len="med"/>
+                    </a:lnL>
+                    <a:lnR w="12700" cap="flat" cmpd="sng" algn="ctr">
+                      <a:solidFill>
+                        <a:schemeClr val="tx1"/>
+                      </a:solidFill>
+                      <a:prstDash val="solid"/>
+                      <a:round/>
+                      <a:headEnd type="none" w="med" len="med"/>
+                      <a:tailEnd type="none" w="med" len="med"/>
+                    </a:lnR>
+                    <a:lnT w="12700" cap="flat" cmpd="sng" algn="ctr">
+                      <a:solidFill>
+                        <a:schemeClr val="tx1"/>
+                      </a:solidFill>
+                      <a:prstDash val="solid"/>
+                      <a:round/>
+                      <a:headEnd type="none" w="med" len="med"/>
+                      <a:tailEnd type="none" w="med" len="med"/>
+                    </a:lnT>
+                    <a:lnB w="12700" cap="flat" cmpd="sng" algn="ctr">
+                      <a:solidFill>
+                        <a:schemeClr val="tx1"/>
+                      </a:solidFill>
+                      <a:prstDash val="solid"/>
+                      <a:round/>
+                      <a:headEnd type="none" w="med" len="med"/>
+                      <a:tailEnd type="none" w="med" len="med"/>
+                    </a:lnB>
+                    <a:lnTlToBr>
+                      <a:noFill/>
+                    </a:lnTlToBr>
+                    <a:lnBlToTr>
+                      <a:noFill/>
+                    </a:lnBlToTr>
+                    <a:noFill/>
+                  </a:tcPr>
+                </a:tc>
+                <a:tc>
+                  <a:txBody>
+                    <a:bodyPr/>
+                    <a:lstStyle/>
+                    <a:p>
+                      <a:pPr marL="0" marR="0" lvl="0" indent="0" algn="ctr" defTabSz="914400" rtl="0" eaLnBrk="1" fontAlgn="base" latinLnBrk="0" hangingPunct="1">
+                        <a:lnSpc>
+                          <a:spcPct val="100000"/>
+                        </a:lnSpc>
+                        <a:spcBef>
+                          <a:spcPct val="20000"/>
+                        </a:spcBef>
+                        <a:spcAft>
+                          <a:spcPct val="0"/>
+                        </a:spcAft>
+                        <a:buClr>
+                          <a:schemeClr val="folHlink"/>
+                        </a:buClr>
+                        <a:buSzPct val="60000"/>
+                        <a:buFont typeface="Wingdings" pitchFamily="2" charset="2"/>
+                        <a:buNone/>
+                        <a:tabLst/>
+                      </a:pPr>
+                      <a:r>
+                        <a:rPr kumimoji="0" lang="en-AU" sz="2800" b="0" i="0" u="none" strike="noStrike" cap="none" normalizeH="0" baseline="0" smtClean="0">
+                          <a:ln>
+                            <a:noFill/>
+                          </a:ln>
+                          <a:solidFill>
+                            <a:srgbClr val="1E3272"/>
+                          </a:solidFill>
+                          <a:effectLst/>
+                          <a:latin typeface="Arial" charset="0"/>
+                        </a:rPr>
+                        <a:t>0</a:t>
+                      </a:r>
+                    </a:p>
+                  </a:txBody>
+                  <a:tcPr marT="45731" marB="45731" horzOverflow="overflow">
+                    <a:lnL w="12700" cap="flat" cmpd="sng" algn="ctr">
+                      <a:solidFill>
+                        <a:schemeClr val="tx1"/>
+                      </a:solidFill>
+                      <a:prstDash val="solid"/>
+                      <a:round/>
+                      <a:headEnd type="none" w="med" len="med"/>
+                      <a:tailEnd type="none" w="med" len="med"/>
+                    </a:lnL>
+                    <a:lnR w="28575" cap="flat" cmpd="sng" algn="ctr">
+                      <a:solidFill>
+                        <a:schemeClr val="tx1"/>
+                      </a:solidFill>
+                      <a:prstDash val="solid"/>
+                      <a:round/>
+                      <a:headEnd type="none" w="med" len="med"/>
+                      <a:tailEnd type="none" w="med" len="med"/>
+                    </a:lnR>
+                    <a:lnT w="12700" cap="flat" cmpd="sng" algn="ctr">
+                      <a:solidFill>
+                        <a:schemeClr val="tx1"/>
+                      </a:solidFill>
+                      <a:prstDash val="solid"/>
+                      <a:round/>
+                      <a:headEnd type="none" w="med" len="med"/>
+                      <a:tailEnd type="none" w="med" len="med"/>
+                    </a:lnT>
+                    <a:lnB w="12700" cap="flat" cmpd="sng" algn="ctr">
+                      <a:solidFill>
+                        <a:schemeClr val="tx1"/>
+                      </a:solidFill>
+                      <a:prstDash val="solid"/>
+                      <a:round/>
+                      <a:headEnd type="none" w="med" len="med"/>
+                      <a:tailEnd type="none" w="med" len="med"/>
+                    </a:lnB>
+                    <a:lnTlToBr>
+                      <a:noFill/>
+                    </a:lnTlToBr>
+                    <a:lnBlToTr>
+                      <a:noFill/>
+                    </a:lnBlToTr>
+                    <a:noFill/>
+                  </a:tcPr>
+                </a:tc>
+              </a:tr>
+              <a:tr h="507233">
+                <a:tc>
+                  <a:txBody>
+                    <a:bodyPr/>
+                    <a:lstStyle/>
+                    <a:p>
+                      <a:pPr marL="0" marR="0" lvl="0" indent="0" algn="ctr" defTabSz="914400" rtl="0" eaLnBrk="1" fontAlgn="base" latinLnBrk="0" hangingPunct="1">
+                        <a:lnSpc>
+                          <a:spcPct val="100000"/>
+                        </a:lnSpc>
+                        <a:spcBef>
+                          <a:spcPct val="20000"/>
+                        </a:spcBef>
+                        <a:spcAft>
+                          <a:spcPct val="0"/>
+                        </a:spcAft>
+                        <a:buClr>
+                          <a:schemeClr val="folHlink"/>
+                        </a:buClr>
+                        <a:buSzPct val="60000"/>
+                        <a:buFont typeface="Wingdings" pitchFamily="2" charset="2"/>
+                        <a:buNone/>
+                        <a:tabLst/>
+                      </a:pPr>
+                      <a:r>
+                        <a:rPr kumimoji="0" lang="en-AU" sz="2800" b="0" i="0" u="none" strike="noStrike" cap="none" normalizeH="0" baseline="0" smtClean="0">
+                          <a:ln>
+                            <a:noFill/>
+                          </a:ln>
+                          <a:solidFill>
+                            <a:srgbClr val="1E3272"/>
+                          </a:solidFill>
+                          <a:effectLst/>
+                          <a:latin typeface="Arial" charset="0"/>
+                        </a:rPr>
+                        <a:t>3</a:t>
+                      </a:r>
+                    </a:p>
+                  </a:txBody>
+                  <a:tcPr marT="45731" marB="45731" horzOverflow="overflow">
+                    <a:lnL w="28575" cap="flat" cmpd="sng" algn="ctr">
+                      <a:solidFill>
+                        <a:schemeClr val="tx1"/>
+                      </a:solidFill>
+                      <a:prstDash val="solid"/>
+                      <a:round/>
+                      <a:headEnd type="none" w="med" len="med"/>
+                      <a:tailEnd type="none" w="med" len="med"/>
+                    </a:lnL>
+                    <a:lnR w="12700" cap="flat" cmpd="sng" algn="ctr">
+                      <a:solidFill>
+                        <a:schemeClr val="tx1"/>
+                      </a:solidFill>
+                      <a:prstDash val="solid"/>
+                      <a:round/>
+                      <a:headEnd type="none" w="med" len="med"/>
+                      <a:tailEnd type="none" w="med" len="med"/>
+                    </a:lnR>
+                    <a:lnT w="12700" cap="flat" cmpd="sng" algn="ctr">
+                      <a:solidFill>
+                        <a:schemeClr val="tx1"/>
+                      </a:solidFill>
+                      <a:prstDash val="solid"/>
+                      <a:round/>
+                      <a:headEnd type="none" w="med" len="med"/>
+                      <a:tailEnd type="none" w="med" len="med"/>
+                    </a:lnT>
+                    <a:lnB w="28575" cap="flat" cmpd="sng" algn="ctr">
+                      <a:solidFill>
+                        <a:schemeClr val="tx1"/>
+                      </a:solidFill>
+                      <a:prstDash val="solid"/>
+                      <a:round/>
+                      <a:headEnd type="none" w="med" len="med"/>
+                      <a:tailEnd type="none" w="med" len="med"/>
+                    </a:lnB>
+                    <a:lnTlToBr>
+                      <a:noFill/>
+                    </a:lnTlToBr>
+                    <a:lnBlToTr>
+                      <a:noFill/>
+                    </a:lnBlToTr>
+                    <a:noFill/>
+                  </a:tcPr>
+                </a:tc>
+                <a:tc>
+                  <a:txBody>
+                    <a:bodyPr/>
+                    <a:lstStyle/>
+                    <a:p>
+                      <a:pPr marL="0" marR="0" lvl="0" indent="0" algn="l" defTabSz="914400" rtl="0" eaLnBrk="1" fontAlgn="base" latinLnBrk="0" hangingPunct="1">
+                        <a:lnSpc>
+                          <a:spcPct val="100000"/>
+                        </a:lnSpc>
+                        <a:spcBef>
+                          <a:spcPct val="20000"/>
+                        </a:spcBef>
+                        <a:spcAft>
+                          <a:spcPct val="0"/>
+                        </a:spcAft>
+                        <a:buClr>
+                          <a:schemeClr val="folHlink"/>
+                        </a:buClr>
+                        <a:buSzPct val="60000"/>
+                        <a:buFont typeface="Wingdings" pitchFamily="2" charset="2"/>
+                        <a:buNone/>
+                        <a:tabLst/>
+                      </a:pPr>
+                      <a:r>
+                        <a:rPr kumimoji="0" lang="en-AU" sz="2800" b="0" i="0" u="none" strike="noStrike" cap="none" normalizeH="0" baseline="0" dirty="0" smtClean="0">
+                          <a:ln>
+                            <a:noFill/>
+                          </a:ln>
+                          <a:solidFill>
+                            <a:srgbClr val="1E3272"/>
+                          </a:solidFill>
+                          <a:effectLst/>
+                          <a:latin typeface="Arial" charset="0"/>
+                        </a:rPr>
+                        <a:t>CPU A writes 1 to X</a:t>
+                      </a:r>
+                    </a:p>
+                  </a:txBody>
+                  <a:tcPr marT="45731" marB="45731" horzOverflow="overflow">
+                    <a:lnL w="12700" cap="flat" cmpd="sng" algn="ctr">
+                      <a:solidFill>
+                        <a:schemeClr val="tx1"/>
+                      </a:solidFill>
+                      <a:prstDash val="solid"/>
+                      <a:round/>
+                      <a:headEnd type="none" w="med" len="med"/>
+                      <a:tailEnd type="none" w="med" len="med"/>
+                    </a:lnL>
+                    <a:lnR w="12700" cap="flat" cmpd="sng" algn="ctr">
+                      <a:solidFill>
+                        <a:schemeClr val="tx1"/>
+                      </a:solidFill>
+                      <a:prstDash val="solid"/>
+                      <a:round/>
+                      <a:headEnd type="none" w="med" len="med"/>
+                      <a:tailEnd type="none" w="med" len="med"/>
+                    </a:lnR>
+                    <a:lnT w="12700" cap="flat" cmpd="sng" algn="ctr">
+                      <a:solidFill>
+                        <a:schemeClr val="tx1"/>
+                      </a:solidFill>
+                      <a:prstDash val="solid"/>
+                      <a:round/>
+                      <a:headEnd type="none" w="med" len="med"/>
+                      <a:tailEnd type="none" w="med" len="med"/>
+                    </a:lnT>
+                    <a:lnB w="28575" cap="flat" cmpd="sng" algn="ctr">
+                      <a:solidFill>
+                        <a:schemeClr val="tx1"/>
+                      </a:solidFill>
+                      <a:prstDash val="solid"/>
+                      <a:round/>
+                      <a:headEnd type="none" w="med" len="med"/>
+                      <a:tailEnd type="none" w="med" len="med"/>
+                    </a:lnB>
+                    <a:lnTlToBr>
+                      <a:noFill/>
+                    </a:lnTlToBr>
+                    <a:lnBlToTr>
+                      <a:noFill/>
+                    </a:lnBlToTr>
+                    <a:noFill/>
+                  </a:tcPr>
+                </a:tc>
+                <a:tc>
+                  <a:txBody>
+                    <a:bodyPr/>
+                    <a:lstStyle/>
+                    <a:p>
+                      <a:pPr marL="0" marR="0" lvl="0" indent="0" algn="ctr" defTabSz="914400" rtl="0" eaLnBrk="1" fontAlgn="base" latinLnBrk="0" hangingPunct="1">
+                        <a:lnSpc>
+                          <a:spcPct val="100000"/>
+                        </a:lnSpc>
+                        <a:spcBef>
+                          <a:spcPct val="20000"/>
+                        </a:spcBef>
+                        <a:spcAft>
+                          <a:spcPct val="0"/>
+                        </a:spcAft>
+                        <a:buClr>
+                          <a:schemeClr val="folHlink"/>
+                        </a:buClr>
+                        <a:buSzPct val="60000"/>
+                        <a:buFont typeface="Wingdings" pitchFamily="2" charset="2"/>
+                        <a:buNone/>
+                        <a:tabLst/>
+                      </a:pPr>
+                      <a:r>
+                        <a:rPr kumimoji="0" lang="en-AU" sz="2800" b="0" i="0" u="none" strike="noStrike" cap="none" normalizeH="0" baseline="0" dirty="0" smtClean="0">
+                          <a:ln>
+                            <a:noFill/>
+                          </a:ln>
+                          <a:solidFill>
+                            <a:srgbClr val="1E3272"/>
+                          </a:solidFill>
+                          <a:effectLst/>
+                          <a:latin typeface="Arial" charset="0"/>
+                        </a:rPr>
+                        <a:t>1</a:t>
+                      </a:r>
+                    </a:p>
+                  </a:txBody>
+                  <a:tcPr marT="45731" marB="45731" horzOverflow="overflow">
+                    <a:lnL w="12700" cap="flat" cmpd="sng" algn="ctr">
+                      <a:solidFill>
+                        <a:schemeClr val="tx1"/>
+                      </a:solidFill>
+                      <a:prstDash val="solid"/>
+                      <a:round/>
+                      <a:headEnd type="none" w="med" len="med"/>
+                      <a:tailEnd type="none" w="med" len="med"/>
+                    </a:lnL>
+                    <a:lnR w="12700" cap="flat" cmpd="sng" algn="ctr">
+                      <a:solidFill>
+                        <a:schemeClr val="tx1"/>
+                      </a:solidFill>
+                      <a:prstDash val="solid"/>
+                      <a:round/>
+                      <a:headEnd type="none" w="med" len="med"/>
+                      <a:tailEnd type="none" w="med" len="med"/>
+                    </a:lnR>
+                    <a:lnT w="12700" cap="flat" cmpd="sng" algn="ctr">
+                      <a:solidFill>
+                        <a:schemeClr val="tx1"/>
+                      </a:solidFill>
+                      <a:prstDash val="solid"/>
+                      <a:round/>
+                      <a:headEnd type="none" w="med" len="med"/>
+                      <a:tailEnd type="none" w="med" len="med"/>
+                    </a:lnT>
+                    <a:lnB w="28575" cap="flat" cmpd="sng" algn="ctr">
+                      <a:solidFill>
+                        <a:schemeClr val="tx1"/>
+                      </a:solidFill>
+                      <a:prstDash val="solid"/>
+                      <a:round/>
+                      <a:headEnd type="none" w="med" len="med"/>
+                      <a:tailEnd type="none" w="med" len="med"/>
+                    </a:lnB>
+                    <a:lnTlToBr>
+                      <a:noFill/>
+                    </a:lnTlToBr>
+                    <a:lnBlToTr>
+                      <a:noFill/>
+                    </a:lnBlToTr>
+                    <a:noFill/>
+                  </a:tcPr>
+                </a:tc>
+                <a:tc>
+                  <a:txBody>
+                    <a:bodyPr/>
+                    <a:lstStyle/>
+                    <a:p>
+                      <a:pPr marL="0" marR="0" lvl="0" indent="0" algn="ctr" defTabSz="914400" rtl="0" eaLnBrk="1" fontAlgn="base" latinLnBrk="0" hangingPunct="1">
+                        <a:lnSpc>
+                          <a:spcPct val="100000"/>
+                        </a:lnSpc>
+                        <a:spcBef>
+                          <a:spcPct val="20000"/>
+                        </a:spcBef>
+                        <a:spcAft>
+                          <a:spcPct val="0"/>
+                        </a:spcAft>
+                        <a:buClr>
+                          <a:schemeClr val="folHlink"/>
+                        </a:buClr>
+                        <a:buSzPct val="60000"/>
+                        <a:buFont typeface="Wingdings" pitchFamily="2" charset="2"/>
+                        <a:buNone/>
+                        <a:tabLst/>
+                      </a:pPr>
+                      <a:r>
+                        <a:rPr kumimoji="0" lang="en-AU" sz="2800" b="0" i="0" u="none" strike="noStrike" cap="none" normalizeH="0" baseline="0" dirty="0" smtClean="0">
+                          <a:ln>
+                            <a:noFill/>
+                          </a:ln>
+                          <a:solidFill>
+                            <a:srgbClr val="FF0000"/>
+                          </a:solidFill>
+                          <a:effectLst/>
+                          <a:latin typeface="Arial" charset="0"/>
+                        </a:rPr>
+                        <a:t>0</a:t>
+                      </a:r>
+                    </a:p>
+                  </a:txBody>
+                  <a:tcPr marT="45731" marB="45731" horzOverflow="overflow">
+                    <a:lnL w="12700" cap="flat" cmpd="sng" algn="ctr">
+                      <a:solidFill>
+                        <a:schemeClr val="tx1"/>
+                      </a:solidFill>
+                      <a:prstDash val="solid"/>
+                      <a:round/>
+                      <a:headEnd type="none" w="med" len="med"/>
+                      <a:tailEnd type="none" w="med" len="med"/>
+                    </a:lnL>
+                    <a:lnR w="12700" cap="flat" cmpd="sng" algn="ctr">
+                      <a:solidFill>
+                        <a:schemeClr val="tx1"/>
+                      </a:solidFill>
+                      <a:prstDash val="solid"/>
+                      <a:round/>
+                      <a:headEnd type="none" w="med" len="med"/>
+                      <a:tailEnd type="none" w="med" len="med"/>
+                    </a:lnR>
+                    <a:lnT w="12700" cap="flat" cmpd="sng" algn="ctr">
+                      <a:solidFill>
+                        <a:schemeClr val="tx1"/>
+                      </a:solidFill>
+                      <a:prstDash val="solid"/>
+                      <a:round/>
+                      <a:headEnd type="none" w="med" len="med"/>
+                      <a:tailEnd type="none" w="med" len="med"/>
+                    </a:lnT>
+                    <a:lnB w="28575" cap="flat" cmpd="sng" algn="ctr">
+                      <a:solidFill>
+                        <a:schemeClr val="tx1"/>
+                      </a:solidFill>
+                      <a:prstDash val="solid"/>
+                      <a:round/>
+                      <a:headEnd type="none" w="med" len="med"/>
+                      <a:tailEnd type="none" w="med" len="med"/>
+                    </a:lnB>
+                    <a:lnTlToBr>
+                      <a:noFill/>
+                    </a:lnTlToBr>
+                    <a:lnBlToTr>
+                      <a:noFill/>
+                    </a:lnBlToTr>
+                    <a:noFill/>
+                  </a:tcPr>
+                </a:tc>
+                <a:tc>
+                  <a:txBody>
+                    <a:bodyPr/>
+                    <a:lstStyle/>
+                    <a:p>
+                      <a:pPr marL="0" marR="0" lvl="0" indent="0" algn="ctr" defTabSz="914400" rtl="0" eaLnBrk="1" fontAlgn="base" latinLnBrk="0" hangingPunct="1">
+                        <a:lnSpc>
+                          <a:spcPct val="100000"/>
+                        </a:lnSpc>
+                        <a:spcBef>
+                          <a:spcPct val="20000"/>
+                        </a:spcBef>
+                        <a:spcAft>
+                          <a:spcPct val="0"/>
+                        </a:spcAft>
+                        <a:buClr>
+                          <a:schemeClr val="folHlink"/>
+                        </a:buClr>
+                        <a:buSzPct val="60000"/>
+                        <a:buFont typeface="Wingdings" pitchFamily="2" charset="2"/>
+                        <a:buNone/>
+                        <a:tabLst/>
+                      </a:pPr>
+                      <a:r>
+                        <a:rPr kumimoji="0" lang="en-AU" sz="2800" b="0" i="0" u="none" strike="noStrike" cap="none" normalizeH="0" baseline="0" dirty="0" smtClean="0">
+                          <a:ln>
+                            <a:noFill/>
+                          </a:ln>
+                          <a:solidFill>
+                            <a:srgbClr val="1E3272"/>
+                          </a:solidFill>
+                          <a:effectLst/>
+                          <a:latin typeface="Arial" charset="0"/>
+                        </a:rPr>
+                        <a:t>1</a:t>
+                      </a:r>
+                    </a:p>
+                  </a:txBody>
+                  <a:tcPr marT="45731" marB="45731" horzOverflow="overflow">
+                    <a:lnL w="12700" cap="flat" cmpd="sng" algn="ctr">
+                      <a:solidFill>
+                        <a:schemeClr val="tx1"/>
+                      </a:solidFill>
+                      <a:prstDash val="solid"/>
+                      <a:round/>
+                      <a:headEnd type="none" w="med" len="med"/>
+                      <a:tailEnd type="none" w="med" len="med"/>
+                    </a:lnL>
+                    <a:lnR w="28575" cap="flat" cmpd="sng" algn="ctr">
+                      <a:solidFill>
+                        <a:schemeClr val="tx1"/>
+                      </a:solidFill>
+                      <a:prstDash val="solid"/>
+                      <a:round/>
+                      <a:headEnd type="none" w="med" len="med"/>
+                      <a:tailEnd type="none" w="med" len="med"/>
+                    </a:lnR>
+                    <a:lnT w="12700" cap="flat" cmpd="sng" algn="ctr">
+                      <a:solidFill>
+                        <a:schemeClr val="tx1"/>
+                      </a:solidFill>
+                      <a:prstDash val="solid"/>
+                      <a:round/>
+                      <a:headEnd type="none" w="med" len="med"/>
+                      <a:tailEnd type="none" w="med" len="med"/>
+                    </a:lnT>
+                    <a:lnB w="28575" cap="flat" cmpd="sng" algn="ctr">
+                      <a:solidFill>
+                        <a:schemeClr val="tx1"/>
+                      </a:solidFill>
+                      <a:prstDash val="solid"/>
+                      <a:round/>
+                      <a:headEnd type="none" w="med" len="med"/>
+                      <a:tailEnd type="none" w="med" len="med"/>
+                    </a:lnB>
+                    <a:lnTlToBr>
+                      <a:noFill/>
+                    </a:lnTlToBr>
+                    <a:lnBlToTr>
+                      <a:noFill/>
+                    </a:lnBlToTr>
+                    <a:noFill/>
+                  </a:tcPr>
+                </a:tc>
+              </a:tr>
+            </a:tbl>
+          </a:graphicData>
+        </a:graphic>
+      </p:graphicFrame>
     </p:spTree>
   </p:cSld>
   <p:clrMapOvr>
     <a:masterClrMapping/>
   </p:clrMapOvr>
-  <p:timing>
-    <p:tnLst>
-      <p:par>
-        <p:cTn id="1" dur="indefinite" restart="never" nodeType="tmRoot"/>
-      </p:par>
-    </p:tnLst>
-  </p:timing>
 </p:sld>
 </file>
 
@@ -5491,177 +7466,161 @@
         </p:nvSpPr>
         <p:spPr>
           <a:xfrm>
-            <a:off x="736600" y="1025652"/>
-            <a:ext cx="10566400" cy="5565648"/>
+            <a:off x="838200" y="1178052"/>
+            <a:ext cx="10515600" cy="5489448"/>
           </a:xfrm>
         </p:spPr>
         <p:txBody>
-          <a:bodyPr>
-            <a:noAutofit/>
-          </a:bodyPr>
+          <a:bodyPr/>
           <a:lstStyle/>
           <a:p>
-            <a:pPr>
-              <a:lnSpc>
-                <a:spcPct val="100000"/>
-              </a:lnSpc>
-              <a:spcBef>
-                <a:spcPts val="600"/>
-              </a:spcBef>
-            </a:pPr>
-            <a:r>
-              <a:rPr lang="en-US" dirty="0" smtClean="0"/>
-              <a:t>Atomic </a:t>
-            </a:r>
-            <a:r>
-              <a:rPr lang="en-US" dirty="0" smtClean="0"/>
-              <a:t>exchange</a:t>
-            </a:r>
-          </a:p>
-          <a:p>
-            <a:pPr lvl="1">
-              <a:lnSpc>
-                <a:spcPct val="100000"/>
-              </a:lnSpc>
-              <a:spcBef>
-                <a:spcPts val="600"/>
-              </a:spcBef>
-            </a:pPr>
-            <a:r>
-              <a:rPr lang="en-US" sz="2800" dirty="0" smtClean="0"/>
-              <a:t>Swaps register with memory location</a:t>
-            </a:r>
-          </a:p>
-          <a:p>
-            <a:pPr>
-              <a:lnSpc>
-                <a:spcPct val="100000"/>
-              </a:lnSpc>
-              <a:spcBef>
-                <a:spcPts val="600"/>
-              </a:spcBef>
-            </a:pPr>
-            <a:r>
-              <a:rPr lang="en-US" dirty="0" smtClean="0"/>
-              <a:t>Test-and-set</a:t>
-            </a:r>
-          </a:p>
-          <a:p>
-            <a:pPr lvl="1">
-              <a:lnSpc>
-                <a:spcPct val="100000"/>
-              </a:lnSpc>
-              <a:spcBef>
-                <a:spcPts val="600"/>
-              </a:spcBef>
-            </a:pPr>
-            <a:r>
-              <a:rPr lang="en-US" sz="2800" dirty="0" smtClean="0"/>
-              <a:t>Sets under condition</a:t>
-            </a:r>
-          </a:p>
-          <a:p>
-            <a:pPr>
-              <a:lnSpc>
-                <a:spcPct val="100000"/>
-              </a:lnSpc>
-              <a:spcBef>
-                <a:spcPts val="600"/>
-              </a:spcBef>
-            </a:pPr>
-            <a:r>
-              <a:rPr lang="en-US" dirty="0" smtClean="0"/>
-              <a:t>Fetch-and-increment</a:t>
-            </a:r>
-          </a:p>
-          <a:p>
-            <a:pPr lvl="1">
-              <a:lnSpc>
-                <a:spcPct val="100000"/>
-              </a:lnSpc>
-              <a:spcBef>
-                <a:spcPts val="600"/>
-              </a:spcBef>
-            </a:pPr>
-            <a:r>
-              <a:rPr lang="en-US" sz="2800" dirty="0" smtClean="0"/>
-              <a:t>Reads original value from memory and increments it in memory</a:t>
-            </a:r>
-          </a:p>
-          <a:p>
-            <a:pPr>
-              <a:lnSpc>
-                <a:spcPct val="100000"/>
-              </a:lnSpc>
-              <a:spcBef>
-                <a:spcPts val="600"/>
-              </a:spcBef>
-            </a:pPr>
-            <a:r>
-              <a:rPr lang="en-US" dirty="0" smtClean="0"/>
-              <a:t>Requires </a:t>
-            </a:r>
-            <a:r>
-              <a:rPr lang="en-US" dirty="0" smtClean="0"/>
-              <a:t>read </a:t>
-            </a:r>
-            <a:r>
-              <a:rPr lang="en-US" dirty="0" smtClean="0"/>
-              <a:t>and write in uninterruptable instruction</a:t>
-            </a:r>
-          </a:p>
-          <a:p>
-            <a:pPr>
-              <a:lnSpc>
-                <a:spcPct val="100000"/>
-              </a:lnSpc>
-              <a:spcBef>
-                <a:spcPts val="600"/>
-              </a:spcBef>
-            </a:pPr>
-            <a:r>
-              <a:rPr lang="en-US" dirty="0" smtClean="0"/>
-              <a:t>RISC-V: </a:t>
-            </a:r>
-            <a:r>
-              <a:rPr lang="en-US" dirty="0" smtClean="0"/>
-              <a:t>load reserved/store conditional</a:t>
-            </a:r>
-          </a:p>
-          <a:p>
-            <a:pPr lvl="1">
-              <a:lnSpc>
-                <a:spcPct val="100000"/>
-              </a:lnSpc>
-              <a:spcBef>
-                <a:spcPts val="600"/>
-              </a:spcBef>
-            </a:pPr>
-            <a:r>
-              <a:rPr lang="en-US" sz="2800" dirty="0" smtClean="0"/>
-              <a:t>If the </a:t>
-            </a:r>
-            <a:r>
-              <a:rPr lang="en-US" sz="2800" dirty="0" smtClean="0"/>
-              <a:t>memory </a:t>
-            </a:r>
-            <a:r>
-              <a:rPr lang="en-US" sz="2800" dirty="0" smtClean="0"/>
-              <a:t>location specified by the load </a:t>
-            </a:r>
-            <a:r>
-              <a:rPr lang="en-US" sz="2800" dirty="0" smtClean="0"/>
-              <a:t>is changed </a:t>
-            </a:r>
-            <a:r>
-              <a:rPr lang="en-US" sz="2800" dirty="0" smtClean="0"/>
-              <a:t>before the store conditional to the same address, the store conditional </a:t>
-            </a:r>
-            <a:r>
-              <a:rPr lang="en-US" sz="2800" dirty="0" smtClean="0"/>
-              <a:t>fails</a:t>
-            </a:r>
-            <a:endParaRPr lang="ru-RU" sz="3600" dirty="0"/>
+            <a:r>
+              <a:rPr lang="en-AU" altLang="en-US" dirty="0" smtClean="0"/>
+              <a:t>Informally: Reads return most recently written value</a:t>
+            </a:r>
+          </a:p>
+          <a:p>
+            <a:r>
+              <a:rPr lang="en-AU" altLang="en-US" dirty="0" smtClean="0"/>
+              <a:t>Formally:</a:t>
+            </a:r>
+          </a:p>
+          <a:p>
+            <a:pPr lvl="1"/>
+            <a:r>
+              <a:rPr lang="en-AU" altLang="en-US" dirty="0" smtClean="0"/>
+              <a:t>P writes X; P reads X (no intervening writes)</a:t>
+            </a:r>
+            <a:br>
+              <a:rPr lang="en-AU" altLang="en-US" dirty="0" smtClean="0"/>
+            </a:br>
+            <a:r>
+              <a:rPr lang="en-AU" altLang="en-US" dirty="0" smtClean="0">
+                <a:sym typeface="Symbol" pitchFamily="18" charset="2"/>
+              </a:rPr>
+              <a:t> read returns written value</a:t>
+            </a:r>
+          </a:p>
+          <a:p>
+            <a:pPr lvl="1"/>
+            <a:r>
+              <a:rPr lang="en-AU" altLang="en-US" dirty="0" smtClean="0">
+                <a:sym typeface="Symbol" pitchFamily="18" charset="2"/>
+              </a:rPr>
+              <a:t>P</a:t>
+            </a:r>
+            <a:r>
+              <a:rPr lang="en-AU" altLang="en-US" baseline="-25000" dirty="0" smtClean="0">
+                <a:sym typeface="Symbol" pitchFamily="18" charset="2"/>
+              </a:rPr>
+              <a:t>1</a:t>
+            </a:r>
+            <a:r>
+              <a:rPr lang="en-AU" altLang="en-US" dirty="0" smtClean="0">
+                <a:sym typeface="Symbol" pitchFamily="18" charset="2"/>
+              </a:rPr>
+              <a:t> writes X; P</a:t>
+            </a:r>
+            <a:r>
+              <a:rPr lang="en-AU" altLang="en-US" baseline="-25000" dirty="0" smtClean="0">
+                <a:sym typeface="Symbol" pitchFamily="18" charset="2"/>
+              </a:rPr>
+              <a:t>2</a:t>
+            </a:r>
+            <a:r>
+              <a:rPr lang="en-AU" altLang="en-US" dirty="0" smtClean="0">
+                <a:sym typeface="Symbol" pitchFamily="18" charset="2"/>
+              </a:rPr>
+              <a:t> reads X (sufficiently later)</a:t>
+            </a:r>
+            <a:br>
+              <a:rPr lang="en-AU" altLang="en-US" dirty="0" smtClean="0">
+                <a:sym typeface="Symbol" pitchFamily="18" charset="2"/>
+              </a:rPr>
+            </a:br>
+            <a:r>
+              <a:rPr lang="en-AU" altLang="en-US" dirty="0" smtClean="0">
+                <a:sym typeface="Symbol" pitchFamily="18" charset="2"/>
+              </a:rPr>
+              <a:t> read returns written value</a:t>
+            </a:r>
+          </a:p>
+          <a:p>
+            <a:pPr lvl="2"/>
+            <a:r>
+              <a:rPr lang="en-AU" altLang="en-US" sz="2800" dirty="0" smtClean="0">
+                <a:sym typeface="Symbol" pitchFamily="18" charset="2"/>
+              </a:rPr>
+              <a:t>CPU </a:t>
+            </a:r>
+            <a:r>
+              <a:rPr lang="en-AU" altLang="en-US" sz="2800" dirty="0" smtClean="0">
+                <a:sym typeface="Symbol" pitchFamily="18" charset="2"/>
+              </a:rPr>
+              <a:t>B reading X after step 3 in example</a:t>
+            </a:r>
+          </a:p>
+          <a:p>
+            <a:pPr lvl="1"/>
+            <a:r>
+              <a:rPr lang="en-AU" altLang="en-US" dirty="0" smtClean="0">
+                <a:sym typeface="Symbol" pitchFamily="18" charset="2"/>
+              </a:rPr>
+              <a:t>P</a:t>
+            </a:r>
+            <a:r>
+              <a:rPr lang="en-AU" altLang="en-US" baseline="-25000" dirty="0" smtClean="0">
+                <a:sym typeface="Symbol" pitchFamily="18" charset="2"/>
+              </a:rPr>
+              <a:t>1</a:t>
+            </a:r>
+            <a:r>
+              <a:rPr lang="en-AU" altLang="en-US" dirty="0" smtClean="0">
+                <a:sym typeface="Symbol" pitchFamily="18" charset="2"/>
+              </a:rPr>
+              <a:t> writes X, P</a:t>
+            </a:r>
+            <a:r>
+              <a:rPr lang="en-AU" altLang="en-US" baseline="-25000" dirty="0" smtClean="0">
+                <a:sym typeface="Symbol" pitchFamily="18" charset="2"/>
+              </a:rPr>
+              <a:t>2</a:t>
+            </a:r>
+            <a:r>
+              <a:rPr lang="en-AU" altLang="en-US" dirty="0" smtClean="0">
+                <a:sym typeface="Symbol" pitchFamily="18" charset="2"/>
+              </a:rPr>
+              <a:t> writes X</a:t>
+            </a:r>
+            <a:br>
+              <a:rPr lang="en-AU" altLang="en-US" dirty="0" smtClean="0">
+                <a:sym typeface="Symbol" pitchFamily="18" charset="2"/>
+              </a:rPr>
+            </a:br>
+            <a:r>
+              <a:rPr lang="en-AU" altLang="en-US" dirty="0" smtClean="0">
+                <a:sym typeface="Symbol" pitchFamily="18" charset="2"/>
+              </a:rPr>
+              <a:t> all processors see writes in the same order</a:t>
+            </a:r>
+          </a:p>
+          <a:p>
+            <a:pPr lvl="2"/>
+            <a:r>
+              <a:rPr lang="en-AU" altLang="en-US" sz="2800" dirty="0" smtClean="0">
+                <a:sym typeface="Symbol" pitchFamily="18" charset="2"/>
+              </a:rPr>
+              <a:t>End up with the same final value for </a:t>
+            </a:r>
+            <a:r>
+              <a:rPr lang="en-AU" altLang="en-US" sz="2800" dirty="0" smtClean="0">
+                <a:sym typeface="Symbol" pitchFamily="18" charset="2"/>
+              </a:rPr>
+              <a:t>X</a:t>
+            </a:r>
+            <a:endParaRPr lang="en-AU" altLang="en-US" sz="2800" dirty="0" smtClean="0">
+              <a:sym typeface="Symbol" pitchFamily="18" charset="2"/>
+            </a:endParaRPr>
           </a:p>
         </p:txBody>
       </p:sp>
@@ -5706,8 +7665,8 @@
           <a:lstStyle/>
           <a:p>
             <a:r>
-              <a:rPr lang="en-AU" dirty="0" smtClean="0"/>
-              <a:t>Synchronization: Basic Building Blocks</a:t>
+              <a:rPr lang="en-AU" altLang="en-US" dirty="0" smtClean="0"/>
+              <a:t>Coherence Defined</a:t>
             </a:r>
             <a:endParaRPr lang="ru-RU" dirty="0"/>
           </a:p>
@@ -5718,13 +7677,6 @@
   <p:clrMapOvr>
     <a:masterClrMapping/>
   </p:clrMapOvr>
-  <p:timing>
-    <p:tnLst>
-      <p:par>
-        <p:cTn id="1" dur="indefinite" restart="never" nodeType="tmRoot"/>
-      </p:par>
-    </p:tnLst>
-  </p:timing>
 </p:sld>
 </file>
 
@@ -5747,470 +7699,95 @@
       </p:grpSpPr>
       <p:sp>
         <p:nvSpPr>
-          <p:cNvPr id="4" name="Прямоугольник 3"/>
-          <p:cNvSpPr/>
-          <p:nvPr/>
+          <p:cNvPr id="2" name="Содержимое 1"/>
+          <p:cNvSpPr>
+            <a:spLocks noGrp="1"/>
+          </p:cNvSpPr>
+          <p:nvPr>
+            <p:ph idx="1"/>
+          </p:nvPr>
         </p:nvSpPr>
         <p:spPr>
           <a:xfrm>
-            <a:off x="2664999" y="472120"/>
-            <a:ext cx="7524751" cy="5262979"/>
+            <a:off x="838200" y="1178052"/>
+            <a:ext cx="10515600" cy="5476748"/>
           </a:xfrm>
-          <a:prstGeom prst="rect">
-            <a:avLst/>
-          </a:prstGeom>
-          <a:noFill/>
-          <a:ln>
-            <a:noFill/>
-          </a:ln>
-          <a:scene3d>
-            <a:camera prst="perspectiveRelaxed"/>
-            <a:lightRig rig="threePt" dir="t"/>
-          </a:scene3d>
         </p:spPr>
         <p:txBody>
-          <a:bodyPr wrap="square" lIns="91440" tIns="45720" rIns="91440" bIns="45720">
-            <a:spAutoFit/>
+          <a:bodyPr>
+            <a:normAutofit lnSpcReduction="10000"/>
           </a:bodyPr>
           <a:lstStyle/>
           <a:p>
             <a:r>
-              <a:rPr lang="en-US" sz="2400" dirty="0" smtClean="0">
-                <a:ln w="0"/>
-                <a:solidFill>
-                  <a:srgbClr val="273272"/>
-                </a:solidFill>
-                <a:effectLst>
-                  <a:reflection blurRad="6350" stA="53000" endA="300" endPos="35500" dir="5400000" sy="-90000" algn="bl" rotWithShape="0"/>
-                </a:effectLst>
-                <a:latin typeface="Courier New" pitchFamily="49" charset="0"/>
-                <a:cs typeface="Courier New" pitchFamily="49" charset="0"/>
-              </a:rPr>
-              <a:t>		</a:t>
-            </a:r>
-          </a:p>
-          <a:p>
-            <a:r>
-              <a:rPr lang="en-US" sz="2400" dirty="0" smtClean="0">
-                <a:ln w="0"/>
-                <a:solidFill>
-                  <a:srgbClr val="273272"/>
-                </a:solidFill>
-                <a:effectLst>
-                  <a:reflection blurRad="6350" stA="53000" endA="300" endPos="35500" dir="5400000" sy="-90000" algn="bl" rotWithShape="0"/>
-                </a:effectLst>
-                <a:latin typeface="Courier New" pitchFamily="49" charset="0"/>
-                <a:cs typeface="Courier New" pitchFamily="49" charset="0"/>
-              </a:rPr>
-              <a:t>		.text</a:t>
-            </a:r>
-          </a:p>
-          <a:p>
-            <a:r>
-              <a:rPr lang="en-US" sz="2400" dirty="0" smtClean="0">
-                <a:ln w="0"/>
-                <a:solidFill>
-                  <a:srgbClr val="273272"/>
-                </a:solidFill>
-                <a:effectLst>
-                  <a:reflection blurRad="6350" stA="53000" endA="300" endPos="35500" dir="5400000" sy="-90000" algn="bl" rotWithShape="0"/>
-                </a:effectLst>
-                <a:latin typeface="Courier New" pitchFamily="49" charset="0"/>
-                <a:cs typeface="Courier New" pitchFamily="49" charset="0"/>
-              </a:rPr>
-              <a:t>__start:	addi t1, zero, 0x18</a:t>
-            </a:r>
-          </a:p>
-          <a:p>
-            <a:r>
-              <a:rPr lang="en-US" sz="2400" dirty="0" smtClean="0">
-                <a:ln w="0"/>
-                <a:solidFill>
-                  <a:srgbClr val="273272"/>
-                </a:solidFill>
-                <a:effectLst>
-                  <a:reflection blurRad="6350" stA="53000" endA="300" endPos="35500" dir="5400000" sy="-90000" algn="bl" rotWithShape="0"/>
-                </a:effectLst>
-                <a:latin typeface="Courier New" pitchFamily="49" charset="0"/>
-                <a:cs typeface="Courier New" pitchFamily="49" charset="0"/>
-              </a:rPr>
-              <a:t>		addi t2, zero, 0x21</a:t>
-            </a:r>
-          </a:p>
-          <a:p>
-            <a:r>
-              <a:rPr lang="en-US" sz="2400" dirty="0" smtClean="0">
-                <a:ln w="0"/>
-                <a:solidFill>
-                  <a:srgbClr val="273272"/>
-                </a:solidFill>
-                <a:effectLst>
-                  <a:reflection blurRad="6350" stA="53000" endA="300" endPos="35500" dir="5400000" sy="-90000" algn="bl" rotWithShape="0"/>
-                </a:effectLst>
-                <a:latin typeface="Courier New" pitchFamily="49" charset="0"/>
-                <a:cs typeface="Courier New" pitchFamily="49" charset="0"/>
-              </a:rPr>
-              <a:t>cycle:	</a:t>
-            </a:r>
-            <a:r>
-              <a:rPr lang="en-US" sz="2400" dirty="0" err="1" smtClean="0">
-                <a:ln w="0"/>
-                <a:solidFill>
-                  <a:srgbClr val="273272"/>
-                </a:solidFill>
-                <a:effectLst>
-                  <a:reflection blurRad="6350" stA="53000" endA="300" endPos="35500" dir="5400000" sy="-90000" algn="bl" rotWithShape="0"/>
-                </a:effectLst>
-                <a:latin typeface="Courier New" pitchFamily="49" charset="0"/>
-                <a:cs typeface="Courier New" pitchFamily="49" charset="0"/>
-              </a:rPr>
-              <a:t>beq</a:t>
-            </a:r>
-            <a:r>
-              <a:rPr lang="en-US" sz="2400" dirty="0" smtClean="0">
-                <a:ln w="0"/>
-                <a:solidFill>
-                  <a:srgbClr val="273272"/>
-                </a:solidFill>
-                <a:effectLst>
-                  <a:reflection blurRad="6350" stA="53000" endA="300" endPos="35500" dir="5400000" sy="-90000" algn="bl" rotWithShape="0"/>
-                </a:effectLst>
-                <a:latin typeface="Courier New" pitchFamily="49" charset="0"/>
-                <a:cs typeface="Courier New" pitchFamily="49" charset="0"/>
-              </a:rPr>
-              <a:t> t1, t2, done</a:t>
-            </a:r>
-          </a:p>
-          <a:p>
-            <a:r>
-              <a:rPr lang="en-US" sz="2400" dirty="0" smtClean="0">
-                <a:ln w="0"/>
-                <a:solidFill>
-                  <a:srgbClr val="273272"/>
-                </a:solidFill>
-                <a:effectLst>
-                  <a:reflection blurRad="6350" stA="53000" endA="300" endPos="35500" dir="5400000" sy="-90000" algn="bl" rotWithShape="0"/>
-                </a:effectLst>
-                <a:latin typeface="Courier New" pitchFamily="49" charset="0"/>
-                <a:cs typeface="Courier New" pitchFamily="49" charset="0"/>
-              </a:rPr>
-              <a:t>		</a:t>
-            </a:r>
-            <a:r>
-              <a:rPr lang="en-US" sz="2400" dirty="0" err="1" smtClean="0">
-                <a:ln w="0"/>
-                <a:solidFill>
-                  <a:srgbClr val="273272"/>
-                </a:solidFill>
-                <a:effectLst>
-                  <a:reflection blurRad="6350" stA="53000" endA="300" endPos="35500" dir="5400000" sy="-90000" algn="bl" rotWithShape="0"/>
-                </a:effectLst>
-                <a:latin typeface="Courier New" pitchFamily="49" charset="0"/>
-                <a:cs typeface="Courier New" pitchFamily="49" charset="0"/>
-              </a:rPr>
-              <a:t>slt</a:t>
-            </a:r>
-            <a:r>
-              <a:rPr lang="en-US" sz="2400" dirty="0" smtClean="0">
-                <a:ln w="0"/>
-                <a:solidFill>
-                  <a:srgbClr val="273272"/>
-                </a:solidFill>
-                <a:effectLst>
-                  <a:reflection blurRad="6350" stA="53000" endA="300" endPos="35500" dir="5400000" sy="-90000" algn="bl" rotWithShape="0"/>
-                </a:effectLst>
-                <a:latin typeface="Courier New" pitchFamily="49" charset="0"/>
-                <a:cs typeface="Courier New" pitchFamily="49" charset="0"/>
-              </a:rPr>
-              <a:t> t0, t1, t2</a:t>
-            </a:r>
-          </a:p>
-          <a:p>
-            <a:r>
-              <a:rPr lang="en-US" sz="2400" dirty="0" smtClean="0">
-                <a:ln w="0"/>
-                <a:solidFill>
-                  <a:srgbClr val="273272"/>
-                </a:solidFill>
-                <a:effectLst>
-                  <a:reflection blurRad="6350" stA="53000" endA="300" endPos="35500" dir="5400000" sy="-90000" algn="bl" rotWithShape="0"/>
-                </a:effectLst>
-                <a:latin typeface="Courier New" pitchFamily="49" charset="0"/>
-                <a:cs typeface="Courier New" pitchFamily="49" charset="0"/>
-              </a:rPr>
-              <a:t>		</a:t>
-            </a:r>
-            <a:r>
-              <a:rPr lang="en-US" sz="2400" dirty="0" err="1" smtClean="0">
-                <a:ln w="0"/>
-                <a:solidFill>
-                  <a:srgbClr val="273272"/>
-                </a:solidFill>
-                <a:effectLst>
-                  <a:reflection blurRad="6350" stA="53000" endA="300" endPos="35500" dir="5400000" sy="-90000" algn="bl" rotWithShape="0"/>
-                </a:effectLst>
-                <a:latin typeface="Courier New" pitchFamily="49" charset="0"/>
-                <a:cs typeface="Courier New" pitchFamily="49" charset="0"/>
-              </a:rPr>
-              <a:t>bne</a:t>
-            </a:r>
-            <a:r>
-              <a:rPr lang="en-US" sz="2400" dirty="0" smtClean="0">
-                <a:ln w="0"/>
-                <a:solidFill>
-                  <a:srgbClr val="273272"/>
-                </a:solidFill>
-                <a:effectLst>
-                  <a:reflection blurRad="6350" stA="53000" endA="300" endPos="35500" dir="5400000" sy="-90000" algn="bl" rotWithShape="0"/>
-                </a:effectLst>
-                <a:latin typeface="Courier New" pitchFamily="49" charset="0"/>
-                <a:cs typeface="Courier New" pitchFamily="49" charset="0"/>
-              </a:rPr>
-              <a:t> t0, zero, </a:t>
-            </a:r>
-            <a:r>
-              <a:rPr lang="en-US" sz="2400" dirty="0" err="1" smtClean="0">
-                <a:ln w="0"/>
-                <a:solidFill>
-                  <a:srgbClr val="273272"/>
-                </a:solidFill>
-                <a:effectLst>
-                  <a:reflection blurRad="6350" stA="53000" endA="300" endPos="35500" dir="5400000" sy="-90000" algn="bl" rotWithShape="0"/>
-                </a:effectLst>
-                <a:latin typeface="Courier New" pitchFamily="49" charset="0"/>
-                <a:cs typeface="Courier New" pitchFamily="49" charset="0"/>
-              </a:rPr>
-              <a:t>if_less</a:t>
-            </a:r>
-            <a:endParaRPr lang="en-US" sz="2400" dirty="0" smtClean="0">
-              <a:ln w="0"/>
-              <a:solidFill>
-                <a:srgbClr val="273272"/>
-              </a:solidFill>
-              <a:effectLst>
-                <a:reflection blurRad="6350" stA="53000" endA="300" endPos="35500" dir="5400000" sy="-90000" algn="bl" rotWithShape="0"/>
-              </a:effectLst>
-              <a:latin typeface="Courier New" pitchFamily="49" charset="0"/>
-              <a:cs typeface="Courier New" pitchFamily="49" charset="0"/>
-            </a:endParaRPr>
-          </a:p>
-          <a:p>
-            <a:r>
-              <a:rPr lang="en-US" sz="2400" dirty="0" smtClean="0">
-                <a:ln w="0"/>
-                <a:solidFill>
-                  <a:srgbClr val="273272"/>
-                </a:solidFill>
-                <a:effectLst>
-                  <a:reflection blurRad="6350" stA="53000" endA="300" endPos="35500" dir="5400000" sy="-90000" algn="bl" rotWithShape="0"/>
-                </a:effectLst>
-                <a:latin typeface="Courier New" pitchFamily="49" charset="0"/>
-                <a:cs typeface="Courier New" pitchFamily="49" charset="0"/>
-              </a:rPr>
-              <a:t>		</a:t>
-            </a:r>
-            <a:r>
-              <a:rPr lang="en-US" sz="2400" dirty="0" err="1" smtClean="0">
-                <a:ln w="0"/>
-                <a:solidFill>
-                  <a:srgbClr val="273272"/>
-                </a:solidFill>
-                <a:effectLst>
-                  <a:reflection blurRad="6350" stA="53000" endA="300" endPos="35500" dir="5400000" sy="-90000" algn="bl" rotWithShape="0"/>
-                </a:effectLst>
-                <a:latin typeface="Courier New" pitchFamily="49" charset="0"/>
-                <a:cs typeface="Courier New" pitchFamily="49" charset="0"/>
-              </a:rPr>
-              <a:t>nop</a:t>
-            </a:r>
-            <a:endParaRPr lang="en-US" sz="2400" dirty="0" smtClean="0">
-              <a:ln w="0"/>
-              <a:solidFill>
-                <a:srgbClr val="273272"/>
-              </a:solidFill>
-              <a:effectLst>
-                <a:reflection blurRad="6350" stA="53000" endA="300" endPos="35500" dir="5400000" sy="-90000" algn="bl" rotWithShape="0"/>
-              </a:effectLst>
-              <a:latin typeface="Courier New" pitchFamily="49" charset="0"/>
-              <a:cs typeface="Courier New" pitchFamily="49" charset="0"/>
-            </a:endParaRPr>
-          </a:p>
-          <a:p>
-            <a:r>
-              <a:rPr lang="en-US" sz="2400" dirty="0" smtClean="0">
-                <a:ln w="0"/>
-                <a:solidFill>
-                  <a:srgbClr val="273272"/>
-                </a:solidFill>
-                <a:effectLst>
-                  <a:reflection blurRad="6350" stA="53000" endA="300" endPos="35500" dir="5400000" sy="-90000" algn="bl" rotWithShape="0"/>
-                </a:effectLst>
-                <a:latin typeface="Courier New" pitchFamily="49" charset="0"/>
-                <a:cs typeface="Courier New" pitchFamily="49" charset="0"/>
-              </a:rPr>
-              <a:t>		sub t1, t1, t2</a:t>
-            </a:r>
-          </a:p>
-          <a:p>
-            <a:r>
-              <a:rPr lang="en-US" sz="2400" dirty="0" smtClean="0">
-                <a:ln w="0"/>
-                <a:solidFill>
-                  <a:srgbClr val="273272"/>
-                </a:solidFill>
-                <a:effectLst>
-                  <a:reflection blurRad="6350" stA="53000" endA="300" endPos="35500" dir="5400000" sy="-90000" algn="bl" rotWithShape="0"/>
-                </a:effectLst>
-                <a:latin typeface="Courier New" pitchFamily="49" charset="0"/>
-                <a:cs typeface="Courier New" pitchFamily="49" charset="0"/>
-              </a:rPr>
-              <a:t>		j cycle</a:t>
-            </a:r>
-          </a:p>
-          <a:p>
-            <a:r>
-              <a:rPr lang="en-US" sz="2400" dirty="0" smtClean="0">
-                <a:ln w="0"/>
-                <a:solidFill>
-                  <a:srgbClr val="273272"/>
-                </a:solidFill>
-                <a:effectLst>
-                  <a:reflection blurRad="6350" stA="53000" endA="300" endPos="35500" dir="5400000" sy="-90000" algn="bl" rotWithShape="0"/>
-                </a:effectLst>
-                <a:latin typeface="Courier New" pitchFamily="49" charset="0"/>
-                <a:cs typeface="Courier New" pitchFamily="49" charset="0"/>
-              </a:rPr>
-              <a:t>		</a:t>
-            </a:r>
-            <a:r>
-              <a:rPr lang="en-US" sz="2400" dirty="0" err="1" smtClean="0">
-                <a:ln w="0"/>
-                <a:solidFill>
-                  <a:srgbClr val="273272"/>
-                </a:solidFill>
-                <a:effectLst>
-                  <a:reflection blurRad="6350" stA="53000" endA="300" endPos="35500" dir="5400000" sy="-90000" algn="bl" rotWithShape="0"/>
-                </a:effectLst>
-                <a:latin typeface="Courier New" pitchFamily="49" charset="0"/>
-                <a:cs typeface="Courier New" pitchFamily="49" charset="0"/>
-              </a:rPr>
-              <a:t>nop</a:t>
-            </a:r>
-            <a:endParaRPr lang="en-US" sz="2400" dirty="0" smtClean="0">
-              <a:ln w="0"/>
-              <a:solidFill>
-                <a:srgbClr val="273272"/>
-              </a:solidFill>
-              <a:effectLst>
-                <a:reflection blurRad="6350" stA="53000" endA="300" endPos="35500" dir="5400000" sy="-90000" algn="bl" rotWithShape="0"/>
-              </a:effectLst>
-              <a:latin typeface="Courier New" pitchFamily="49" charset="0"/>
-              <a:cs typeface="Courier New" pitchFamily="49" charset="0"/>
-            </a:endParaRPr>
-          </a:p>
-          <a:p>
-            <a:r>
-              <a:rPr lang="en-US" sz="2400" dirty="0" err="1" smtClean="0">
-                <a:ln w="0"/>
-                <a:solidFill>
-                  <a:srgbClr val="273272"/>
-                </a:solidFill>
-                <a:effectLst>
-                  <a:reflection blurRad="6350" stA="53000" endA="300" endPos="35500" dir="5400000" sy="-90000" algn="bl" rotWithShape="0"/>
-                </a:effectLst>
-                <a:latin typeface="Courier New" pitchFamily="49" charset="0"/>
-                <a:cs typeface="Courier New" pitchFamily="49" charset="0"/>
-              </a:rPr>
-              <a:t>if_less</a:t>
-            </a:r>
-            <a:r>
-              <a:rPr lang="en-US" sz="2400" dirty="0" smtClean="0">
-                <a:ln w="0"/>
-                <a:solidFill>
-                  <a:srgbClr val="273272"/>
-                </a:solidFill>
-                <a:effectLst>
-                  <a:reflection blurRad="6350" stA="53000" endA="300" endPos="35500" dir="5400000" sy="-90000" algn="bl" rotWithShape="0"/>
-                </a:effectLst>
-                <a:latin typeface="Courier New" pitchFamily="49" charset="0"/>
-                <a:cs typeface="Courier New" pitchFamily="49" charset="0"/>
-              </a:rPr>
-              <a:t>:	sub t2, t2, t1</a:t>
-            </a:r>
-          </a:p>
-          <a:p>
-            <a:r>
-              <a:rPr lang="en-US" sz="2400" dirty="0" smtClean="0">
-                <a:ln w="0"/>
-                <a:solidFill>
-                  <a:srgbClr val="273272"/>
-                </a:solidFill>
-                <a:effectLst>
-                  <a:reflection blurRad="6350" stA="53000" endA="300" endPos="35500" dir="5400000" sy="-90000" algn="bl" rotWithShape="0"/>
-                </a:effectLst>
-                <a:latin typeface="Courier New" pitchFamily="49" charset="0"/>
-                <a:cs typeface="Courier New" pitchFamily="49" charset="0"/>
-              </a:rPr>
-              <a:t>		j cycle</a:t>
-            </a:r>
-          </a:p>
-          <a:p>
-            <a:r>
-              <a:rPr lang="en-US" sz="2400" dirty="0" smtClean="0">
-                <a:ln w="0"/>
-                <a:solidFill>
-                  <a:srgbClr val="273272"/>
-                </a:solidFill>
-                <a:effectLst>
-                  <a:reflection blurRad="6350" stA="53000" endA="300" endPos="35500" dir="5400000" sy="-90000" algn="bl" rotWithShape="0"/>
-                </a:effectLst>
-                <a:latin typeface="Courier New" pitchFamily="49" charset="0"/>
-                <a:cs typeface="Courier New" pitchFamily="49" charset="0"/>
-              </a:rPr>
-              <a:t>done:		add t3, t1, zero</a:t>
-            </a:r>
-            <a:endParaRPr lang="ru-RU" sz="2400" b="0" cap="none" spc="0" dirty="0">
-              <a:ln w="0"/>
-              <a:solidFill>
-                <a:srgbClr val="273272"/>
-              </a:solidFill>
-              <a:effectLst>
-                <a:reflection blurRad="6350" stA="53000" endA="300" endPos="35500" dir="5400000" sy="-90000" algn="bl" rotWithShape="0"/>
-              </a:effectLst>
-              <a:latin typeface="Courier New" pitchFamily="49" charset="0"/>
-              <a:cs typeface="Courier New" pitchFamily="49" charset="0"/>
-            </a:endParaRPr>
-          </a:p>
-        </p:txBody>
-      </p:sp>
-      <p:sp>
-        <p:nvSpPr>
-          <p:cNvPr id="2" name="Заголовок 1"/>
-          <p:cNvSpPr>
-            <a:spLocks noGrp="1"/>
-          </p:cNvSpPr>
-          <p:nvPr>
-            <p:ph type="title"/>
-          </p:nvPr>
-        </p:nvSpPr>
-        <p:spPr/>
-        <p:txBody>
-          <a:bodyPr>
-            <a:normAutofit/>
-          </a:bodyPr>
-          <a:lstStyle/>
-          <a:p>
-            <a:r>
-              <a:rPr lang="en-US" dirty="0" smtClean="0"/>
-              <a:t>Any Questions?</a:t>
-            </a:r>
-            <a:endParaRPr lang="ru-RU" sz="4000" dirty="0"/>
-          </a:p>
-        </p:txBody>
-      </p:sp>
-      <p:sp>
-        <p:nvSpPr>
-          <p:cNvPr id="6" name="Номер слайда 5"/>
+              <a:rPr lang="en-AU" altLang="en-US" dirty="0" smtClean="0"/>
+              <a:t>Operations performed by caches in multiprocessors to ensure coherence</a:t>
+            </a:r>
+          </a:p>
+          <a:p>
+            <a:pPr lvl="1"/>
+            <a:r>
+              <a:rPr lang="en-AU" altLang="en-US" dirty="0" smtClean="0"/>
+              <a:t>Migration of data to local caches</a:t>
+            </a:r>
+          </a:p>
+          <a:p>
+            <a:pPr lvl="2"/>
+            <a:r>
+              <a:rPr lang="en-AU" altLang="en-US" sz="2800" dirty="0" smtClean="0"/>
+              <a:t>Reduces bandwidth for shared memory</a:t>
+            </a:r>
+          </a:p>
+          <a:p>
+            <a:pPr lvl="1"/>
+            <a:r>
+              <a:rPr lang="en-AU" altLang="en-US" dirty="0" smtClean="0"/>
+              <a:t>Replication of read-shared data</a:t>
+            </a:r>
+          </a:p>
+          <a:p>
+            <a:pPr lvl="2"/>
+            <a:r>
+              <a:rPr lang="en-AU" altLang="en-US" sz="2800" dirty="0" smtClean="0"/>
+              <a:t>Reduces contention for access</a:t>
+            </a:r>
+          </a:p>
+          <a:p>
+            <a:r>
+              <a:rPr lang="en-AU" altLang="en-US" dirty="0" smtClean="0"/>
+              <a:t>Snooping protocols</a:t>
+            </a:r>
+          </a:p>
+          <a:p>
+            <a:pPr lvl="1"/>
+            <a:r>
+              <a:rPr lang="en-AU" altLang="en-US" dirty="0" smtClean="0"/>
+              <a:t>Each cache monitors bus reads/writes</a:t>
+            </a:r>
+          </a:p>
+          <a:p>
+            <a:r>
+              <a:rPr lang="en-AU" altLang="en-US" dirty="0" smtClean="0"/>
+              <a:t>Directory-based protocols</a:t>
+            </a:r>
+          </a:p>
+          <a:p>
+            <a:pPr lvl="1"/>
+            <a:r>
+              <a:rPr lang="en-AU" altLang="en-US" dirty="0" smtClean="0"/>
+              <a:t>Caches and memory record sharing status of blocks in a </a:t>
+            </a:r>
+            <a:r>
+              <a:rPr lang="en-AU" altLang="en-US" dirty="0" smtClean="0"/>
+              <a:t>directory</a:t>
+            </a:r>
+            <a:endParaRPr lang="en-AU" altLang="en-US" dirty="0" smtClean="0"/>
+          </a:p>
+        </p:txBody>
+      </p:sp>
+      <p:sp>
+        <p:nvSpPr>
+          <p:cNvPr id="3" name="Номер слайда 2"/>
           <p:cNvSpPr>
             <a:spLocks noGrp="1"/>
           </p:cNvSpPr>
@@ -6233,12 +7810,253 @@
           </a:p>
         </p:txBody>
       </p:sp>
+      <p:sp>
+        <p:nvSpPr>
+          <p:cNvPr id="4" name="Заголовок 3"/>
+          <p:cNvSpPr>
+            <a:spLocks noGrp="1"/>
+          </p:cNvSpPr>
+          <p:nvPr>
+            <p:ph type="title"/>
+          </p:nvPr>
+        </p:nvSpPr>
+        <p:spPr/>
+        <p:txBody>
+          <a:bodyPr/>
+          <a:lstStyle/>
+          <a:p>
+            <a:r>
+              <a:rPr lang="en-AU" altLang="en-US" dirty="0" smtClean="0"/>
+              <a:t>Cache Coherence Protocols</a:t>
+            </a:r>
+            <a:endParaRPr lang="ru-RU" dirty="0"/>
+          </a:p>
+        </p:txBody>
+      </p:sp>
     </p:spTree>
-    <p:extLst>
-      <p:ext uri="{BB962C8B-B14F-4D97-AF65-F5344CB8AC3E}">
-        <p14:creationId xmlns:p14="http://schemas.microsoft.com/office/powerpoint/2010/main" xmlns="" val="4217875043"/>
-      </p:ext>
-    </p:extLst>
+  </p:cSld>
+  <p:clrMapOvr>
+    <a:masterClrMapping/>
+  </p:clrMapOvr>
+</p:sld>
+</file>
+
+<file path=ppt/slides/slide19.xml><?xml version="1.0" encoding="utf-8"?>
+<p:sld xmlns:a="http://schemas.openxmlformats.org/drawingml/2006/main" xmlns:r="http://schemas.openxmlformats.org/officeDocument/2006/relationships" xmlns:p="http://schemas.openxmlformats.org/presentationml/2006/main">
+  <p:cSld>
+    <p:spTree>
+      <p:nvGrpSpPr>
+        <p:cNvPr id="1" name=""/>
+        <p:cNvGrpSpPr/>
+        <p:nvPr/>
+      </p:nvGrpSpPr>
+      <p:grpSpPr>
+        <a:xfrm>
+          <a:off x="0" y="0"/>
+          <a:ext cx="0" cy="0"/>
+          <a:chOff x="0" y="0"/>
+          <a:chExt cx="0" cy="0"/>
+        </a:xfrm>
+      </p:grpSpPr>
+      <p:sp>
+        <p:nvSpPr>
+          <p:cNvPr id="2" name="Содержимое 1"/>
+          <p:cNvSpPr>
+            <a:spLocks noGrp="1"/>
+          </p:cNvSpPr>
+          <p:nvPr>
+            <p:ph idx="1"/>
+          </p:nvPr>
+        </p:nvSpPr>
+        <p:spPr>
+          <a:xfrm>
+            <a:off x="736600" y="1025652"/>
+            <a:ext cx="10566400" cy="5565648"/>
+          </a:xfrm>
+        </p:spPr>
+        <p:txBody>
+          <a:bodyPr>
+            <a:noAutofit/>
+          </a:bodyPr>
+          <a:lstStyle/>
+          <a:p>
+            <a:pPr>
+              <a:lnSpc>
+                <a:spcPct val="100000"/>
+              </a:lnSpc>
+              <a:spcBef>
+                <a:spcPts val="600"/>
+              </a:spcBef>
+            </a:pPr>
+            <a:r>
+              <a:rPr lang="en-US" dirty="0" smtClean="0"/>
+              <a:t>Atomic exchange</a:t>
+            </a:r>
+          </a:p>
+          <a:p>
+            <a:pPr lvl="1">
+              <a:lnSpc>
+                <a:spcPct val="100000"/>
+              </a:lnSpc>
+              <a:spcBef>
+                <a:spcPts val="600"/>
+              </a:spcBef>
+            </a:pPr>
+            <a:r>
+              <a:rPr lang="en-US" sz="2800" dirty="0" smtClean="0"/>
+              <a:t>Swaps register with memory location</a:t>
+            </a:r>
+          </a:p>
+          <a:p>
+            <a:pPr>
+              <a:lnSpc>
+                <a:spcPct val="100000"/>
+              </a:lnSpc>
+              <a:spcBef>
+                <a:spcPts val="600"/>
+              </a:spcBef>
+            </a:pPr>
+            <a:r>
+              <a:rPr lang="en-US" dirty="0" smtClean="0"/>
+              <a:t>Test-and-set</a:t>
+            </a:r>
+          </a:p>
+          <a:p>
+            <a:pPr lvl="1">
+              <a:lnSpc>
+                <a:spcPct val="100000"/>
+              </a:lnSpc>
+              <a:spcBef>
+                <a:spcPts val="600"/>
+              </a:spcBef>
+            </a:pPr>
+            <a:r>
+              <a:rPr lang="en-US" sz="2800" dirty="0" smtClean="0"/>
+              <a:t>Sets under condition</a:t>
+            </a:r>
+          </a:p>
+          <a:p>
+            <a:pPr>
+              <a:lnSpc>
+                <a:spcPct val="100000"/>
+              </a:lnSpc>
+              <a:spcBef>
+                <a:spcPts val="600"/>
+              </a:spcBef>
+            </a:pPr>
+            <a:r>
+              <a:rPr lang="en-US" dirty="0" smtClean="0"/>
+              <a:t>Fetch-and-increment</a:t>
+            </a:r>
+          </a:p>
+          <a:p>
+            <a:pPr lvl="1">
+              <a:lnSpc>
+                <a:spcPct val="100000"/>
+              </a:lnSpc>
+              <a:spcBef>
+                <a:spcPts val="600"/>
+              </a:spcBef>
+            </a:pPr>
+            <a:r>
+              <a:rPr lang="en-US" sz="2800" dirty="0" smtClean="0"/>
+              <a:t>Reads original value from memory and increments it in memory</a:t>
+            </a:r>
+          </a:p>
+          <a:p>
+            <a:pPr>
+              <a:lnSpc>
+                <a:spcPct val="100000"/>
+              </a:lnSpc>
+              <a:spcBef>
+                <a:spcPts val="600"/>
+              </a:spcBef>
+            </a:pPr>
+            <a:r>
+              <a:rPr lang="en-US" dirty="0" smtClean="0"/>
+              <a:t>Requires read and write in uninterruptable instruction</a:t>
+            </a:r>
+          </a:p>
+          <a:p>
+            <a:pPr>
+              <a:lnSpc>
+                <a:spcPct val="100000"/>
+              </a:lnSpc>
+              <a:spcBef>
+                <a:spcPts val="600"/>
+              </a:spcBef>
+            </a:pPr>
+            <a:r>
+              <a:rPr lang="en-US" dirty="0" smtClean="0"/>
+              <a:t>RISC-V: load reserved/store conditional</a:t>
+            </a:r>
+          </a:p>
+          <a:p>
+            <a:pPr lvl="1">
+              <a:lnSpc>
+                <a:spcPct val="100000"/>
+              </a:lnSpc>
+              <a:spcBef>
+                <a:spcPts val="600"/>
+              </a:spcBef>
+            </a:pPr>
+            <a:r>
+              <a:rPr lang="en-US" sz="2800" dirty="0" smtClean="0"/>
+              <a:t>If the memory location specified by the load is changed before the store conditional to the same address, the store conditional fails</a:t>
+            </a:r>
+            <a:endParaRPr lang="ru-RU" sz="3600" dirty="0"/>
+          </a:p>
+        </p:txBody>
+      </p:sp>
+      <p:sp>
+        <p:nvSpPr>
+          <p:cNvPr id="3" name="Номер слайда 2"/>
+          <p:cNvSpPr>
+            <a:spLocks noGrp="1"/>
+          </p:cNvSpPr>
+          <p:nvPr>
+            <p:ph type="sldNum" sz="quarter" idx="12"/>
+          </p:nvPr>
+        </p:nvSpPr>
+        <p:spPr/>
+        <p:txBody>
+          <a:bodyPr/>
+          <a:lstStyle/>
+          <a:p>
+            <a:pPr algn="ctr"/>
+            <a:fld id="{1397BFD8-F312-4EF2-A268-44FB4BDDBBB0}" type="slidenum">
+              <a:rPr lang="ru-RU" smtClean="0"/>
+              <a:pPr algn="ctr"/>
+              <a:t>19</a:t>
+            </a:fld>
+            <a:endParaRPr lang="ru-RU" dirty="0"/>
+          </a:p>
+        </p:txBody>
+      </p:sp>
+      <p:sp>
+        <p:nvSpPr>
+          <p:cNvPr id="4" name="Заголовок 3"/>
+          <p:cNvSpPr>
+            <a:spLocks noGrp="1"/>
+          </p:cNvSpPr>
+          <p:nvPr>
+            <p:ph type="title"/>
+          </p:nvPr>
+        </p:nvSpPr>
+        <p:spPr/>
+        <p:txBody>
+          <a:bodyPr/>
+          <a:lstStyle/>
+          <a:p>
+            <a:r>
+              <a:rPr lang="en-AU" dirty="0" smtClean="0"/>
+              <a:t>Synchronization: Basic Building Blocks</a:t>
+            </a:r>
+            <a:endParaRPr lang="ru-RU" dirty="0"/>
+          </a:p>
+        </p:txBody>
+      </p:sp>
+    </p:spTree>
   </p:cSld>
   <p:clrMapOvr>
     <a:masterClrMapping/>
@@ -6282,85 +8100,141 @@
         </p:nvSpPr>
         <p:spPr>
           <a:xfrm>
-            <a:off x="838200" y="1178052"/>
-            <a:ext cx="10515600" cy="5248147"/>
+            <a:off x="838200" y="1079500"/>
+            <a:ext cx="10515600" cy="5549900"/>
           </a:xfrm>
         </p:spPr>
         <p:txBody>
           <a:bodyPr>
-            <a:normAutofit lnSpcReduction="10000"/>
+            <a:normAutofit fontScale="92500" lnSpcReduction="20000"/>
           </a:bodyPr>
           <a:lstStyle/>
           <a:p>
+            <a:pPr algn="ctr">
+              <a:buNone/>
+            </a:pPr>
+            <a:r>
+              <a:rPr lang="en-US" altLang="en-US" sz="3900" b="1" dirty="0" smtClean="0">
+                <a:solidFill>
+                  <a:srgbClr val="1E3272"/>
+                </a:solidFill>
+              </a:rPr>
+              <a:t>Goals</a:t>
+            </a:r>
+            <a:endParaRPr lang="en-US" altLang="en-US" b="1" dirty="0" smtClean="0">
+              <a:solidFill>
+                <a:srgbClr val="1E3272"/>
+              </a:solidFill>
+            </a:endParaRPr>
+          </a:p>
+          <a:p>
             <a:r>
               <a:rPr lang="en-US" altLang="en-US" dirty="0" smtClean="0"/>
-              <a:t>Goal: connecting multiple </a:t>
+              <a:t>Task-level </a:t>
             </a:r>
             <a:r>
               <a:rPr lang="en-US" altLang="en-US" dirty="0" smtClean="0"/>
-              <a:t>computers to </a:t>
-            </a:r>
+              <a:t>(process-level) parallelism</a:t>
+            </a:r>
+          </a:p>
+          <a:p>
+            <a:pPr lvl="1"/>
             <a:r>
               <a:rPr lang="en-US" altLang="en-US" dirty="0" smtClean="0"/>
-              <a:t>get higher performance</a:t>
+              <a:t>High throughput for independent jobs</a:t>
+            </a:r>
+          </a:p>
+          <a:p>
+            <a:r>
+              <a:rPr lang="en-US" altLang="en-US" dirty="0" smtClean="0"/>
+              <a:t>Parallel processing program</a:t>
             </a:r>
           </a:p>
           <a:p>
             <a:pPr lvl="1"/>
+            <a:r>
+              <a:rPr lang="en-US" altLang="en-US" dirty="0" smtClean="0"/>
+              <a:t>Single program run on multiple </a:t>
+            </a:r>
+            <a:r>
+              <a:rPr lang="en-US" altLang="en-US" dirty="0" smtClean="0"/>
+              <a:t>processors</a:t>
+            </a:r>
+          </a:p>
+          <a:p>
+            <a:pPr lvl="1" algn="ctr">
+              <a:spcBef>
+                <a:spcPts val="1200"/>
+              </a:spcBef>
+              <a:buNone/>
+            </a:pPr>
+            <a:r>
+              <a:rPr lang="en-US" altLang="en-US" sz="3900" b="1" dirty="0" smtClean="0"/>
+              <a:t>Implementations</a:t>
+            </a:r>
+            <a:endParaRPr lang="en-US" altLang="en-US" b="1" dirty="0" smtClean="0"/>
+          </a:p>
+          <a:p>
+            <a:r>
+              <a:rPr lang="en-US" altLang="en-US" dirty="0" smtClean="0"/>
+              <a:t>Hardware multithreading</a:t>
+            </a:r>
+          </a:p>
+          <a:p>
+            <a:r>
+              <a:rPr lang="en-US" altLang="en-US" dirty="0" err="1" smtClean="0"/>
+              <a:t>Multicore</a:t>
+            </a:r>
+            <a:r>
+              <a:rPr lang="en-US" altLang="en-US" dirty="0" smtClean="0"/>
+              <a:t> </a:t>
+            </a:r>
+            <a:r>
+              <a:rPr lang="en-US" altLang="en-US" dirty="0" smtClean="0"/>
+              <a:t>microprocessors</a:t>
+            </a:r>
+          </a:p>
+          <a:p>
+            <a:pPr lvl="1"/>
+            <a:r>
+              <a:rPr lang="en-US" altLang="en-US" dirty="0" smtClean="0"/>
+              <a:t>Chips with multiple processors (cores</a:t>
+            </a:r>
+            <a:r>
+              <a:rPr lang="en-US" altLang="en-US" dirty="0" smtClean="0"/>
+              <a:t>)</a:t>
+            </a:r>
+          </a:p>
+          <a:p>
             <a:r>
               <a:rPr lang="en-US" altLang="en-US" dirty="0" smtClean="0"/>
               <a:t>Multiprocessors</a:t>
             </a:r>
+            <a:endParaRPr lang="en-US" altLang="en-US" dirty="0" smtClean="0"/>
           </a:p>
           <a:p>
             <a:pPr lvl="1"/>
             <a:r>
               <a:rPr lang="en-US" altLang="en-US" dirty="0" smtClean="0"/>
-              <a:t>Scalability, availability, power efficiency</a:t>
-            </a:r>
-          </a:p>
-          <a:p>
+              <a:t>Connecting multiple computers </a:t>
+            </a:r>
             <a:r>
               <a:rPr lang="en-US" altLang="en-US" dirty="0" smtClean="0"/>
-              <a:t>Task-level (process-level) parallelism</a:t>
-            </a:r>
+              <a:t>to get higher performance</a:t>
+            </a:r>
+            <a:endParaRPr lang="en-US" altLang="en-US" dirty="0" smtClean="0"/>
           </a:p>
           <a:p>
             <a:pPr lvl="1"/>
             <a:r>
               <a:rPr lang="en-US" altLang="en-US" dirty="0" smtClean="0"/>
-              <a:t>High throughput for independent jobs</a:t>
-            </a:r>
-          </a:p>
-          <a:p>
+              <a:t>Scalability, availability, power </a:t>
+            </a:r>
             <a:r>
               <a:rPr lang="en-US" altLang="en-US" dirty="0" smtClean="0"/>
-              <a:t>Parallel processing program</a:t>
-            </a:r>
-          </a:p>
-          <a:p>
-            <a:pPr lvl="1"/>
-            <a:r>
-              <a:rPr lang="en-US" altLang="en-US" dirty="0" smtClean="0"/>
-              <a:t>Single program run on multiple processors</a:t>
-            </a:r>
-          </a:p>
-          <a:p>
-            <a:r>
-              <a:rPr lang="en-US" altLang="en-US" dirty="0" err="1" smtClean="0"/>
-              <a:t>Multicore</a:t>
-            </a:r>
-            <a:r>
-              <a:rPr lang="en-US" altLang="en-US" dirty="0" smtClean="0"/>
-              <a:t> microprocessors</a:t>
-            </a:r>
-          </a:p>
-          <a:p>
-            <a:pPr lvl="1"/>
-            <a:r>
-              <a:rPr lang="en-US" altLang="en-US" dirty="0" smtClean="0"/>
-              <a:t>Chips with multiple processors (cores)</a:t>
-            </a:r>
+              <a:t>efficiency</a:t>
+            </a:r>
+            <a:endParaRPr lang="en-US" altLang="en-US" dirty="0" smtClean="0"/>
           </a:p>
           <a:p>
             <a:endParaRPr lang="ru-RU" dirty="0"/>
@@ -6409,7 +8283,19 @@
           <a:p>
             <a:r>
               <a:rPr lang="en-US" dirty="0" smtClean="0"/>
-              <a:t>Thread-Level Parallelism</a:t>
+              <a:t>Why </a:t>
+            </a:r>
+            <a:r>
+              <a:rPr lang="en-US" dirty="0" smtClean="0"/>
+              <a:t>We Need </a:t>
+            </a:r>
+            <a:r>
+              <a:rPr lang="en-US" dirty="0" smtClean="0"/>
+              <a:t>Thread-Level </a:t>
+            </a:r>
+            <a:r>
+              <a:rPr lang="en-US" dirty="0" smtClean="0"/>
+              <a:t>Parallelism</a:t>
             </a:r>
             <a:endParaRPr lang="ru-RU" dirty="0"/>
           </a:p>
@@ -6420,6 +8306,687 @@
   <p:clrMapOvr>
     <a:masterClrMapping/>
   </p:clrMapOvr>
+  <p:timing>
+    <p:tnLst>
+      <p:par>
+        <p:cTn id="1" dur="indefinite" restart="never" nodeType="tmRoot"/>
+      </p:par>
+    </p:tnLst>
+  </p:timing>
+</p:sld>
+</file>
+
+<file path=ppt/slides/slide20.xml><?xml version="1.0" encoding="utf-8"?>
+<p:sld xmlns:a="http://schemas.openxmlformats.org/drawingml/2006/main" xmlns:r="http://schemas.openxmlformats.org/officeDocument/2006/relationships" xmlns:p="http://schemas.openxmlformats.org/presentationml/2006/main">
+  <p:cSld>
+    <p:spTree>
+      <p:nvGrpSpPr>
+        <p:cNvPr id="1" name=""/>
+        <p:cNvGrpSpPr/>
+        <p:nvPr/>
+      </p:nvGrpSpPr>
+      <p:grpSpPr>
+        <a:xfrm>
+          <a:off x="0" y="0"/>
+          <a:ext cx="0" cy="0"/>
+          <a:chOff x="0" y="0"/>
+          <a:chExt cx="0" cy="0"/>
+        </a:xfrm>
+      </p:grpSpPr>
+      <p:sp>
+        <p:nvSpPr>
+          <p:cNvPr id="2" name="Содержимое 1"/>
+          <p:cNvSpPr>
+            <a:spLocks noGrp="1"/>
+          </p:cNvSpPr>
+          <p:nvPr>
+            <p:ph idx="1"/>
+          </p:nvPr>
+        </p:nvSpPr>
+        <p:spPr>
+          <a:xfrm>
+            <a:off x="787400" y="1076453"/>
+            <a:ext cx="10883900" cy="1908047"/>
+          </a:xfrm>
+        </p:spPr>
+        <p:txBody>
+          <a:bodyPr/>
+          <a:lstStyle/>
+          <a:p>
+            <a:r>
+              <a:rPr lang="en-AU" altLang="en-US" dirty="0" smtClean="0"/>
+              <a:t>Each processor has private physical address space</a:t>
+            </a:r>
+          </a:p>
+          <a:p>
+            <a:r>
+              <a:rPr lang="en-AU" altLang="en-US" dirty="0" smtClean="0"/>
+              <a:t>Hardware sends/receives messages between processors</a:t>
+            </a:r>
+          </a:p>
+        </p:txBody>
+      </p:sp>
+      <p:sp>
+        <p:nvSpPr>
+          <p:cNvPr id="3" name="Номер слайда 2"/>
+          <p:cNvSpPr>
+            <a:spLocks noGrp="1"/>
+          </p:cNvSpPr>
+          <p:nvPr>
+            <p:ph type="sldNum" sz="quarter" idx="12"/>
+          </p:nvPr>
+        </p:nvSpPr>
+        <p:spPr/>
+        <p:txBody>
+          <a:bodyPr/>
+          <a:lstStyle/>
+          <a:p>
+            <a:pPr algn="ctr"/>
+            <a:fld id="{1397BFD8-F312-4EF2-A268-44FB4BDDBBB0}" type="slidenum">
+              <a:rPr lang="ru-RU" smtClean="0"/>
+              <a:pPr algn="ctr"/>
+              <a:t>20</a:t>
+            </a:fld>
+            <a:endParaRPr lang="ru-RU" dirty="0"/>
+          </a:p>
+        </p:txBody>
+      </p:sp>
+      <p:sp>
+        <p:nvSpPr>
+          <p:cNvPr id="4" name="Заголовок 3"/>
+          <p:cNvSpPr>
+            <a:spLocks noGrp="1"/>
+          </p:cNvSpPr>
+          <p:nvPr>
+            <p:ph type="title"/>
+          </p:nvPr>
+        </p:nvSpPr>
+        <p:spPr/>
+        <p:txBody>
+          <a:bodyPr/>
+          <a:lstStyle/>
+          <a:p>
+            <a:r>
+              <a:rPr lang="en-AU" altLang="en-US" dirty="0" smtClean="0"/>
+              <a:t>Multiprocessors: Message </a:t>
+            </a:r>
+            <a:r>
+              <a:rPr lang="en-AU" altLang="en-US" dirty="0" smtClean="0"/>
+              <a:t>Passing</a:t>
+            </a:r>
+            <a:endParaRPr lang="ru-RU" dirty="0"/>
+          </a:p>
+        </p:txBody>
+      </p:sp>
+      <p:pic>
+        <p:nvPicPr>
+          <p:cNvPr id="5" name="Picture 6" descr="f07-04-P374493"/>
+          <p:cNvPicPr>
+            <a:picLocks noChangeAspect="1" noChangeArrowheads="1"/>
+          </p:cNvPicPr>
+          <p:nvPr/>
+        </p:nvPicPr>
+        <p:blipFill>
+          <a:blip r:embed="rId2" cstate="print"/>
+          <a:srcRect/>
+          <a:stretch>
+            <a:fillRect/>
+          </a:stretch>
+        </p:blipFill>
+        <p:spPr bwMode="auto">
+          <a:xfrm>
+            <a:off x="3068616" y="2554282"/>
+            <a:ext cx="6336805" cy="3149200"/>
+          </a:xfrm>
+          <a:prstGeom prst="rect">
+            <a:avLst/>
+          </a:prstGeom>
+          <a:noFill/>
+          <a:ln w="9525">
+            <a:noFill/>
+            <a:miter lim="800000"/>
+            <a:headEnd/>
+            <a:tailEnd/>
+          </a:ln>
+        </p:spPr>
+      </p:pic>
+    </p:spTree>
+  </p:cSld>
+  <p:clrMapOvr>
+    <a:masterClrMapping/>
+  </p:clrMapOvr>
+  <p:timing>
+    <p:tnLst>
+      <p:par>
+        <p:cTn id="1" dur="indefinite" restart="never" nodeType="tmRoot"/>
+      </p:par>
+    </p:tnLst>
+  </p:timing>
+</p:sld>
+</file>
+
+<file path=ppt/slides/slide21.xml><?xml version="1.0" encoding="utf-8"?>
+<p:sld xmlns:a="http://schemas.openxmlformats.org/drawingml/2006/main" xmlns:r="http://schemas.openxmlformats.org/officeDocument/2006/relationships" xmlns:p="http://schemas.openxmlformats.org/presentationml/2006/main">
+  <p:cSld>
+    <p:spTree>
+      <p:nvGrpSpPr>
+        <p:cNvPr id="1" name=""/>
+        <p:cNvGrpSpPr/>
+        <p:nvPr/>
+      </p:nvGrpSpPr>
+      <p:grpSpPr>
+        <a:xfrm>
+          <a:off x="0" y="0"/>
+          <a:ext cx="0" cy="0"/>
+          <a:chOff x="0" y="0"/>
+          <a:chExt cx="0" cy="0"/>
+        </a:xfrm>
+      </p:grpSpPr>
+      <p:sp>
+        <p:nvSpPr>
+          <p:cNvPr id="4" name="Прямоугольник 3"/>
+          <p:cNvSpPr/>
+          <p:nvPr/>
+        </p:nvSpPr>
+        <p:spPr>
+          <a:xfrm>
+            <a:off x="2664999" y="472120"/>
+            <a:ext cx="7524751" cy="5262979"/>
+          </a:xfrm>
+          <a:prstGeom prst="rect">
+            <a:avLst/>
+          </a:prstGeom>
+          <a:noFill/>
+          <a:ln>
+            <a:noFill/>
+          </a:ln>
+          <a:scene3d>
+            <a:camera prst="perspectiveRelaxed"/>
+            <a:lightRig rig="threePt" dir="t"/>
+          </a:scene3d>
+        </p:spPr>
+        <p:txBody>
+          <a:bodyPr wrap="square" lIns="91440" tIns="45720" rIns="91440" bIns="45720">
+            <a:spAutoFit/>
+          </a:bodyPr>
+          <a:lstStyle/>
+          <a:p>
+            <a:r>
+              <a:rPr lang="en-US" sz="2400" dirty="0" smtClean="0">
+                <a:ln w="0"/>
+                <a:solidFill>
+                  <a:srgbClr val="273272"/>
+                </a:solidFill>
+                <a:effectLst>
+                  <a:reflection blurRad="6350" stA="53000" endA="300" endPos="35500" dir="5400000" sy="-90000" algn="bl" rotWithShape="0"/>
+                </a:effectLst>
+                <a:latin typeface="Courier New" pitchFamily="49" charset="0"/>
+                <a:cs typeface="Courier New" pitchFamily="49" charset="0"/>
+              </a:rPr>
+              <a:t>		</a:t>
+            </a:r>
+          </a:p>
+          <a:p>
+            <a:r>
+              <a:rPr lang="en-US" sz="2400" dirty="0" smtClean="0">
+                <a:ln w="0"/>
+                <a:solidFill>
+                  <a:srgbClr val="273272"/>
+                </a:solidFill>
+                <a:effectLst>
+                  <a:reflection blurRad="6350" stA="53000" endA="300" endPos="35500" dir="5400000" sy="-90000" algn="bl" rotWithShape="0"/>
+                </a:effectLst>
+                <a:latin typeface="Courier New" pitchFamily="49" charset="0"/>
+                <a:cs typeface="Courier New" pitchFamily="49" charset="0"/>
+              </a:rPr>
+              <a:t>		.text</a:t>
+            </a:r>
+          </a:p>
+          <a:p>
+            <a:r>
+              <a:rPr lang="en-US" sz="2400" dirty="0" smtClean="0">
+                <a:ln w="0"/>
+                <a:solidFill>
+                  <a:srgbClr val="273272"/>
+                </a:solidFill>
+                <a:effectLst>
+                  <a:reflection blurRad="6350" stA="53000" endA="300" endPos="35500" dir="5400000" sy="-90000" algn="bl" rotWithShape="0"/>
+                </a:effectLst>
+                <a:latin typeface="Courier New" pitchFamily="49" charset="0"/>
+                <a:cs typeface="Courier New" pitchFamily="49" charset="0"/>
+              </a:rPr>
+              <a:t>__start:	addi t1, zero, 0x18</a:t>
+            </a:r>
+          </a:p>
+          <a:p>
+            <a:r>
+              <a:rPr lang="en-US" sz="2400" dirty="0" smtClean="0">
+                <a:ln w="0"/>
+                <a:solidFill>
+                  <a:srgbClr val="273272"/>
+                </a:solidFill>
+                <a:effectLst>
+                  <a:reflection blurRad="6350" stA="53000" endA="300" endPos="35500" dir="5400000" sy="-90000" algn="bl" rotWithShape="0"/>
+                </a:effectLst>
+                <a:latin typeface="Courier New" pitchFamily="49" charset="0"/>
+                <a:cs typeface="Courier New" pitchFamily="49" charset="0"/>
+              </a:rPr>
+              <a:t>		addi t2, zero, 0x21</a:t>
+            </a:r>
+          </a:p>
+          <a:p>
+            <a:r>
+              <a:rPr lang="en-US" sz="2400" dirty="0" smtClean="0">
+                <a:ln w="0"/>
+                <a:solidFill>
+                  <a:srgbClr val="273272"/>
+                </a:solidFill>
+                <a:effectLst>
+                  <a:reflection blurRad="6350" stA="53000" endA="300" endPos="35500" dir="5400000" sy="-90000" algn="bl" rotWithShape="0"/>
+                </a:effectLst>
+                <a:latin typeface="Courier New" pitchFamily="49" charset="0"/>
+                <a:cs typeface="Courier New" pitchFamily="49" charset="0"/>
+              </a:rPr>
+              <a:t>cycle:	</a:t>
+            </a:r>
+            <a:r>
+              <a:rPr lang="en-US" sz="2400" dirty="0" err="1" smtClean="0">
+                <a:ln w="0"/>
+                <a:solidFill>
+                  <a:srgbClr val="273272"/>
+                </a:solidFill>
+                <a:effectLst>
+                  <a:reflection blurRad="6350" stA="53000" endA="300" endPos="35500" dir="5400000" sy="-90000" algn="bl" rotWithShape="0"/>
+                </a:effectLst>
+                <a:latin typeface="Courier New" pitchFamily="49" charset="0"/>
+                <a:cs typeface="Courier New" pitchFamily="49" charset="0"/>
+              </a:rPr>
+              <a:t>beq</a:t>
+            </a:r>
+            <a:r>
+              <a:rPr lang="en-US" sz="2400" dirty="0" smtClean="0">
+                <a:ln w="0"/>
+                <a:solidFill>
+                  <a:srgbClr val="273272"/>
+                </a:solidFill>
+                <a:effectLst>
+                  <a:reflection blurRad="6350" stA="53000" endA="300" endPos="35500" dir="5400000" sy="-90000" algn="bl" rotWithShape="0"/>
+                </a:effectLst>
+                <a:latin typeface="Courier New" pitchFamily="49" charset="0"/>
+                <a:cs typeface="Courier New" pitchFamily="49" charset="0"/>
+              </a:rPr>
+              <a:t> t1, t2, done</a:t>
+            </a:r>
+          </a:p>
+          <a:p>
+            <a:r>
+              <a:rPr lang="en-US" sz="2400" dirty="0" smtClean="0">
+                <a:ln w="0"/>
+                <a:solidFill>
+                  <a:srgbClr val="273272"/>
+                </a:solidFill>
+                <a:effectLst>
+                  <a:reflection blurRad="6350" stA="53000" endA="300" endPos="35500" dir="5400000" sy="-90000" algn="bl" rotWithShape="0"/>
+                </a:effectLst>
+                <a:latin typeface="Courier New" pitchFamily="49" charset="0"/>
+                <a:cs typeface="Courier New" pitchFamily="49" charset="0"/>
+              </a:rPr>
+              <a:t>		</a:t>
+            </a:r>
+            <a:r>
+              <a:rPr lang="en-US" sz="2400" dirty="0" err="1" smtClean="0">
+                <a:ln w="0"/>
+                <a:solidFill>
+                  <a:srgbClr val="273272"/>
+                </a:solidFill>
+                <a:effectLst>
+                  <a:reflection blurRad="6350" stA="53000" endA="300" endPos="35500" dir="5400000" sy="-90000" algn="bl" rotWithShape="0"/>
+                </a:effectLst>
+                <a:latin typeface="Courier New" pitchFamily="49" charset="0"/>
+                <a:cs typeface="Courier New" pitchFamily="49" charset="0"/>
+              </a:rPr>
+              <a:t>slt</a:t>
+            </a:r>
+            <a:r>
+              <a:rPr lang="en-US" sz="2400" dirty="0" smtClean="0">
+                <a:ln w="0"/>
+                <a:solidFill>
+                  <a:srgbClr val="273272"/>
+                </a:solidFill>
+                <a:effectLst>
+                  <a:reflection blurRad="6350" stA="53000" endA="300" endPos="35500" dir="5400000" sy="-90000" algn="bl" rotWithShape="0"/>
+                </a:effectLst>
+                <a:latin typeface="Courier New" pitchFamily="49" charset="0"/>
+                <a:cs typeface="Courier New" pitchFamily="49" charset="0"/>
+              </a:rPr>
+              <a:t> t0, t1, t2</a:t>
+            </a:r>
+          </a:p>
+          <a:p>
+            <a:r>
+              <a:rPr lang="en-US" sz="2400" dirty="0" smtClean="0">
+                <a:ln w="0"/>
+                <a:solidFill>
+                  <a:srgbClr val="273272"/>
+                </a:solidFill>
+                <a:effectLst>
+                  <a:reflection blurRad="6350" stA="53000" endA="300" endPos="35500" dir="5400000" sy="-90000" algn="bl" rotWithShape="0"/>
+                </a:effectLst>
+                <a:latin typeface="Courier New" pitchFamily="49" charset="0"/>
+                <a:cs typeface="Courier New" pitchFamily="49" charset="0"/>
+              </a:rPr>
+              <a:t>		</a:t>
+            </a:r>
+            <a:r>
+              <a:rPr lang="en-US" sz="2400" dirty="0" err="1" smtClean="0">
+                <a:ln w="0"/>
+                <a:solidFill>
+                  <a:srgbClr val="273272"/>
+                </a:solidFill>
+                <a:effectLst>
+                  <a:reflection blurRad="6350" stA="53000" endA="300" endPos="35500" dir="5400000" sy="-90000" algn="bl" rotWithShape="0"/>
+                </a:effectLst>
+                <a:latin typeface="Courier New" pitchFamily="49" charset="0"/>
+                <a:cs typeface="Courier New" pitchFamily="49" charset="0"/>
+              </a:rPr>
+              <a:t>bne</a:t>
+            </a:r>
+            <a:r>
+              <a:rPr lang="en-US" sz="2400" dirty="0" smtClean="0">
+                <a:ln w="0"/>
+                <a:solidFill>
+                  <a:srgbClr val="273272"/>
+                </a:solidFill>
+                <a:effectLst>
+                  <a:reflection blurRad="6350" stA="53000" endA="300" endPos="35500" dir="5400000" sy="-90000" algn="bl" rotWithShape="0"/>
+                </a:effectLst>
+                <a:latin typeface="Courier New" pitchFamily="49" charset="0"/>
+                <a:cs typeface="Courier New" pitchFamily="49" charset="0"/>
+              </a:rPr>
+              <a:t> t0, zero, </a:t>
+            </a:r>
+            <a:r>
+              <a:rPr lang="en-US" sz="2400" dirty="0" err="1" smtClean="0">
+                <a:ln w="0"/>
+                <a:solidFill>
+                  <a:srgbClr val="273272"/>
+                </a:solidFill>
+                <a:effectLst>
+                  <a:reflection blurRad="6350" stA="53000" endA="300" endPos="35500" dir="5400000" sy="-90000" algn="bl" rotWithShape="0"/>
+                </a:effectLst>
+                <a:latin typeface="Courier New" pitchFamily="49" charset="0"/>
+                <a:cs typeface="Courier New" pitchFamily="49" charset="0"/>
+              </a:rPr>
+              <a:t>if_less</a:t>
+            </a:r>
+            <a:endParaRPr lang="en-US" sz="2400" dirty="0" smtClean="0">
+              <a:ln w="0"/>
+              <a:solidFill>
+                <a:srgbClr val="273272"/>
+              </a:solidFill>
+              <a:effectLst>
+                <a:reflection blurRad="6350" stA="53000" endA="300" endPos="35500" dir="5400000" sy="-90000" algn="bl" rotWithShape="0"/>
+              </a:effectLst>
+              <a:latin typeface="Courier New" pitchFamily="49" charset="0"/>
+              <a:cs typeface="Courier New" pitchFamily="49" charset="0"/>
+            </a:endParaRPr>
+          </a:p>
+          <a:p>
+            <a:r>
+              <a:rPr lang="en-US" sz="2400" dirty="0" smtClean="0">
+                <a:ln w="0"/>
+                <a:solidFill>
+                  <a:srgbClr val="273272"/>
+                </a:solidFill>
+                <a:effectLst>
+                  <a:reflection blurRad="6350" stA="53000" endA="300" endPos="35500" dir="5400000" sy="-90000" algn="bl" rotWithShape="0"/>
+                </a:effectLst>
+                <a:latin typeface="Courier New" pitchFamily="49" charset="0"/>
+                <a:cs typeface="Courier New" pitchFamily="49" charset="0"/>
+              </a:rPr>
+              <a:t>		</a:t>
+            </a:r>
+            <a:r>
+              <a:rPr lang="en-US" sz="2400" dirty="0" err="1" smtClean="0">
+                <a:ln w="0"/>
+                <a:solidFill>
+                  <a:srgbClr val="273272"/>
+                </a:solidFill>
+                <a:effectLst>
+                  <a:reflection blurRad="6350" stA="53000" endA="300" endPos="35500" dir="5400000" sy="-90000" algn="bl" rotWithShape="0"/>
+                </a:effectLst>
+                <a:latin typeface="Courier New" pitchFamily="49" charset="0"/>
+                <a:cs typeface="Courier New" pitchFamily="49" charset="0"/>
+              </a:rPr>
+              <a:t>nop</a:t>
+            </a:r>
+            <a:endParaRPr lang="en-US" sz="2400" dirty="0" smtClean="0">
+              <a:ln w="0"/>
+              <a:solidFill>
+                <a:srgbClr val="273272"/>
+              </a:solidFill>
+              <a:effectLst>
+                <a:reflection blurRad="6350" stA="53000" endA="300" endPos="35500" dir="5400000" sy="-90000" algn="bl" rotWithShape="0"/>
+              </a:effectLst>
+              <a:latin typeface="Courier New" pitchFamily="49" charset="0"/>
+              <a:cs typeface="Courier New" pitchFamily="49" charset="0"/>
+            </a:endParaRPr>
+          </a:p>
+          <a:p>
+            <a:r>
+              <a:rPr lang="en-US" sz="2400" dirty="0" smtClean="0">
+                <a:ln w="0"/>
+                <a:solidFill>
+                  <a:srgbClr val="273272"/>
+                </a:solidFill>
+                <a:effectLst>
+                  <a:reflection blurRad="6350" stA="53000" endA="300" endPos="35500" dir="5400000" sy="-90000" algn="bl" rotWithShape="0"/>
+                </a:effectLst>
+                <a:latin typeface="Courier New" pitchFamily="49" charset="0"/>
+                <a:cs typeface="Courier New" pitchFamily="49" charset="0"/>
+              </a:rPr>
+              <a:t>		sub t1, t1, t2</a:t>
+            </a:r>
+          </a:p>
+          <a:p>
+            <a:r>
+              <a:rPr lang="en-US" sz="2400" dirty="0" smtClean="0">
+                <a:ln w="0"/>
+                <a:solidFill>
+                  <a:srgbClr val="273272"/>
+                </a:solidFill>
+                <a:effectLst>
+                  <a:reflection blurRad="6350" stA="53000" endA="300" endPos="35500" dir="5400000" sy="-90000" algn="bl" rotWithShape="0"/>
+                </a:effectLst>
+                <a:latin typeface="Courier New" pitchFamily="49" charset="0"/>
+                <a:cs typeface="Courier New" pitchFamily="49" charset="0"/>
+              </a:rPr>
+              <a:t>		j cycle</a:t>
+            </a:r>
+          </a:p>
+          <a:p>
+            <a:r>
+              <a:rPr lang="en-US" sz="2400" dirty="0" smtClean="0">
+                <a:ln w="0"/>
+                <a:solidFill>
+                  <a:srgbClr val="273272"/>
+                </a:solidFill>
+                <a:effectLst>
+                  <a:reflection blurRad="6350" stA="53000" endA="300" endPos="35500" dir="5400000" sy="-90000" algn="bl" rotWithShape="0"/>
+                </a:effectLst>
+                <a:latin typeface="Courier New" pitchFamily="49" charset="0"/>
+                <a:cs typeface="Courier New" pitchFamily="49" charset="0"/>
+              </a:rPr>
+              <a:t>		</a:t>
+            </a:r>
+            <a:r>
+              <a:rPr lang="en-US" sz="2400" dirty="0" err="1" smtClean="0">
+                <a:ln w="0"/>
+                <a:solidFill>
+                  <a:srgbClr val="273272"/>
+                </a:solidFill>
+                <a:effectLst>
+                  <a:reflection blurRad="6350" stA="53000" endA="300" endPos="35500" dir="5400000" sy="-90000" algn="bl" rotWithShape="0"/>
+                </a:effectLst>
+                <a:latin typeface="Courier New" pitchFamily="49" charset="0"/>
+                <a:cs typeface="Courier New" pitchFamily="49" charset="0"/>
+              </a:rPr>
+              <a:t>nop</a:t>
+            </a:r>
+            <a:endParaRPr lang="en-US" sz="2400" dirty="0" smtClean="0">
+              <a:ln w="0"/>
+              <a:solidFill>
+                <a:srgbClr val="273272"/>
+              </a:solidFill>
+              <a:effectLst>
+                <a:reflection blurRad="6350" stA="53000" endA="300" endPos="35500" dir="5400000" sy="-90000" algn="bl" rotWithShape="0"/>
+              </a:effectLst>
+              <a:latin typeface="Courier New" pitchFamily="49" charset="0"/>
+              <a:cs typeface="Courier New" pitchFamily="49" charset="0"/>
+            </a:endParaRPr>
+          </a:p>
+          <a:p>
+            <a:r>
+              <a:rPr lang="en-US" sz="2400" dirty="0" err="1" smtClean="0">
+                <a:ln w="0"/>
+                <a:solidFill>
+                  <a:srgbClr val="273272"/>
+                </a:solidFill>
+                <a:effectLst>
+                  <a:reflection blurRad="6350" stA="53000" endA="300" endPos="35500" dir="5400000" sy="-90000" algn="bl" rotWithShape="0"/>
+                </a:effectLst>
+                <a:latin typeface="Courier New" pitchFamily="49" charset="0"/>
+                <a:cs typeface="Courier New" pitchFamily="49" charset="0"/>
+              </a:rPr>
+              <a:t>if_less</a:t>
+            </a:r>
+            <a:r>
+              <a:rPr lang="en-US" sz="2400" dirty="0" smtClean="0">
+                <a:ln w="0"/>
+                <a:solidFill>
+                  <a:srgbClr val="273272"/>
+                </a:solidFill>
+                <a:effectLst>
+                  <a:reflection blurRad="6350" stA="53000" endA="300" endPos="35500" dir="5400000" sy="-90000" algn="bl" rotWithShape="0"/>
+                </a:effectLst>
+                <a:latin typeface="Courier New" pitchFamily="49" charset="0"/>
+                <a:cs typeface="Courier New" pitchFamily="49" charset="0"/>
+              </a:rPr>
+              <a:t>:	sub t2, t2, t1</a:t>
+            </a:r>
+          </a:p>
+          <a:p>
+            <a:r>
+              <a:rPr lang="en-US" sz="2400" dirty="0" smtClean="0">
+                <a:ln w="0"/>
+                <a:solidFill>
+                  <a:srgbClr val="273272"/>
+                </a:solidFill>
+                <a:effectLst>
+                  <a:reflection blurRad="6350" stA="53000" endA="300" endPos="35500" dir="5400000" sy="-90000" algn="bl" rotWithShape="0"/>
+                </a:effectLst>
+                <a:latin typeface="Courier New" pitchFamily="49" charset="0"/>
+                <a:cs typeface="Courier New" pitchFamily="49" charset="0"/>
+              </a:rPr>
+              <a:t>		j cycle</a:t>
+            </a:r>
+          </a:p>
+          <a:p>
+            <a:r>
+              <a:rPr lang="en-US" sz="2400" dirty="0" smtClean="0">
+                <a:ln w="0"/>
+                <a:solidFill>
+                  <a:srgbClr val="273272"/>
+                </a:solidFill>
+                <a:effectLst>
+                  <a:reflection blurRad="6350" stA="53000" endA="300" endPos="35500" dir="5400000" sy="-90000" algn="bl" rotWithShape="0"/>
+                </a:effectLst>
+                <a:latin typeface="Courier New" pitchFamily="49" charset="0"/>
+                <a:cs typeface="Courier New" pitchFamily="49" charset="0"/>
+              </a:rPr>
+              <a:t>done:		add t3, t1, zero</a:t>
+            </a:r>
+            <a:endParaRPr lang="ru-RU" sz="2400" b="0" cap="none" spc="0" dirty="0">
+              <a:ln w="0"/>
+              <a:solidFill>
+                <a:srgbClr val="273272"/>
+              </a:solidFill>
+              <a:effectLst>
+                <a:reflection blurRad="6350" stA="53000" endA="300" endPos="35500" dir="5400000" sy="-90000" algn="bl" rotWithShape="0"/>
+              </a:effectLst>
+              <a:latin typeface="Courier New" pitchFamily="49" charset="0"/>
+              <a:cs typeface="Courier New" pitchFamily="49" charset="0"/>
+            </a:endParaRPr>
+          </a:p>
+        </p:txBody>
+      </p:sp>
+      <p:sp>
+        <p:nvSpPr>
+          <p:cNvPr id="2" name="Заголовок 1"/>
+          <p:cNvSpPr>
+            <a:spLocks noGrp="1"/>
+          </p:cNvSpPr>
+          <p:nvPr>
+            <p:ph type="title"/>
+          </p:nvPr>
+        </p:nvSpPr>
+        <p:spPr/>
+        <p:txBody>
+          <a:bodyPr>
+            <a:normAutofit/>
+          </a:bodyPr>
+          <a:lstStyle/>
+          <a:p>
+            <a:r>
+              <a:rPr lang="en-US" dirty="0" smtClean="0"/>
+              <a:t>Any Questions?</a:t>
+            </a:r>
+            <a:endParaRPr lang="ru-RU" sz="4000" dirty="0"/>
+          </a:p>
+        </p:txBody>
+      </p:sp>
+      <p:sp>
+        <p:nvSpPr>
+          <p:cNvPr id="6" name="Номер слайда 5"/>
+          <p:cNvSpPr>
+            <a:spLocks noGrp="1"/>
+          </p:cNvSpPr>
+          <p:nvPr>
+            <p:ph type="sldNum" sz="quarter" idx="12"/>
+          </p:nvPr>
+        </p:nvSpPr>
+        <p:spPr/>
+        <p:txBody>
+          <a:bodyPr/>
+          <a:lstStyle/>
+          <a:p>
+            <a:pPr algn="ctr"/>
+            <a:fld id="{1397BFD8-F312-4EF2-A268-44FB4BDDBBB0}" type="slidenum">
+              <a:rPr lang="ru-RU" smtClean="0"/>
+              <a:pPr algn="ctr"/>
+              <a:t>21</a:t>
+            </a:fld>
+            <a:endParaRPr lang="ru-RU" dirty="0"/>
+          </a:p>
+        </p:txBody>
+      </p:sp>
+    </p:spTree>
+    <p:extLst>
+      <p:ext uri="{BB962C8B-B14F-4D97-AF65-F5344CB8AC3E}">
+        <p14:creationId xmlns="" xmlns:p14="http://schemas.microsoft.com/office/powerpoint/2010/main" val="4217875043"/>
+      </p:ext>
+    </p:extLst>
+  </p:cSld>
+  <p:clrMapOvr>
+    <a:masterClrMapping/>
+  </p:clrMapOvr>
+  <p:timing>
+    <p:tnLst>
+      <p:par>
+        <p:cTn id="1" dur="indefinite" restart="never" nodeType="tmRoot"/>
+      </p:par>
+    </p:tnLst>
+  </p:timing>
 </p:sld>
 </file>
 
@@ -6452,7 +9019,9 @@
         </p:nvSpPr>
         <p:spPr/>
         <p:txBody>
-          <a:bodyPr/>
+          <a:bodyPr>
+            <a:normAutofit lnSpcReduction="10000"/>
+          </a:bodyPr>
           <a:lstStyle/>
           <a:p>
             <a:pPr>
@@ -6465,7 +9034,11 @@
             </a:pPr>
             <a:r>
               <a:rPr lang="en-AU" altLang="en-US" dirty="0" smtClean="0"/>
-              <a:t>Parallel software is the problem</a:t>
+              <a:t>P</a:t>
+            </a:r>
+            <a:r>
+              <a:rPr lang="en-AU" altLang="en-US" dirty="0" smtClean="0"/>
+              <a:t>arallel hardware requires parallel software</a:t>
             </a:r>
           </a:p>
           <a:p>
@@ -6479,6 +9052,24 @@
             </a:pPr>
             <a:r>
               <a:rPr lang="en-AU" altLang="en-US" dirty="0" smtClean="0"/>
+              <a:t>Parallel </a:t>
+            </a:r>
+            <a:r>
+              <a:rPr lang="en-AU" altLang="en-US" dirty="0" smtClean="0"/>
+              <a:t>software is the problem</a:t>
+            </a:r>
+          </a:p>
+          <a:p>
+            <a:pPr>
+              <a:lnSpc>
+                <a:spcPct val="100000"/>
+              </a:lnSpc>
+              <a:spcBef>
+                <a:spcPts val="1200"/>
+              </a:spcBef>
+            </a:pPr>
+            <a:r>
+              <a:rPr lang="en-AU" altLang="en-US" dirty="0" smtClean="0"/>
               <a:t>Need to get significant performance improvement</a:t>
             </a:r>
           </a:p>
@@ -6501,8 +9092,13 @@
             </a:r>
             <a:r>
               <a:rPr lang="en-AU" altLang="en-US" dirty="0" smtClean="0"/>
-              <a:t>, since it’s easier!</a:t>
-            </a:r>
+              <a:t>, since </a:t>
+            </a:r>
+            <a:r>
+              <a:rPr lang="en-AU" altLang="en-US" dirty="0" smtClean="0"/>
+              <a:t>it is easier</a:t>
+            </a:r>
+            <a:endParaRPr lang="en-AU" altLang="en-US" dirty="0" smtClean="0"/>
           </a:p>
           <a:p>
             <a:pPr>
@@ -6557,13 +9153,8 @@
             </a:pPr>
             <a:r>
               <a:rPr lang="en-AU" altLang="en-US" dirty="0" smtClean="0"/>
-              <a:t>Communications </a:t>
-            </a:r>
-            <a:r>
-              <a:rPr lang="en-AU" altLang="en-US" dirty="0" smtClean="0"/>
-              <a:t>overhead</a:t>
-            </a:r>
-            <a:endParaRPr lang="en-AU" altLang="en-US" dirty="0" smtClean="0"/>
+              <a:t>Communications overhead</a:t>
+            </a:r>
           </a:p>
         </p:txBody>
       </p:sp>
@@ -6609,7 +9200,11 @@
           <a:p>
             <a:r>
               <a:rPr lang="en-AU" altLang="en-US" dirty="0" smtClean="0"/>
-              <a:t>Parallel Programming</a:t>
+              <a:t>Challenge: Parallel </a:t>
+            </a:r>
+            <a:r>
+              <a:rPr lang="en-AU" altLang="en-US" dirty="0" smtClean="0"/>
+              <a:t>Programming</a:t>
             </a:r>
             <a:endParaRPr lang="ru-RU" dirty="0"/>
           </a:p>
@@ -6660,7 +9255,7 @@
         <p:spPr>
           <a:xfrm>
             <a:off x="838200" y="1178052"/>
-            <a:ext cx="10515600" cy="5298947"/>
+            <a:ext cx="10515600" cy="5286247"/>
           </a:xfrm>
         </p:spPr>
         <p:txBody>
@@ -6669,43 +9264,80 @@
           </a:bodyPr>
           <a:lstStyle/>
           <a:p>
+            <a:pPr>
+              <a:lnSpc>
+                <a:spcPct val="110000"/>
+              </a:lnSpc>
+            </a:pPr>
             <a:r>
               <a:rPr lang="en-US" dirty="0" smtClean="0"/>
-              <a:t>One thread runs at once</a:t>
-            </a:r>
-          </a:p>
-          <a:p>
+              <a:t>Process: program running on a computer</a:t>
+            </a:r>
+          </a:p>
+          <a:p>
+            <a:pPr lvl="1">
+              <a:lnSpc>
+                <a:spcPct val="110000"/>
+              </a:lnSpc>
+            </a:pPr>
             <a:r>
               <a:rPr lang="en-US" dirty="0" smtClean="0"/>
-              <a:t>When one thread stalls (for example, waiting for memory):</a:t>
-            </a:r>
-          </a:p>
-          <a:p>
-            <a:pPr lvl="1"/>
+              <a:t>Multiple processes can run at once: e.g., surfing Web, playing music, writing a </a:t>
+            </a:r>
             <a:r>
               <a:rPr lang="en-US" dirty="0" smtClean="0"/>
-              <a:t>Architectural state of that thread stored</a:t>
-            </a:r>
-          </a:p>
-          <a:p>
-            <a:pPr lvl="1"/>
+              <a:t>paper</a:t>
+            </a:r>
+          </a:p>
+          <a:p>
+            <a:pPr lvl="1">
+              <a:lnSpc>
+                <a:spcPct val="110000"/>
+              </a:lnSpc>
+            </a:pPr>
             <a:r>
               <a:rPr lang="en-US" dirty="0" smtClean="0"/>
-              <a:t>Architectural state of waiting thread loaded into processor and it runs</a:t>
-            </a:r>
-          </a:p>
-          <a:p>
-            <a:pPr lvl="1"/>
+              <a:t>Separate virtual memory, stack, registers</a:t>
+            </a:r>
+            <a:endParaRPr lang="en-US" dirty="0" smtClean="0"/>
+          </a:p>
+          <a:p>
+            <a:pPr>
+              <a:lnSpc>
+                <a:spcPct val="110000"/>
+              </a:lnSpc>
+            </a:pPr>
             <a:r>
               <a:rPr lang="en-US" dirty="0" smtClean="0"/>
-              <a:t>Called context switching</a:t>
-            </a:r>
-          </a:p>
-          <a:p>
+              <a:t>Thread: part of a program</a:t>
+            </a:r>
+          </a:p>
+          <a:p>
+            <a:pPr lvl="1">
+              <a:lnSpc>
+                <a:spcPct val="110000"/>
+              </a:lnSpc>
+            </a:pPr>
             <a:r>
               <a:rPr lang="en-US" dirty="0" smtClean="0"/>
-              <a:t>Appears to user like all threads running simultaneously</a:t>
-            </a:r>
+              <a:t>Each process has multiple threads: e.g., a word processor may have threads for typing, spell checking, </a:t>
+            </a:r>
+            <a:r>
+              <a:rPr lang="en-US" dirty="0" smtClean="0"/>
+              <a:t>printing</a:t>
+            </a:r>
+          </a:p>
+          <a:p>
+            <a:pPr lvl="1">
+              <a:lnSpc>
+                <a:spcPct val="110000"/>
+              </a:lnSpc>
+            </a:pPr>
+            <a:r>
+              <a:rPr lang="en-US" dirty="0" smtClean="0"/>
+              <a:t>Shared virtual memory, separate stack and registers</a:t>
+            </a:r>
+            <a:endParaRPr lang="en-US" dirty="0" smtClean="0"/>
           </a:p>
           <a:p>
             <a:endParaRPr lang="en-US" dirty="0" smtClean="0"/>
@@ -6757,7 +9389,7 @@
           <a:p>
             <a:r>
               <a:rPr lang="en-US" dirty="0" smtClean="0"/>
-              <a:t>Threads in Conventional Processor</a:t>
+              <a:t>Threading: Definitions</a:t>
             </a:r>
             <a:endParaRPr lang="ru-RU" dirty="0"/>
           </a:p>
@@ -6808,7 +9440,7 @@
         <p:spPr>
           <a:xfrm>
             <a:off x="838200" y="1178052"/>
-            <a:ext cx="10515600" cy="5464048"/>
+            <a:ext cx="10515600" cy="5489448"/>
           </a:xfrm>
         </p:spPr>
         <p:txBody>
@@ -6819,54 +9451,68 @@
           <a:p>
             <a:r>
               <a:rPr lang="en-US" dirty="0" smtClean="0"/>
-              <a:t>Multiple copies of architectural state</a:t>
+              <a:t>One thread runs at once</a:t>
             </a:r>
           </a:p>
           <a:p>
             <a:r>
               <a:rPr lang="en-US" dirty="0" smtClean="0"/>
-              <a:t>Multiple threads active at once:</a:t>
+              <a:t>When one thread stalls (for example, waiting for memory):</a:t>
             </a:r>
           </a:p>
           <a:p>
             <a:pPr lvl="1"/>
             <a:r>
               <a:rPr lang="en-US" dirty="0" smtClean="0"/>
-              <a:t>When one thread stalls, another runs immediately</a:t>
+              <a:t>Architectural state of that thread stored</a:t>
             </a:r>
           </a:p>
           <a:p>
             <a:pPr lvl="1"/>
             <a:r>
               <a:rPr lang="en-US" dirty="0" smtClean="0"/>
-              <a:t>If one thread can’t keep all execution units busy, another thread can use them</a:t>
-            </a:r>
-          </a:p>
-          <a:p>
+              <a:t>Architectural state of waiting thread loaded into processor and it runs</a:t>
+            </a:r>
+          </a:p>
+          <a:p>
+            <a:pPr lvl="1"/>
             <a:r>
               <a:rPr lang="en-US" dirty="0" smtClean="0"/>
-              <a:t>Does not increase instruction-level parallelism (ILP) of single thread, but increases throughput </a:t>
-            </a:r>
-          </a:p>
-          <a:p>
+              <a:t>Called </a:t>
+            </a:r>
+            <a:r>
+              <a:rPr lang="en-US" b="1" dirty="0" smtClean="0"/>
+              <a:t>context </a:t>
+            </a:r>
+            <a:r>
+              <a:rPr lang="en-US" b="1" dirty="0" smtClean="0"/>
+              <a:t>switching </a:t>
+            </a:r>
+            <a:r>
+              <a:rPr lang="en-US" dirty="0" smtClean="0"/>
+              <a:t>(can take thousands of cycles)</a:t>
+            </a:r>
             <a:endParaRPr lang="en-US" dirty="0" smtClean="0"/>
           </a:p>
           <a:p>
-            <a:pPr algn="ctr">
-              <a:buNone/>
-            </a:pPr>
             <a:r>
               <a:rPr lang="en-US" dirty="0" smtClean="0"/>
-              <a:t>	Intel calls this “</a:t>
-            </a:r>
-            <a:r>
-              <a:rPr lang="en-US" dirty="0" err="1" smtClean="0"/>
-              <a:t>hyperthreading</a:t>
+              <a:t>Appears to user like all threads running </a:t>
             </a:r>
             <a:r>
               <a:rPr lang="en-US" dirty="0" smtClean="0"/>
-              <a:t>”</a:t>
-            </a:r>
+              <a:t>simultaneously</a:t>
+            </a:r>
+          </a:p>
+          <a:p>
+            <a:r>
+              <a:rPr lang="en-US" dirty="0" smtClean="0"/>
+              <a:t>Does not improve performance </a:t>
+            </a:r>
+            <a:endParaRPr lang="en-US" dirty="0" smtClean="0"/>
+          </a:p>
+          <a:p>
+            <a:endParaRPr lang="en-US" dirty="0" smtClean="0"/>
           </a:p>
           <a:p>
             <a:endParaRPr lang="ru-RU" dirty="0"/>
@@ -6910,12 +9556,22 @@
         </p:nvSpPr>
         <p:spPr/>
         <p:txBody>
-          <a:bodyPr/>
+          <a:bodyPr>
+            <a:normAutofit fontScale="90000"/>
+          </a:bodyPr>
           <a:lstStyle/>
           <a:p>
             <a:r>
               <a:rPr lang="en-US" dirty="0" smtClean="0"/>
-              <a:t>Multithreading</a:t>
+              <a:t>Threads in Conventional </a:t>
+            </a:r>
+            <a:r>
+              <a:rPr lang="en-US" dirty="0" err="1" smtClean="0"/>
+              <a:t>Uniprocessor</a:t>
+            </a:r>
+            <a:r>
+              <a:rPr lang="en-US" dirty="0" smtClean="0"/>
+              <a:t> (SISD)</a:t>
             </a:r>
             <a:endParaRPr lang="ru-RU" dirty="0"/>
           </a:p>
@@ -6926,6 +9582,13 @@
   <p:clrMapOvr>
     <a:masterClrMapping/>
   </p:clrMapOvr>
+  <p:timing>
+    <p:tnLst>
+      <p:par>
+        <p:cTn id="1" dur="indefinite" restart="never" nodeType="tmRoot"/>
+      </p:par>
+    </p:tnLst>
+  </p:timing>
 </p:sld>
 </file>
 
@@ -6958,136 +9621,6 @@
         </p:nvSpPr>
         <p:spPr>
           <a:xfrm>
-            <a:off x="838200" y="1178052"/>
-            <a:ext cx="10515600" cy="5349747"/>
-          </a:xfrm>
-        </p:spPr>
-        <p:txBody>
-          <a:bodyPr/>
-          <a:lstStyle/>
-          <a:p>
-            <a:r>
-              <a:rPr lang="en-US" dirty="0" smtClean="0"/>
-              <a:t>Multiple processors (cores) with a method of communication between them</a:t>
-            </a:r>
-          </a:p>
-          <a:p>
-            <a:r>
-              <a:rPr lang="en-US" dirty="0" smtClean="0"/>
-              <a:t>Types:</a:t>
-            </a:r>
-          </a:p>
-          <a:p>
-            <a:pPr lvl="1"/>
-            <a:r>
-              <a:rPr lang="en-US" dirty="0" smtClean="0"/>
-              <a:t>Homogeneous: multiple cores with shared memory</a:t>
-            </a:r>
-          </a:p>
-          <a:p>
-            <a:pPr lvl="1"/>
-            <a:r>
-              <a:rPr lang="en-US" dirty="0" smtClean="0"/>
-              <a:t>Heterogeneous: separate cores for different tasks (for example, DSP and CPU in cell phone)</a:t>
-            </a:r>
-          </a:p>
-          <a:p>
-            <a:pPr lvl="1"/>
-            <a:r>
-              <a:rPr lang="en-US" dirty="0" smtClean="0"/>
-              <a:t>Clusters: each core has own memory system</a:t>
-            </a:r>
-          </a:p>
-          <a:p>
-            <a:endParaRPr lang="ru-RU" dirty="0"/>
-          </a:p>
-        </p:txBody>
-      </p:sp>
-      <p:sp>
-        <p:nvSpPr>
-          <p:cNvPr id="3" name="Номер слайда 2"/>
-          <p:cNvSpPr>
-            <a:spLocks noGrp="1"/>
-          </p:cNvSpPr>
-          <p:nvPr>
-            <p:ph type="sldNum" sz="quarter" idx="12"/>
-          </p:nvPr>
-        </p:nvSpPr>
-        <p:spPr/>
-        <p:txBody>
-          <a:bodyPr/>
-          <a:lstStyle/>
-          <a:p>
-            <a:pPr algn="ctr"/>
-            <a:fld id="{1397BFD8-F312-4EF2-A268-44FB4BDDBBB0}" type="slidenum">
-              <a:rPr lang="ru-RU" smtClean="0"/>
-              <a:pPr algn="ctr"/>
-              <a:t>6</a:t>
-            </a:fld>
-            <a:endParaRPr lang="ru-RU" dirty="0"/>
-          </a:p>
-        </p:txBody>
-      </p:sp>
-      <p:sp>
-        <p:nvSpPr>
-          <p:cNvPr id="4" name="Заголовок 3"/>
-          <p:cNvSpPr>
-            <a:spLocks noGrp="1"/>
-          </p:cNvSpPr>
-          <p:nvPr>
-            <p:ph type="title"/>
-          </p:nvPr>
-        </p:nvSpPr>
-        <p:spPr/>
-        <p:txBody>
-          <a:bodyPr/>
-          <a:lstStyle/>
-          <a:p>
-            <a:r>
-              <a:rPr lang="en-US" dirty="0" smtClean="0"/>
-              <a:t>Multiprocessors</a:t>
-            </a:r>
-            <a:endParaRPr lang="ru-RU" dirty="0"/>
-          </a:p>
-        </p:txBody>
-      </p:sp>
-    </p:spTree>
-  </p:cSld>
-  <p:clrMapOvr>
-    <a:masterClrMapping/>
-  </p:clrMapOvr>
-</p:sld>
-</file>
-
-<file path=ppt/slides/slide7.xml><?xml version="1.0" encoding="utf-8"?>
-<p:sld xmlns:a="http://schemas.openxmlformats.org/drawingml/2006/main" xmlns:r="http://schemas.openxmlformats.org/officeDocument/2006/relationships" xmlns:p="http://schemas.openxmlformats.org/presentationml/2006/main">
-  <p:cSld>
-    <p:spTree>
-      <p:nvGrpSpPr>
-        <p:cNvPr id="1" name=""/>
-        <p:cNvGrpSpPr/>
-        <p:nvPr/>
-      </p:nvGrpSpPr>
-      <p:grpSpPr>
-        <a:xfrm>
-          <a:off x="0" y="0"/>
-          <a:ext cx="0" cy="0"/>
-          <a:chOff x="0" y="0"/>
-          <a:chExt cx="0" cy="0"/>
-        </a:xfrm>
-      </p:grpSpPr>
-      <p:sp>
-        <p:nvSpPr>
-          <p:cNvPr id="2" name="Содержимое 1"/>
-          <p:cNvSpPr>
-            <a:spLocks noGrp="1"/>
-          </p:cNvSpPr>
-          <p:nvPr>
-            <p:ph idx="1"/>
-          </p:nvPr>
-        </p:nvSpPr>
-        <p:spPr>
-          <a:xfrm>
             <a:off x="838200" y="2120901"/>
             <a:ext cx="10515600" cy="4622800"/>
           </a:xfrm>
@@ -7114,11 +9647,7 @@
             </a:pPr>
             <a:r>
               <a:rPr lang="en-AU" altLang="en-US" dirty="0" smtClean="0"/>
-              <a:t>Example: 100 processors, </a:t>
-            </a:r>
-            <a:r>
-              <a:rPr lang="en-AU" altLang="en-US" dirty="0" smtClean="0"/>
-              <a:t>90 </a:t>
+              <a:t>Example: 100 processors, 90 </a:t>
             </a:r>
             <a:r>
               <a:rPr lang="en-US" altLang="en-US" dirty="0" smtClean="0">
@@ -7128,11 +9657,7 @@
             </a:r>
             <a:r>
               <a:rPr lang="en-AU" altLang="en-US" dirty="0" smtClean="0"/>
-              <a:t> </a:t>
-            </a:r>
-            <a:r>
-              <a:rPr lang="en-AU" altLang="en-US" dirty="0" smtClean="0"/>
-              <a:t>speedup?</a:t>
+              <a:t> speedup?</a:t>
             </a:r>
           </a:p>
           <a:p>
@@ -7185,14 +9710,41 @@
                 <a:cs typeface="Arial" charset="0"/>
                 <a:sym typeface="Symbol" pitchFamily="18" charset="2"/>
               </a:rPr>
-              <a:t> </a:t>
-            </a:r>
+              <a:t> Speedup =</a:t>
+            </a:r>
+          </a:p>
+          <a:p>
+            <a:pPr lvl="1"/>
             <a:r>
               <a:rPr lang="en-AU" altLang="en-US" dirty="0" smtClean="0">
                 <a:cs typeface="Arial" charset="0"/>
                 <a:sym typeface="Symbol" pitchFamily="18" charset="2"/>
               </a:rPr>
-              <a:t>Speedup =</a:t>
+              <a:t>Solving: </a:t>
+            </a:r>
+            <a:r>
+              <a:rPr lang="en-AU" altLang="en-US" dirty="0" err="1" smtClean="0">
+                <a:cs typeface="Arial" charset="0"/>
+                <a:sym typeface="Symbol" pitchFamily="18" charset="2"/>
+              </a:rPr>
+              <a:t>F</a:t>
+            </a:r>
+            <a:r>
+              <a:rPr lang="en-AU" altLang="en-US" baseline="-25000" dirty="0" err="1" smtClean="0"/>
+              <a:t>parallelizable</a:t>
+            </a:r>
+            <a:r>
+              <a:rPr lang="en-AU" altLang="en-US" dirty="0" smtClean="0">
+                <a:cs typeface="Arial" charset="0"/>
+                <a:sym typeface="Symbol" pitchFamily="18" charset="2"/>
+              </a:rPr>
+              <a:t> = </a:t>
+            </a:r>
+            <a:r>
+              <a:rPr lang="en-AU" altLang="en-US" dirty="0" smtClean="0">
+                <a:sym typeface="Symbol" pitchFamily="18" charset="2"/>
+              </a:rPr>
+              <a:t>0.999</a:t>
             </a:r>
             <a:endParaRPr lang="en-AU" altLang="en-US" dirty="0" smtClean="0">
               <a:cs typeface="Arial" charset="0"/>
@@ -7200,55 +9752,11 @@
             </a:endParaRPr>
           </a:p>
           <a:p>
-            <a:pPr lvl="1"/>
-            <a:r>
-              <a:rPr lang="en-AU" altLang="en-US" dirty="0" smtClean="0">
-                <a:cs typeface="Arial" charset="0"/>
-                <a:sym typeface="Symbol" pitchFamily="18" charset="2"/>
-              </a:rPr>
-              <a:t>Solving: </a:t>
-            </a:r>
-            <a:r>
-              <a:rPr lang="en-AU" altLang="en-US" dirty="0" err="1" smtClean="0">
-                <a:cs typeface="Arial" charset="0"/>
-                <a:sym typeface="Symbol" pitchFamily="18" charset="2"/>
-              </a:rPr>
-              <a:t>F</a:t>
-            </a:r>
-            <a:r>
-              <a:rPr lang="en-AU" altLang="en-US" baseline="-25000" dirty="0" err="1" smtClean="0"/>
-              <a:t>parallelizable</a:t>
-            </a:r>
-            <a:r>
-              <a:rPr lang="en-AU" altLang="en-US" dirty="0" smtClean="0">
-                <a:cs typeface="Arial" charset="0"/>
-                <a:sym typeface="Symbol" pitchFamily="18" charset="2"/>
-              </a:rPr>
-              <a:t> = </a:t>
-            </a:r>
             <a:r>
               <a:rPr lang="en-AU" altLang="en-US" dirty="0" smtClean="0">
                 <a:sym typeface="Symbol" pitchFamily="18" charset="2"/>
               </a:rPr>
-              <a:t>0.999</a:t>
-            </a:r>
-            <a:endParaRPr lang="en-AU" altLang="en-US" dirty="0" smtClean="0">
-              <a:cs typeface="Arial" charset="0"/>
-              <a:sym typeface="Symbol" pitchFamily="18" charset="2"/>
-            </a:endParaRPr>
-          </a:p>
-          <a:p>
-            <a:r>
-              <a:rPr lang="en-AU" altLang="en-US" dirty="0" smtClean="0">
-                <a:sym typeface="Symbol" pitchFamily="18" charset="2"/>
-              </a:rPr>
-              <a:t>Need sequential part to be 0.1% of original </a:t>
-            </a:r>
-            <a:r>
-              <a:rPr lang="en-AU" altLang="en-US" dirty="0" smtClean="0">
-                <a:sym typeface="Symbol" pitchFamily="18" charset="2"/>
-              </a:rPr>
-              <a:t>time</a:t>
+              <a:t>Need sequential part to be 0.1% of original time</a:t>
             </a:r>
             <a:endParaRPr lang="en-US" altLang="en-US" dirty="0" smtClean="0">
               <a:sym typeface="Symbol" pitchFamily="18" charset="2"/>
@@ -7275,7 +9783,7 @@
             <a:fld id="{1397BFD8-F312-4EF2-A268-44FB4BDDBBB0}" type="slidenum">
               <a:rPr lang="ru-RU" smtClean="0"/>
               <a:pPr algn="ctr"/>
-              <a:t>7</a:t>
+              <a:t>6</a:t>
             </a:fld>
             <a:endParaRPr lang="ru-RU" dirty="0"/>
           </a:p>
@@ -7293,12 +9801,18 @@
         </p:nvSpPr>
         <p:spPr/>
         <p:txBody>
-          <a:bodyPr/>
+          <a:bodyPr>
+            <a:normAutofit fontScale="90000"/>
+          </a:bodyPr>
           <a:lstStyle/>
           <a:p>
             <a:r>
               <a:rPr lang="en-AU" altLang="en-US" dirty="0" smtClean="0"/>
-              <a:t>Amdahl’s Law</a:t>
+              <a:t>Parallel Processing Challenge: Amdahl’s </a:t>
+            </a:r>
+            <a:r>
+              <a:rPr lang="en-AU" altLang="en-US" dirty="0" smtClean="0"/>
+              <a:t>Law</a:t>
             </a:r>
             <a:endParaRPr lang="ru-RU" dirty="0"/>
           </a:p>
@@ -7359,6 +9873,358 @@
 </p:sld>
 </file>
 
+<file path=ppt/slides/slide7.xml><?xml version="1.0" encoding="utf-8"?>
+<p:sld xmlns:a="http://schemas.openxmlformats.org/drawingml/2006/main" xmlns:r="http://schemas.openxmlformats.org/officeDocument/2006/relationships" xmlns:p="http://schemas.openxmlformats.org/presentationml/2006/main">
+  <p:cSld>
+    <p:spTree>
+      <p:nvGrpSpPr>
+        <p:cNvPr id="1" name=""/>
+        <p:cNvGrpSpPr/>
+        <p:nvPr/>
+      </p:nvGrpSpPr>
+      <p:grpSpPr>
+        <a:xfrm>
+          <a:off x="0" y="0"/>
+          <a:ext cx="0" cy="0"/>
+          <a:chOff x="0" y="0"/>
+          <a:chExt cx="0" cy="0"/>
+        </a:xfrm>
+      </p:grpSpPr>
+      <p:sp>
+        <p:nvSpPr>
+          <p:cNvPr id="2" name="Содержимое 1"/>
+          <p:cNvSpPr>
+            <a:spLocks noGrp="1"/>
+          </p:cNvSpPr>
+          <p:nvPr>
+            <p:ph idx="1"/>
+          </p:nvPr>
+        </p:nvSpPr>
+        <p:spPr/>
+        <p:txBody>
+          <a:bodyPr>
+            <a:noAutofit/>
+          </a:bodyPr>
+          <a:lstStyle/>
+          <a:p>
+            <a:pPr>
+              <a:lnSpc>
+                <a:spcPct val="80000"/>
+              </a:lnSpc>
+            </a:pPr>
+            <a:r>
+              <a:rPr lang="en-AU" altLang="en-US" dirty="0" smtClean="0"/>
+              <a:t>Workload: sum of 10 scalars, and 10 </a:t>
+            </a:r>
+            <a:r>
+              <a:rPr lang="en-US" altLang="en-US" dirty="0" smtClean="0">
+                <a:cs typeface="Arial" charset="0"/>
+              </a:rPr>
+              <a:t>× 10 matrix sum</a:t>
+            </a:r>
+          </a:p>
+          <a:p>
+            <a:pPr lvl="1">
+              <a:lnSpc>
+                <a:spcPct val="80000"/>
+              </a:lnSpc>
+            </a:pPr>
+            <a:r>
+              <a:rPr lang="en-US" altLang="en-US" dirty="0" smtClean="0">
+                <a:cs typeface="Arial" charset="0"/>
+              </a:rPr>
+              <a:t>Speed up from 10 to 100 processors</a:t>
+            </a:r>
+          </a:p>
+          <a:p>
+            <a:pPr>
+              <a:lnSpc>
+                <a:spcPct val="80000"/>
+              </a:lnSpc>
+            </a:pPr>
+            <a:r>
+              <a:rPr lang="en-US" altLang="en-US" dirty="0" smtClean="0">
+                <a:cs typeface="Arial" charset="0"/>
+              </a:rPr>
+              <a:t>Single processor: Time = (10 + 100) × </a:t>
+            </a:r>
+            <a:r>
+              <a:rPr lang="en-US" altLang="en-US" dirty="0" err="1" smtClean="0">
+                <a:cs typeface="Arial" charset="0"/>
+              </a:rPr>
+              <a:t>t</a:t>
+            </a:r>
+            <a:r>
+              <a:rPr lang="en-US" altLang="en-US" baseline="-25000" dirty="0" err="1" smtClean="0">
+                <a:cs typeface="Arial" charset="0"/>
+              </a:rPr>
+              <a:t>add</a:t>
+            </a:r>
+            <a:endParaRPr lang="en-US" altLang="en-US" baseline="-25000" dirty="0" smtClean="0">
+              <a:cs typeface="Arial" charset="0"/>
+            </a:endParaRPr>
+          </a:p>
+          <a:p>
+            <a:pPr>
+              <a:lnSpc>
+                <a:spcPct val="80000"/>
+              </a:lnSpc>
+            </a:pPr>
+            <a:r>
+              <a:rPr lang="en-US" altLang="en-US" dirty="0" smtClean="0">
+                <a:cs typeface="Arial" charset="0"/>
+              </a:rPr>
+              <a:t>10 processors</a:t>
+            </a:r>
+          </a:p>
+          <a:p>
+            <a:pPr lvl="1">
+              <a:lnSpc>
+                <a:spcPct val="80000"/>
+              </a:lnSpc>
+            </a:pPr>
+            <a:r>
+              <a:rPr lang="en-US" altLang="en-US" dirty="0" smtClean="0">
+                <a:cs typeface="Arial" charset="0"/>
+              </a:rPr>
+              <a:t>Time = 10 × </a:t>
+            </a:r>
+            <a:r>
+              <a:rPr lang="en-US" altLang="en-US" dirty="0" err="1" smtClean="0">
+                <a:cs typeface="Arial" charset="0"/>
+              </a:rPr>
+              <a:t>t</a:t>
+            </a:r>
+            <a:r>
+              <a:rPr lang="en-US" altLang="en-US" baseline="-25000" dirty="0" err="1" smtClean="0">
+                <a:cs typeface="Arial" charset="0"/>
+              </a:rPr>
+              <a:t>add</a:t>
+            </a:r>
+            <a:r>
+              <a:rPr lang="en-US" altLang="en-US" dirty="0" smtClean="0">
+                <a:cs typeface="Arial" charset="0"/>
+              </a:rPr>
+              <a:t> + 100/10 × </a:t>
+            </a:r>
+            <a:r>
+              <a:rPr lang="en-US" altLang="en-US" dirty="0" err="1" smtClean="0">
+                <a:cs typeface="Arial" charset="0"/>
+              </a:rPr>
+              <a:t>t</a:t>
+            </a:r>
+            <a:r>
+              <a:rPr lang="en-US" altLang="en-US" baseline="-25000" dirty="0" err="1" smtClean="0">
+                <a:cs typeface="Arial" charset="0"/>
+              </a:rPr>
+              <a:t>add</a:t>
+            </a:r>
+            <a:r>
+              <a:rPr lang="en-US" altLang="en-US" dirty="0" smtClean="0">
+                <a:cs typeface="Arial" charset="0"/>
+              </a:rPr>
+              <a:t> = 20 × </a:t>
+            </a:r>
+            <a:r>
+              <a:rPr lang="en-US" altLang="en-US" dirty="0" err="1" smtClean="0">
+                <a:cs typeface="Arial" charset="0"/>
+              </a:rPr>
+              <a:t>t</a:t>
+            </a:r>
+            <a:r>
+              <a:rPr lang="en-US" altLang="en-US" baseline="-25000" dirty="0" err="1" smtClean="0">
+                <a:cs typeface="Arial" charset="0"/>
+              </a:rPr>
+              <a:t>add</a:t>
+            </a:r>
+            <a:endParaRPr lang="en-US" altLang="en-US" dirty="0" smtClean="0">
+              <a:cs typeface="Arial" charset="0"/>
+            </a:endParaRPr>
+          </a:p>
+          <a:p>
+            <a:pPr lvl="1">
+              <a:lnSpc>
+                <a:spcPct val="80000"/>
+              </a:lnSpc>
+            </a:pPr>
+            <a:r>
+              <a:rPr lang="en-US" altLang="en-US" dirty="0" smtClean="0">
+                <a:cs typeface="Arial" charset="0"/>
+              </a:rPr>
+              <a:t>Speedup = 110/20 = 5.5 (55% of potential)</a:t>
+            </a:r>
+            <a:endParaRPr lang="en-US" altLang="en-US" baseline="-25000" dirty="0" smtClean="0">
+              <a:cs typeface="Arial" charset="0"/>
+            </a:endParaRPr>
+          </a:p>
+          <a:p>
+            <a:pPr>
+              <a:lnSpc>
+                <a:spcPct val="80000"/>
+              </a:lnSpc>
+            </a:pPr>
+            <a:r>
+              <a:rPr lang="en-US" altLang="en-US" dirty="0" smtClean="0">
+                <a:cs typeface="Arial" charset="0"/>
+              </a:rPr>
+              <a:t>100 processors</a:t>
+            </a:r>
+          </a:p>
+          <a:p>
+            <a:pPr lvl="1">
+              <a:lnSpc>
+                <a:spcPct val="80000"/>
+              </a:lnSpc>
+            </a:pPr>
+            <a:r>
+              <a:rPr lang="en-US" altLang="en-US" dirty="0" smtClean="0">
+                <a:cs typeface="Arial" charset="0"/>
+              </a:rPr>
+              <a:t>Time = 10 × </a:t>
+            </a:r>
+            <a:r>
+              <a:rPr lang="en-US" altLang="en-US" dirty="0" err="1" smtClean="0">
+                <a:cs typeface="Arial" charset="0"/>
+              </a:rPr>
+              <a:t>t</a:t>
+            </a:r>
+            <a:r>
+              <a:rPr lang="en-US" altLang="en-US" baseline="-25000" dirty="0" err="1" smtClean="0">
+                <a:cs typeface="Arial" charset="0"/>
+              </a:rPr>
+              <a:t>add</a:t>
+            </a:r>
+            <a:r>
+              <a:rPr lang="en-US" altLang="en-US" dirty="0" smtClean="0">
+                <a:cs typeface="Arial" charset="0"/>
+              </a:rPr>
+              <a:t> + 100/100 × </a:t>
+            </a:r>
+            <a:r>
+              <a:rPr lang="en-US" altLang="en-US" dirty="0" err="1" smtClean="0">
+                <a:cs typeface="Arial" charset="0"/>
+              </a:rPr>
+              <a:t>t</a:t>
+            </a:r>
+            <a:r>
+              <a:rPr lang="en-US" altLang="en-US" baseline="-25000" dirty="0" err="1" smtClean="0">
+                <a:cs typeface="Arial" charset="0"/>
+              </a:rPr>
+              <a:t>add</a:t>
+            </a:r>
+            <a:r>
+              <a:rPr lang="en-US" altLang="en-US" dirty="0" smtClean="0">
+                <a:cs typeface="Arial" charset="0"/>
+              </a:rPr>
+              <a:t> = 11 × </a:t>
+            </a:r>
+            <a:r>
+              <a:rPr lang="en-US" altLang="en-US" dirty="0" err="1" smtClean="0">
+                <a:cs typeface="Arial" charset="0"/>
+              </a:rPr>
+              <a:t>t</a:t>
+            </a:r>
+            <a:r>
+              <a:rPr lang="en-US" altLang="en-US" baseline="-25000" dirty="0" err="1" smtClean="0">
+                <a:cs typeface="Arial" charset="0"/>
+              </a:rPr>
+              <a:t>add</a:t>
+            </a:r>
+            <a:endParaRPr lang="en-US" altLang="en-US" baseline="-25000" dirty="0" smtClean="0">
+              <a:cs typeface="Arial" charset="0"/>
+            </a:endParaRPr>
+          </a:p>
+          <a:p>
+            <a:pPr lvl="1">
+              <a:lnSpc>
+                <a:spcPct val="80000"/>
+              </a:lnSpc>
+            </a:pPr>
+            <a:r>
+              <a:rPr lang="en-US" altLang="en-US" dirty="0" smtClean="0">
+                <a:cs typeface="Arial" charset="0"/>
+              </a:rPr>
+              <a:t>Speedup = 110/11 = 10 (10% of potential)</a:t>
+            </a:r>
+          </a:p>
+          <a:p>
+            <a:pPr>
+              <a:lnSpc>
+                <a:spcPct val="80000"/>
+              </a:lnSpc>
+            </a:pPr>
+            <a:r>
+              <a:rPr lang="en-US" altLang="en-US" dirty="0" smtClean="0">
+                <a:cs typeface="Arial" charset="0"/>
+              </a:rPr>
+              <a:t>Assumes load can be balanced across processors</a:t>
+            </a:r>
+          </a:p>
+        </p:txBody>
+      </p:sp>
+      <p:sp>
+        <p:nvSpPr>
+          <p:cNvPr id="3" name="Номер слайда 2"/>
+          <p:cNvSpPr>
+            <a:spLocks noGrp="1"/>
+          </p:cNvSpPr>
+          <p:nvPr>
+            <p:ph type="sldNum" sz="quarter" idx="12"/>
+          </p:nvPr>
+        </p:nvSpPr>
+        <p:spPr/>
+        <p:txBody>
+          <a:bodyPr/>
+          <a:lstStyle/>
+          <a:p>
+            <a:pPr algn="ctr"/>
+            <a:fld id="{1397BFD8-F312-4EF2-A268-44FB4BDDBBB0}" type="slidenum">
+              <a:rPr lang="ru-RU" smtClean="0"/>
+              <a:pPr algn="ctr"/>
+              <a:t>7</a:t>
+            </a:fld>
+            <a:endParaRPr lang="ru-RU" dirty="0"/>
+          </a:p>
+        </p:txBody>
+      </p:sp>
+      <p:sp>
+        <p:nvSpPr>
+          <p:cNvPr id="4" name="Заголовок 3"/>
+          <p:cNvSpPr>
+            <a:spLocks noGrp="1"/>
+          </p:cNvSpPr>
+          <p:nvPr>
+            <p:ph type="title"/>
+          </p:nvPr>
+        </p:nvSpPr>
+        <p:spPr/>
+        <p:txBody>
+          <a:bodyPr/>
+          <a:lstStyle/>
+          <a:p>
+            <a:r>
+              <a:rPr lang="en-AU" altLang="en-US" dirty="0" smtClean="0"/>
+              <a:t>Scaling Example 1</a:t>
+            </a:r>
+            <a:endParaRPr lang="ru-RU" dirty="0"/>
+          </a:p>
+        </p:txBody>
+      </p:sp>
+    </p:spTree>
+  </p:cSld>
+  <p:clrMapOvr>
+    <a:masterClrMapping/>
+  </p:clrMapOvr>
+  <p:timing>
+    <p:tnLst>
+      <p:par>
+        <p:cTn id="1" dur="indefinite" restart="never" nodeType="tmRoot"/>
+      </p:par>
+    </p:tnLst>
+  </p:timing>
+</p:sld>
+</file>
+
 <file path=ppt/slides/slide8.xml><?xml version="1.0" encoding="utf-8"?>
 <p:sld xmlns:a="http://schemas.openxmlformats.org/drawingml/2006/main" xmlns:r="http://schemas.openxmlformats.org/officeDocument/2006/relationships" xmlns:p="http://schemas.openxmlformats.org/presentationml/2006/main">
   <p:cSld>
@@ -7393,46 +10259,23 @@
           </a:bodyPr>
           <a:lstStyle/>
           <a:p>
-            <a:pPr>
-              <a:lnSpc>
-                <a:spcPct val="80000"/>
-              </a:lnSpc>
-            </a:pPr>
             <a:r>
               <a:rPr lang="en-AU" altLang="en-US" dirty="0" smtClean="0"/>
-              <a:t>Workload: sum of 10 scalars, and 10 </a:t>
+              <a:t>What if matrix size is 100 </a:t>
             </a:r>
             <a:r>
               <a:rPr lang="en-US" altLang="en-US" dirty="0" smtClean="0">
                 <a:cs typeface="Arial" charset="0"/>
               </a:rPr>
-              <a:t>× 10 matrix sum</a:t>
-            </a:r>
-          </a:p>
-          <a:p>
-            <a:pPr lvl="1">
-              <a:lnSpc>
-                <a:spcPct val="80000"/>
-              </a:lnSpc>
-            </a:pPr>
+              <a:t>× 100?</a:t>
+            </a:r>
+          </a:p>
+          <a:p>
             <a:r>
               <a:rPr lang="en-US" altLang="en-US" dirty="0" smtClean="0">
                 <a:cs typeface="Arial" charset="0"/>
               </a:rPr>
-              <a:t>Speed up from 10 to 100 processors</a:t>
-            </a:r>
-          </a:p>
-          <a:p>
-            <a:pPr>
-              <a:lnSpc>
-                <a:spcPct val="80000"/>
-              </a:lnSpc>
-            </a:pPr>
-            <a:r>
-              <a:rPr lang="en-US" altLang="en-US" dirty="0" smtClean="0">
-                <a:cs typeface="Arial" charset="0"/>
-              </a:rPr>
-              <a:t>Single processor: Time = (10 + 100) × </a:t>
+              <a:t>Single processor: Time = (10 + 10000) × </a:t>
             </a:r>
             <a:r>
               <a:rPr lang="en-US" altLang="en-US" dirty="0" err="1" smtClean="0">
@@ -7451,11 +10294,6 @@
             </a:endParaRPr>
           </a:p>
           <a:p>
-            <a:pPr>
-              <a:lnSpc>
-                <a:spcPct val="80000"/>
-              </a:lnSpc>
-            </a:pPr>
             <a:r>
               <a:rPr lang="en-US" altLang="en-US" dirty="0" smtClean="0">
                 <a:cs typeface="Arial" charset="0"/>
@@ -7464,11 +10302,7 @@
             </a:r>
           </a:p>
           <a:p>
-            <a:pPr lvl="1">
-              <a:lnSpc>
-                <a:spcPct val="80000"/>
-              </a:lnSpc>
-            </a:pPr>
+            <a:pPr lvl="1"/>
             <a:r>
               <a:rPr lang="en-US" altLang="en-US" dirty="0" smtClean="0">
                 <a:cs typeface="Arial" charset="0"/>
@@ -7491,7 +10325,7 @@
               <a:rPr lang="en-US" altLang="en-US" dirty="0" smtClean="0">
                 <a:cs typeface="Arial" charset="0"/>
               </a:rPr>
-              <a:t> + 100/10 × </a:t>
+              <a:t> + 10000/10 × </a:t>
             </a:r>
             <a:r>
               <a:rPr lang="en-US" altLang="en-US" dirty="0" err="1" smtClean="0">
@@ -7509,7 +10343,7 @@
               <a:rPr lang="en-US" altLang="en-US" dirty="0" smtClean="0">
                 <a:cs typeface="Arial" charset="0"/>
               </a:rPr>
-              <a:t> = 20 × </a:t>
+              <a:t> = 1010 × </a:t>
             </a:r>
             <a:r>
               <a:rPr lang="en-US" altLang="en-US" dirty="0" err="1" smtClean="0">
@@ -7528,27 +10362,18 @@
             </a:endParaRPr>
           </a:p>
           <a:p>
-            <a:pPr lvl="1">
-              <a:lnSpc>
-                <a:spcPct val="80000"/>
-              </a:lnSpc>
-            </a:pPr>
+            <a:pPr lvl="1"/>
             <a:r>
               <a:rPr lang="en-US" altLang="en-US" dirty="0" smtClean="0">
                 <a:cs typeface="Arial" charset="0"/>
               </a:rPr>
-              <a:t>Speedup = 110/20 = 5.5 (55% of potential)</a:t>
+              <a:t>Speedup = 10010/1010 = 9.9 (99% of potential)</a:t>
             </a:r>
             <a:endParaRPr lang="en-US" altLang="en-US" baseline="-25000" dirty="0" smtClean="0">
               <a:cs typeface="Arial" charset="0"/>
             </a:endParaRPr>
           </a:p>
           <a:p>
-            <a:pPr>
-              <a:lnSpc>
-                <a:spcPct val="80000"/>
-              </a:lnSpc>
-            </a:pPr>
             <a:r>
               <a:rPr lang="en-US" altLang="en-US" dirty="0" smtClean="0">
                 <a:cs typeface="Arial" charset="0"/>
@@ -7557,11 +10382,7 @@
             </a:r>
           </a:p>
           <a:p>
-            <a:pPr lvl="1">
-              <a:lnSpc>
-                <a:spcPct val="80000"/>
-              </a:lnSpc>
-            </a:pPr>
+            <a:pPr lvl="1"/>
             <a:r>
               <a:rPr lang="en-US" altLang="en-US" dirty="0" smtClean="0">
                 <a:cs typeface="Arial" charset="0"/>
@@ -7584,7 +10405,7 @@
               <a:rPr lang="en-US" altLang="en-US" dirty="0" smtClean="0">
                 <a:cs typeface="Arial" charset="0"/>
               </a:rPr>
-              <a:t> + 100/100 × </a:t>
+              <a:t> + 10000/100 × </a:t>
             </a:r>
             <a:r>
               <a:rPr lang="en-US" altLang="en-US" dirty="0" err="1" smtClean="0">
@@ -7602,7 +10423,7 @@
               <a:rPr lang="en-US" altLang="en-US" dirty="0" smtClean="0">
                 <a:cs typeface="Arial" charset="0"/>
               </a:rPr>
-              <a:t> = 11 × </a:t>
+              <a:t> = 110 × </a:t>
             </a:r>
             <a:r>
               <a:rPr lang="en-US" altLang="en-US" dirty="0" err="1" smtClean="0">
@@ -7621,39 +10442,21 @@
             </a:endParaRPr>
           </a:p>
           <a:p>
-            <a:pPr lvl="1">
-              <a:lnSpc>
-                <a:spcPct val="80000"/>
-              </a:lnSpc>
-            </a:pPr>
+            <a:pPr lvl="1"/>
             <a:r>
               <a:rPr lang="en-US" altLang="en-US" dirty="0" smtClean="0">
                 <a:cs typeface="Arial" charset="0"/>
               </a:rPr>
-              <a:t>Speedup = 110/11 = 10 (10% of potential)</a:t>
-            </a:r>
-          </a:p>
-          <a:p>
-            <a:pPr>
-              <a:lnSpc>
-                <a:spcPct val="80000"/>
-              </a:lnSpc>
-            </a:pPr>
+              <a:t>Speedup = 10010/110 = 91 (91% of potential)</a:t>
+            </a:r>
+          </a:p>
+          <a:p>
             <a:r>
               <a:rPr lang="en-US" altLang="en-US" dirty="0" smtClean="0">
                 <a:cs typeface="Arial" charset="0"/>
               </a:rPr>
-              <a:t>Assumes load can be balanced across </a:t>
-            </a:r>
-            <a:r>
-              <a:rPr lang="en-US" altLang="en-US" dirty="0" smtClean="0">
-                <a:cs typeface="Arial" charset="0"/>
-              </a:rPr>
-              <a:t>processors</a:t>
-            </a:r>
-            <a:endParaRPr lang="en-US" altLang="en-US" dirty="0" smtClean="0">
-              <a:cs typeface="Arial" charset="0"/>
-            </a:endParaRPr>
+              <a:t>Assuming load balanced</a:t>
+            </a:r>
           </a:p>
         </p:txBody>
       </p:sp>
@@ -7698,12 +10501,8 @@
           <a:lstStyle/>
           <a:p>
             <a:r>
-              <a:rPr lang="en-AU" altLang="en-US" dirty="0" smtClean="0"/>
-              <a:t>Scaling </a:t>
-            </a:r>
-            <a:r>
-              <a:rPr lang="en-AU" altLang="en-US" dirty="0" smtClean="0"/>
-              <a:t>Example 1</a:t>
+              <a:rPr lang="en-US" dirty="0" smtClean="0"/>
+              <a:t>Scaling Example 2</a:t>
             </a:r>
             <a:endParaRPr lang="ru-RU" dirty="0"/>
           </a:p>
@@ -7751,220 +10550,197 @@
             <p:ph idx="1"/>
           </p:nvPr>
         </p:nvSpPr>
-        <p:spPr/>
-        <p:txBody>
-          <a:bodyPr>
-            <a:noAutofit/>
-          </a:bodyPr>
+        <p:spPr>
+          <a:xfrm>
+            <a:off x="838200" y="1178052"/>
+            <a:ext cx="10515600" cy="5273547"/>
+          </a:xfrm>
+        </p:spPr>
+        <p:txBody>
+          <a:bodyPr/>
           <a:lstStyle/>
           <a:p>
+            <a:pPr>
+              <a:lnSpc>
+                <a:spcPct val="100000"/>
+              </a:lnSpc>
+            </a:pPr>
             <a:r>
               <a:rPr lang="en-AU" altLang="en-US" dirty="0" smtClean="0"/>
-              <a:t>What if matrix size is 100 </a:t>
+              <a:t>Strong scaling: problem size fixed</a:t>
+            </a:r>
+          </a:p>
+          <a:p>
+            <a:pPr lvl="1">
+              <a:lnSpc>
+                <a:spcPct val="100000"/>
+              </a:lnSpc>
+            </a:pPr>
+            <a:r>
+              <a:rPr lang="en-AU" altLang="en-US" dirty="0" smtClean="0"/>
+              <a:t>As in </a:t>
+            </a:r>
+            <a:r>
+              <a:rPr lang="en-AU" altLang="en-US" dirty="0" smtClean="0"/>
+              <a:t>the examples</a:t>
+            </a:r>
+            <a:endParaRPr lang="en-AU" altLang="en-US" dirty="0" smtClean="0"/>
+          </a:p>
+          <a:p>
+            <a:pPr>
+              <a:lnSpc>
+                <a:spcPct val="100000"/>
+              </a:lnSpc>
+            </a:pPr>
+            <a:r>
+              <a:rPr lang="en-AU" altLang="en-US" dirty="0" smtClean="0"/>
+              <a:t>Weak scaling: problem size proportional to number of processors</a:t>
+            </a:r>
+          </a:p>
+          <a:p>
+            <a:pPr lvl="1">
+              <a:lnSpc>
+                <a:spcPct val="100000"/>
+              </a:lnSpc>
+            </a:pPr>
+            <a:r>
+              <a:rPr lang="en-AU" altLang="en-US" dirty="0" smtClean="0"/>
+              <a:t>10 processors, 10 </a:t>
             </a:r>
             <a:r>
               <a:rPr lang="en-US" altLang="en-US" dirty="0" smtClean="0">
                 <a:cs typeface="Arial" charset="0"/>
               </a:rPr>
-              <a:t>× 100?</a:t>
-            </a:r>
-          </a:p>
-          <a:p>
+              <a:t>× 10 matrix</a:t>
+            </a:r>
+          </a:p>
+          <a:p>
+            <a:pPr lvl="2">
+              <a:lnSpc>
+                <a:spcPct val="100000"/>
+              </a:lnSpc>
+            </a:pPr>
+            <a:r>
+              <a:rPr lang="en-US" altLang="en-US" sz="2800" dirty="0" smtClean="0">
+                <a:cs typeface="Arial" charset="0"/>
+              </a:rPr>
+              <a:t>Time = 20 × </a:t>
+            </a:r>
+            <a:r>
+              <a:rPr lang="en-US" altLang="en-US" sz="2800" dirty="0" err="1" smtClean="0">
+                <a:cs typeface="Arial" charset="0"/>
+              </a:rPr>
+              <a:t>t</a:t>
+            </a:r>
+            <a:r>
+              <a:rPr lang="en-US" altLang="en-US" sz="2800" baseline="-25000" dirty="0" err="1" smtClean="0">
+                <a:cs typeface="Arial" charset="0"/>
+              </a:rPr>
+              <a:t>add</a:t>
+            </a:r>
+            <a:endParaRPr lang="en-US" altLang="en-US" sz="2800" dirty="0" smtClean="0">
+              <a:cs typeface="Arial" charset="0"/>
+            </a:endParaRPr>
+          </a:p>
+          <a:p>
+            <a:pPr lvl="1">
+              <a:lnSpc>
+                <a:spcPct val="100000"/>
+              </a:lnSpc>
+            </a:pPr>
+            <a:r>
+              <a:rPr lang="en-AU" altLang="en-US" dirty="0" smtClean="0">
+                <a:cs typeface="Arial" charset="0"/>
+              </a:rPr>
+              <a:t>100 processors, </a:t>
+            </a:r>
+            <a:r>
+              <a:rPr lang="en-AU" altLang="en-US" dirty="0" smtClean="0"/>
+              <a:t>32 </a:t>
+            </a:r>
             <a:r>
               <a:rPr lang="en-US" altLang="en-US" dirty="0" smtClean="0">
                 <a:cs typeface="Arial" charset="0"/>
               </a:rPr>
-              <a:t>Single processor: Time = (10 + 10000) × </a:t>
-            </a:r>
-            <a:r>
-              <a:rPr lang="en-US" altLang="en-US" dirty="0" err="1" smtClean="0">
+              <a:t>× 32 matrix</a:t>
+            </a:r>
+          </a:p>
+          <a:p>
+            <a:pPr lvl="2">
+              <a:lnSpc>
+                <a:spcPct val="100000"/>
+              </a:lnSpc>
+            </a:pPr>
+            <a:r>
+              <a:rPr lang="en-US" altLang="en-US" sz="2800" dirty="0" smtClean="0">
                 <a:cs typeface="Arial" charset="0"/>
               </a:rPr>
+              <a:t>Time = 10 × </a:t>
+            </a:r>
+            <a:r>
+              <a:rPr lang="en-US" altLang="en-US" sz="2800" dirty="0" err="1" smtClean="0">
+                <a:cs typeface="Arial" charset="0"/>
+              </a:rPr>
               <a:t>t</a:t>
             </a:r>
             <a:r>
-              <a:rPr lang="en-US" altLang="en-US" baseline="-25000" dirty="0" err="1" smtClean="0">
+              <a:rPr lang="en-US" altLang="en-US" sz="2800" baseline="-25000" dirty="0" err="1" smtClean="0">
                 <a:cs typeface="Arial" charset="0"/>
               </a:rPr>
               <a:t>add</a:t>
             </a:r>
-            <a:endParaRPr lang="en-US" altLang="en-US" baseline="-25000" dirty="0" smtClean="0">
+            <a:r>
+              <a:rPr lang="en-US" altLang="en-US" sz="2800" dirty="0" smtClean="0">
+                <a:cs typeface="Arial" charset="0"/>
+              </a:rPr>
+              <a:t> + 1000/100 × </a:t>
+            </a:r>
+            <a:r>
+              <a:rPr lang="en-US" altLang="en-US" sz="2800" dirty="0" err="1" smtClean="0">
+                <a:cs typeface="Arial" charset="0"/>
+              </a:rPr>
+              <a:t>t</a:t>
+            </a:r>
+            <a:r>
+              <a:rPr lang="en-US" altLang="en-US" sz="2800" baseline="-25000" dirty="0" err="1" smtClean="0">
+                <a:cs typeface="Arial" charset="0"/>
+              </a:rPr>
+              <a:t>add</a:t>
+            </a:r>
+            <a:r>
+              <a:rPr lang="en-US" altLang="en-US" sz="2800" dirty="0" smtClean="0">
+                <a:cs typeface="Arial" charset="0"/>
+              </a:rPr>
+              <a:t> = 20 × </a:t>
+            </a:r>
+            <a:r>
+              <a:rPr lang="en-US" altLang="en-US" sz="2800" dirty="0" err="1" smtClean="0">
+                <a:cs typeface="Arial" charset="0"/>
+              </a:rPr>
+              <a:t>t</a:t>
+            </a:r>
+            <a:r>
+              <a:rPr lang="en-US" altLang="en-US" sz="2800" baseline="-25000" dirty="0" err="1" smtClean="0">
+                <a:cs typeface="Arial" charset="0"/>
+              </a:rPr>
+              <a:t>add</a:t>
+            </a:r>
+            <a:endParaRPr lang="en-US" altLang="en-US" sz="2800" dirty="0" smtClean="0">
               <a:cs typeface="Arial" charset="0"/>
             </a:endParaRPr>
           </a:p>
           <a:p>
-            <a:r>
-              <a:rPr lang="en-US" altLang="en-US" dirty="0" smtClean="0">
+            <a:pPr lvl="1">
+              <a:lnSpc>
+                <a:spcPct val="100000"/>
+              </a:lnSpc>
+            </a:pPr>
+            <a:r>
+              <a:rPr lang="en-AU" altLang="en-US" dirty="0" smtClean="0">
                 <a:cs typeface="Arial" charset="0"/>
               </a:rPr>
-              <a:t>10 processors</a:t>
-            </a:r>
-          </a:p>
-          <a:p>
-            <a:pPr lvl="1"/>
-            <a:r>
-              <a:rPr lang="en-US" altLang="en-US" dirty="0" smtClean="0">
-                <a:cs typeface="Arial" charset="0"/>
-              </a:rPr>
-              <a:t>Time = 10 × </a:t>
-            </a:r>
-            <a:r>
-              <a:rPr lang="en-US" altLang="en-US" dirty="0" err="1" smtClean="0">
-                <a:cs typeface="Arial" charset="0"/>
-              </a:rPr>
-              <a:t>t</a:t>
-            </a:r>
-            <a:r>
-              <a:rPr lang="en-US" altLang="en-US" baseline="-25000" dirty="0" err="1" smtClean="0">
-                <a:cs typeface="Arial" charset="0"/>
-              </a:rPr>
-              <a:t>add</a:t>
-            </a:r>
-            <a:r>
-              <a:rPr lang="en-US" altLang="en-US" dirty="0" smtClean="0">
-                <a:cs typeface="Arial" charset="0"/>
-              </a:rPr>
-              <a:t> + 10000/10 × </a:t>
-            </a:r>
-            <a:r>
-              <a:rPr lang="en-US" altLang="en-US" dirty="0" err="1" smtClean="0">
-                <a:cs typeface="Arial" charset="0"/>
-              </a:rPr>
-              <a:t>t</a:t>
-            </a:r>
-            <a:r>
-              <a:rPr lang="en-US" altLang="en-US" baseline="-25000" dirty="0" err="1" smtClean="0">
-                <a:cs typeface="Arial" charset="0"/>
-              </a:rPr>
-              <a:t>add</a:t>
-            </a:r>
-            <a:r>
-              <a:rPr lang="en-US" altLang="en-US" dirty="0" smtClean="0">
-                <a:cs typeface="Arial" charset="0"/>
-              </a:rPr>
-              <a:t> = 1010 × </a:t>
-            </a:r>
-            <a:r>
-              <a:rPr lang="en-US" altLang="en-US" dirty="0" err="1" smtClean="0">
-                <a:cs typeface="Arial" charset="0"/>
-              </a:rPr>
-              <a:t>t</a:t>
-            </a:r>
-            <a:r>
-              <a:rPr lang="en-US" altLang="en-US" baseline="-25000" dirty="0" err="1" smtClean="0">
-                <a:cs typeface="Arial" charset="0"/>
-              </a:rPr>
-              <a:t>add</a:t>
-            </a:r>
-            <a:endParaRPr lang="en-US" altLang="en-US" dirty="0" smtClean="0">
-              <a:cs typeface="Arial" charset="0"/>
-            </a:endParaRPr>
-          </a:p>
-          <a:p>
-            <a:pPr lvl="1"/>
-            <a:r>
-              <a:rPr lang="en-US" altLang="en-US" dirty="0" smtClean="0">
-                <a:cs typeface="Arial" charset="0"/>
-              </a:rPr>
-              <a:t>Speedup = 10010/1010 = 9.9 (99% of potential)</a:t>
-            </a:r>
-            <a:endParaRPr lang="en-US" altLang="en-US" baseline="-25000" dirty="0" smtClean="0">
-              <a:cs typeface="Arial" charset="0"/>
-            </a:endParaRPr>
-          </a:p>
-          <a:p>
-            <a:r>
-              <a:rPr lang="en-US" altLang="en-US" dirty="0" smtClean="0">
-                <a:cs typeface="Arial" charset="0"/>
-              </a:rPr>
-              <a:t>100 processors</a:t>
-            </a:r>
-          </a:p>
-          <a:p>
-            <a:pPr lvl="1"/>
-            <a:r>
-              <a:rPr lang="en-US" altLang="en-US" dirty="0" smtClean="0">
-                <a:cs typeface="Arial" charset="0"/>
-              </a:rPr>
-              <a:t>Time = 10 × </a:t>
-            </a:r>
-            <a:r>
-              <a:rPr lang="en-US" altLang="en-US" dirty="0" err="1" smtClean="0">
-                <a:cs typeface="Arial" charset="0"/>
-              </a:rPr>
-              <a:t>t</a:t>
-            </a:r>
-            <a:r>
-              <a:rPr lang="en-US" altLang="en-US" baseline="-25000" dirty="0" err="1" smtClean="0">
-                <a:cs typeface="Arial" charset="0"/>
-              </a:rPr>
-              <a:t>add</a:t>
-            </a:r>
-            <a:r>
-              <a:rPr lang="en-US" altLang="en-US" dirty="0" smtClean="0">
-                <a:cs typeface="Arial" charset="0"/>
-              </a:rPr>
-              <a:t> + 10000/100 × </a:t>
-            </a:r>
-            <a:r>
-              <a:rPr lang="en-US" altLang="en-US" dirty="0" err="1" smtClean="0">
-                <a:cs typeface="Arial" charset="0"/>
-              </a:rPr>
-              <a:t>t</a:t>
-            </a:r>
-            <a:r>
-              <a:rPr lang="en-US" altLang="en-US" baseline="-25000" dirty="0" err="1" smtClean="0">
-                <a:cs typeface="Arial" charset="0"/>
-              </a:rPr>
-              <a:t>add</a:t>
-            </a:r>
-            <a:r>
-              <a:rPr lang="en-US" altLang="en-US" dirty="0" smtClean="0">
-                <a:cs typeface="Arial" charset="0"/>
-              </a:rPr>
-              <a:t> = 110 × </a:t>
-            </a:r>
-            <a:r>
-              <a:rPr lang="en-US" altLang="en-US" dirty="0" err="1" smtClean="0">
-                <a:cs typeface="Arial" charset="0"/>
-              </a:rPr>
-              <a:t>t</a:t>
-            </a:r>
-            <a:r>
-              <a:rPr lang="en-US" altLang="en-US" baseline="-25000" dirty="0" err="1" smtClean="0">
-                <a:cs typeface="Arial" charset="0"/>
-              </a:rPr>
-              <a:t>add</a:t>
-            </a:r>
-            <a:endParaRPr lang="en-US" altLang="en-US" baseline="-25000" dirty="0" smtClean="0">
-              <a:cs typeface="Arial" charset="0"/>
-            </a:endParaRPr>
-          </a:p>
-          <a:p>
-            <a:pPr lvl="1"/>
-            <a:r>
-              <a:rPr lang="en-US" altLang="en-US" dirty="0" smtClean="0">
-                <a:cs typeface="Arial" charset="0"/>
-              </a:rPr>
-              <a:t>Speedup = 10010/110 = 91 (91% of potential)</a:t>
-            </a:r>
-          </a:p>
-          <a:p>
-            <a:r>
-              <a:rPr lang="en-US" altLang="en-US" dirty="0" smtClean="0">
-                <a:cs typeface="Arial" charset="0"/>
-              </a:rPr>
-              <a:t>Assuming load </a:t>
-            </a:r>
-            <a:r>
-              <a:rPr lang="en-US" altLang="en-US" dirty="0" smtClean="0">
-                <a:cs typeface="Arial" charset="0"/>
-              </a:rPr>
-              <a:t>balanced</a:t>
-            </a:r>
-            <a:endParaRPr lang="en-US" altLang="en-US" dirty="0" smtClean="0">
-              <a:cs typeface="Arial" charset="0"/>
-            </a:endParaRPr>
+              <a:t>Constant performance in this example</a:t>
+            </a:r>
           </a:p>
         </p:txBody>
       </p:sp>
@@ -8009,8 +10785,16 @@
           <a:lstStyle/>
           <a:p>
             <a:r>
-              <a:rPr lang="en-US" dirty="0" smtClean="0"/>
-              <a:t>Scaling Example 2</a:t>
+              <a:rPr lang="en-AU" altLang="en-US" dirty="0" smtClean="0"/>
+              <a:t>Strong </a:t>
+            </a:r>
+            <a:r>
+              <a:rPr lang="en-AU" altLang="en-US" dirty="0" err="1" smtClean="0"/>
+              <a:t>vs</a:t>
+            </a:r>
+            <a:r>
+              <a:rPr lang="en-AU" altLang="en-US" dirty="0" smtClean="0"/>
+              <a:t> Weak Scaling</a:t>
             </a:r>
             <a:endParaRPr lang="ru-RU" dirty="0"/>
           </a:p>
@@ -8306,7 +11090,7 @@
   <a:extraClrSchemeLst/>
   <a:extLst>
     <a:ext uri="{05A4C25C-085E-4340-85A3-A5531E510DB2}">
-      <thm15:themeFamily xmlns:thm15="http://schemas.microsoft.com/office/thememl/2012/main" xmlns="" name="Office Theme" id="{62F939B6-93AF-4DB8-9C6B-D6C7DFDC589F}" vid="{4A3C46E8-61CC-4603-A589-7422A47A8E4A}"/>
+      <thm15:themeFamily xmlns="" xmlns:thm15="http://schemas.microsoft.com/office/thememl/2012/main" name="Office Theme" id="{62F939B6-93AF-4DB8-9C6B-D6C7DFDC589F}" vid="{4A3C46E8-61CC-4603-A589-7422A47A8E4A}"/>
     </a:ext>
   </a:extLst>
 </a:theme>
@@ -8567,7 +11351,7 @@
   <a:extraClrSchemeLst/>
   <a:extLst>
     <a:ext uri="{05A4C25C-085E-4340-85A3-A5531E510DB2}">
-      <thm15:themeFamily xmlns:thm15="http://schemas.microsoft.com/office/thememl/2012/main" xmlns="" name="Office Theme" id="{62F939B6-93AF-4DB8-9C6B-D6C7DFDC589F}" vid="{4A3C46E8-61CC-4603-A589-7422A47A8E4A}"/>
+      <thm15:themeFamily xmlns="" xmlns:thm15="http://schemas.microsoft.com/office/thememl/2012/main" name="Office Theme" id="{62F939B6-93AF-4DB8-9C6B-D6C7DFDC589F}" vid="{4A3C46E8-61CC-4603-A589-7422A47A8E4A}"/>
     </a:ext>
   </a:extLst>
 </a:theme>
@@ -8828,7 +11612,7 @@
   <a:extraClrSchemeLst/>
   <a:extLst>
     <a:ext uri="{05A4C25C-085E-4340-85A3-A5531E510DB2}">
-      <thm15:themeFamily xmlns:thm15="http://schemas.microsoft.com/office/thememl/2012/main" xmlns="" name="Office Theme" id="{62F939B6-93AF-4DB8-9C6B-D6C7DFDC589F}" vid="{4A3C46E8-61CC-4603-A589-7422A47A8E4A}"/>
+      <thm15:themeFamily xmlns="" xmlns:thm15="http://schemas.microsoft.com/office/thememl/2012/main" name="Office Theme" id="{62F939B6-93AF-4DB8-9C6B-D6C7DFDC589F}" vid="{4A3C46E8-61CC-4603-A589-7422A47A8E4A}"/>
     </a:ext>
   </a:extLst>
 </a:theme>

--- a/docs/part1ca/14_TLP/CA_Lecture_14.pptx
+++ b/docs/part1ca/14_TLP/CA_Lecture_14.pptx
@@ -5,10 +5,10 @@
     <p:sldMasterId id="2147483648" r:id="rId1"/>
   </p:sldMasterIdLst>
   <p:notesMasterIdLst>
-    <p:notesMasterId r:id="rId23"/>
+    <p:notesMasterId r:id="rId24"/>
   </p:notesMasterIdLst>
   <p:handoutMasterIdLst>
-    <p:handoutMasterId r:id="rId24"/>
+    <p:handoutMasterId r:id="rId25"/>
   </p:handoutMasterIdLst>
   <p:sldIdLst>
     <p:sldId id="256" r:id="rId2"/>
@@ -30,8 +30,9 @@
     <p:sldId id="290" r:id="rId18"/>
     <p:sldId id="291" r:id="rId19"/>
     <p:sldId id="278" r:id="rId20"/>
-    <p:sldId id="284" r:id="rId21"/>
-    <p:sldId id="272" r:id="rId22"/>
+    <p:sldId id="292" r:id="rId21"/>
+    <p:sldId id="284" r:id="rId22"/>
+    <p:sldId id="272" r:id="rId23"/>
   </p:sldIdLst>
   <p:sldSz cx="12192000" cy="6858000"/>
   <p:notesSz cx="6858000" cy="9144000"/>
@@ -919,7 +920,7 @@
             <a:fld id="{5583B3A5-99BF-45D9-956B-DC57CC23AD97}" type="slidenum">
               <a:rPr lang="ru-RU" smtClean="0"/>
               <a:pPr/>
-              <a:t>21</a:t>
+              <a:t>22</a:t>
             </a:fld>
             <a:endParaRPr lang="ru-RU"/>
           </a:p>
@@ -8345,24 +8346,350 @@
         </p:nvSpPr>
         <p:spPr>
           <a:xfrm>
-            <a:off x="787400" y="1076453"/>
-            <a:ext cx="10883900" cy="1908047"/>
+            <a:off x="838200" y="1178052"/>
+            <a:ext cx="10515600" cy="5451347"/>
           </a:xfrm>
         </p:spPr>
         <p:txBody>
-          <a:bodyPr/>
+          <a:bodyPr>
+            <a:normAutofit fontScale="70000" lnSpcReduction="20000"/>
+          </a:bodyPr>
           <a:lstStyle/>
           <a:p>
             <a:r>
-              <a:rPr lang="en-AU" altLang="en-US" dirty="0" smtClean="0"/>
-              <a:t>Each processor has private physical address space</a:t>
-            </a:r>
-          </a:p>
-          <a:p>
-            <a:r>
-              <a:rPr lang="en-AU" altLang="en-US" dirty="0" smtClean="0"/>
-              <a:t>Hardware sends/receives messages between processors</a:t>
-            </a:r>
+              <a:rPr lang="en-US" sz="5100" dirty="0" smtClean="0"/>
+              <a:t>Atomic exchange (EXCH):</a:t>
+            </a:r>
+          </a:p>
+          <a:p>
+            <a:pPr>
+              <a:buNone/>
+            </a:pPr>
+            <a:r>
+              <a:rPr lang="en-US" sz="4000" i="1" dirty="0" smtClean="0"/>
+              <a:t>try:</a:t>
+            </a:r>
+            <a:r>
+              <a:rPr lang="en-US" sz="4000" dirty="0" smtClean="0"/>
+              <a:t>	</a:t>
+            </a:r>
+            <a:r>
+              <a:rPr lang="en-US" sz="4000" dirty="0" err="1" smtClean="0"/>
+              <a:t>mov</a:t>
+            </a:r>
+            <a:r>
+              <a:rPr lang="en-US" sz="4000" dirty="0" smtClean="0"/>
+              <a:t> x3,x4	</a:t>
+            </a:r>
+            <a:r>
+              <a:rPr lang="en-US" sz="4000" dirty="0" smtClean="0">
+                <a:solidFill>
+                  <a:srgbClr val="00B050"/>
+                </a:solidFill>
+              </a:rPr>
+              <a:t># </a:t>
+            </a:r>
+            <a:r>
+              <a:rPr lang="en-US" sz="4000" dirty="0" err="1" smtClean="0">
+                <a:solidFill>
+                  <a:srgbClr val="00B050"/>
+                </a:solidFill>
+              </a:rPr>
+              <a:t>mov</a:t>
+            </a:r>
+            <a:r>
+              <a:rPr lang="en-US" sz="4000" dirty="0" smtClean="0">
+                <a:solidFill>
+                  <a:srgbClr val="00B050"/>
+                </a:solidFill>
+              </a:rPr>
+              <a:t> </a:t>
+            </a:r>
+            <a:r>
+              <a:rPr lang="en-US" sz="4000" dirty="0" smtClean="0">
+                <a:solidFill>
+                  <a:srgbClr val="00B050"/>
+                </a:solidFill>
+              </a:rPr>
+              <a:t>exchange value</a:t>
+            </a:r>
+          </a:p>
+          <a:p>
+            <a:pPr>
+              <a:buNone/>
+            </a:pPr>
+            <a:r>
+              <a:rPr lang="en-US" sz="4000" dirty="0" smtClean="0"/>
+              <a:t>		</a:t>
+            </a:r>
+            <a:r>
+              <a:rPr lang="en-US" sz="4000" dirty="0" err="1" smtClean="0"/>
+              <a:t>lr</a:t>
+            </a:r>
+            <a:r>
+              <a:rPr lang="en-US" sz="4000" dirty="0" smtClean="0"/>
+              <a:t> </a:t>
+            </a:r>
+            <a:r>
+              <a:rPr lang="en-US" sz="4000" dirty="0" smtClean="0"/>
+              <a:t>x2,x1</a:t>
+            </a:r>
+            <a:r>
+              <a:rPr lang="en-US" sz="4000" dirty="0" smtClean="0"/>
+              <a:t>	</a:t>
+            </a:r>
+            <a:r>
+              <a:rPr lang="en-US" sz="4000" dirty="0" smtClean="0">
+                <a:solidFill>
+                  <a:srgbClr val="00B050"/>
+                </a:solidFill>
+              </a:rPr>
+              <a:t># load </a:t>
+            </a:r>
+            <a:r>
+              <a:rPr lang="en-US" sz="4000" dirty="0" smtClean="0">
+                <a:solidFill>
+                  <a:srgbClr val="00B050"/>
+                </a:solidFill>
+              </a:rPr>
+              <a:t>reserved from</a:t>
+            </a:r>
+          </a:p>
+          <a:p>
+            <a:pPr>
+              <a:buNone/>
+            </a:pPr>
+            <a:r>
+              <a:rPr lang="en-US" sz="4000" dirty="0" smtClean="0"/>
+              <a:t>		sc x3,0(x1)	</a:t>
+            </a:r>
+            <a:r>
+              <a:rPr lang="en-US" sz="4000" dirty="0" smtClean="0">
+                <a:solidFill>
+                  <a:srgbClr val="00B050"/>
+                </a:solidFill>
+              </a:rPr>
+              <a:t># store </a:t>
+            </a:r>
+            <a:r>
+              <a:rPr lang="en-US" sz="4000" dirty="0" smtClean="0">
+                <a:solidFill>
+                  <a:srgbClr val="00B050"/>
+                </a:solidFill>
+              </a:rPr>
+              <a:t>conditional</a:t>
+            </a:r>
+          </a:p>
+          <a:p>
+            <a:pPr>
+              <a:buNone/>
+            </a:pPr>
+            <a:r>
+              <a:rPr lang="en-US" sz="4000" dirty="0" smtClean="0"/>
+              <a:t>		</a:t>
+            </a:r>
+            <a:r>
+              <a:rPr lang="en-US" sz="4000" dirty="0" err="1" smtClean="0"/>
+              <a:t>bnez</a:t>
+            </a:r>
+            <a:r>
+              <a:rPr lang="en-US" sz="4000" dirty="0" smtClean="0"/>
+              <a:t> x3,try	</a:t>
+            </a:r>
+            <a:r>
+              <a:rPr lang="en-US" sz="4000" dirty="0" smtClean="0">
+                <a:solidFill>
+                  <a:srgbClr val="00B050"/>
+                </a:solidFill>
+              </a:rPr>
+              <a:t># branch </a:t>
+            </a:r>
+            <a:r>
+              <a:rPr lang="en-US" sz="4000" dirty="0" smtClean="0">
+                <a:solidFill>
+                  <a:srgbClr val="00B050"/>
+                </a:solidFill>
+              </a:rPr>
+              <a:t>store fails</a:t>
+            </a:r>
+          </a:p>
+          <a:p>
+            <a:pPr>
+              <a:buNone/>
+            </a:pPr>
+            <a:r>
+              <a:rPr lang="en-US" sz="4000" dirty="0" smtClean="0"/>
+              <a:t>		</a:t>
+            </a:r>
+            <a:r>
+              <a:rPr lang="en-US" sz="4000" dirty="0" err="1" smtClean="0"/>
+              <a:t>mov</a:t>
+            </a:r>
+            <a:r>
+              <a:rPr lang="en-US" sz="4000" dirty="0" smtClean="0"/>
+              <a:t> x4,x2	</a:t>
+            </a:r>
+            <a:r>
+              <a:rPr lang="en-US" sz="4000" dirty="0" smtClean="0">
+                <a:solidFill>
+                  <a:srgbClr val="00B050"/>
+                </a:solidFill>
+              </a:rPr>
+              <a:t># put </a:t>
+            </a:r>
+            <a:r>
+              <a:rPr lang="en-US" sz="4000" dirty="0" smtClean="0">
+                <a:solidFill>
+                  <a:srgbClr val="00B050"/>
+                </a:solidFill>
+              </a:rPr>
+              <a:t>load value in x4?</a:t>
+            </a:r>
+          </a:p>
+          <a:p>
+            <a:endParaRPr lang="en-US" dirty="0" smtClean="0"/>
+          </a:p>
+          <a:p>
+            <a:r>
+              <a:rPr lang="en-US" sz="5100" dirty="0" smtClean="0"/>
+              <a:t>Atomic increment:</a:t>
+            </a:r>
+          </a:p>
+          <a:p>
+            <a:pPr>
+              <a:buNone/>
+            </a:pPr>
+            <a:r>
+              <a:rPr lang="en-US" sz="4000" i="1" dirty="0" smtClean="0"/>
+              <a:t>try:</a:t>
+            </a:r>
+            <a:r>
+              <a:rPr lang="en-US" sz="4000" dirty="0" smtClean="0"/>
+              <a:t>	</a:t>
+            </a:r>
+            <a:r>
+              <a:rPr lang="en-US" sz="4000" dirty="0" err="1" smtClean="0"/>
+              <a:t>lr</a:t>
+            </a:r>
+            <a:r>
+              <a:rPr lang="en-US" sz="4000" dirty="0" smtClean="0"/>
+              <a:t> </a:t>
+            </a:r>
+            <a:r>
+              <a:rPr lang="en-US" sz="4000" dirty="0" smtClean="0"/>
+              <a:t>x2,x1</a:t>
+            </a:r>
+            <a:r>
+              <a:rPr lang="en-US" sz="4000" dirty="0" smtClean="0"/>
+              <a:t>	</a:t>
+            </a:r>
+            <a:r>
+              <a:rPr lang="en-US" sz="4000" dirty="0" smtClean="0">
+                <a:solidFill>
+                  <a:srgbClr val="00B050"/>
+                </a:solidFill>
+              </a:rPr>
+              <a:t># load </a:t>
+            </a:r>
+            <a:r>
+              <a:rPr lang="en-US" sz="4000" dirty="0" smtClean="0">
+                <a:solidFill>
+                  <a:srgbClr val="00B050"/>
+                </a:solidFill>
+              </a:rPr>
+              <a:t>reserved 0(x1)</a:t>
+            </a:r>
+          </a:p>
+          <a:p>
+            <a:pPr>
+              <a:buNone/>
+            </a:pPr>
+            <a:r>
+              <a:rPr lang="en-US" sz="4000" dirty="0" smtClean="0"/>
+              <a:t>		</a:t>
+            </a:r>
+            <a:r>
+              <a:rPr lang="en-US" sz="4000" dirty="0" err="1" smtClean="0"/>
+              <a:t>addi</a:t>
+            </a:r>
+            <a:r>
+              <a:rPr lang="en-US" sz="4000" dirty="0" smtClean="0"/>
+              <a:t> x3,x2,1	</a:t>
+            </a:r>
+            <a:r>
+              <a:rPr lang="en-US" sz="4000" dirty="0" smtClean="0">
+                <a:solidFill>
+                  <a:srgbClr val="00B050"/>
+                </a:solidFill>
+              </a:rPr>
+              <a:t># increment</a:t>
+            </a:r>
+            <a:endParaRPr lang="en-US" sz="4000" dirty="0" smtClean="0">
+              <a:solidFill>
+                <a:srgbClr val="00B050"/>
+              </a:solidFill>
+            </a:endParaRPr>
+          </a:p>
+          <a:p>
+            <a:pPr>
+              <a:buNone/>
+            </a:pPr>
+            <a:r>
+              <a:rPr lang="en-US" sz="4000" dirty="0" smtClean="0"/>
+              <a:t>		sc x3,0(x1)	</a:t>
+            </a:r>
+            <a:r>
+              <a:rPr lang="en-US" sz="4000" dirty="0" smtClean="0">
+                <a:solidFill>
+                  <a:srgbClr val="00B050"/>
+                </a:solidFill>
+              </a:rPr>
+              <a:t># store </a:t>
+            </a:r>
+            <a:r>
+              <a:rPr lang="en-US" sz="4000" dirty="0" smtClean="0">
+                <a:solidFill>
+                  <a:srgbClr val="00B050"/>
+                </a:solidFill>
+              </a:rPr>
+              <a:t>conditional</a:t>
+            </a:r>
+          </a:p>
+          <a:p>
+            <a:pPr>
+              <a:buNone/>
+            </a:pPr>
+            <a:r>
+              <a:rPr lang="en-US" sz="4000" dirty="0" smtClean="0"/>
+              <a:t>		</a:t>
+            </a:r>
+            <a:r>
+              <a:rPr lang="en-US" sz="4000" dirty="0" err="1" smtClean="0"/>
+              <a:t>bnez</a:t>
+            </a:r>
+            <a:r>
+              <a:rPr lang="en-US" sz="4000" dirty="0" smtClean="0"/>
+              <a:t> x3,try	</a:t>
+            </a:r>
+            <a:r>
+              <a:rPr lang="en-US" sz="4000" dirty="0" smtClean="0">
+                <a:solidFill>
+                  <a:srgbClr val="00B050"/>
+                </a:solidFill>
+              </a:rPr>
+              <a:t># branch </a:t>
+            </a:r>
+            <a:r>
+              <a:rPr lang="en-US" sz="4000" dirty="0" smtClean="0">
+                <a:solidFill>
+                  <a:srgbClr val="00B050"/>
+                </a:solidFill>
+              </a:rPr>
+              <a:t>store fails</a:t>
+            </a:r>
+          </a:p>
+          <a:p>
+            <a:endParaRPr lang="ru-RU" dirty="0"/>
           </a:p>
         </p:txBody>
       </p:sp>
@@ -8386,6 +8713,112 @@
               <a:rPr lang="ru-RU" smtClean="0"/>
               <a:pPr algn="ctr"/>
               <a:t>20</a:t>
+            </a:fld>
+            <a:endParaRPr lang="ru-RU" dirty="0"/>
+          </a:p>
+        </p:txBody>
+      </p:sp>
+      <p:sp>
+        <p:nvSpPr>
+          <p:cNvPr id="4" name="Заголовок 3"/>
+          <p:cNvSpPr>
+            <a:spLocks noGrp="1"/>
+          </p:cNvSpPr>
+          <p:nvPr>
+            <p:ph type="title"/>
+          </p:nvPr>
+        </p:nvSpPr>
+        <p:spPr/>
+        <p:txBody>
+          <a:bodyPr/>
+          <a:lstStyle/>
+          <a:p>
+            <a:r>
+              <a:rPr lang="en-AU" dirty="0" smtClean="0"/>
+              <a:t>Implementing Locks</a:t>
+            </a:r>
+            <a:endParaRPr lang="ru-RU" dirty="0"/>
+          </a:p>
+        </p:txBody>
+      </p:sp>
+    </p:spTree>
+  </p:cSld>
+  <p:clrMapOvr>
+    <a:masterClrMapping/>
+  </p:clrMapOvr>
+</p:sld>
+</file>
+
+<file path=ppt/slides/slide21.xml><?xml version="1.0" encoding="utf-8"?>
+<p:sld xmlns:a="http://schemas.openxmlformats.org/drawingml/2006/main" xmlns:r="http://schemas.openxmlformats.org/officeDocument/2006/relationships" xmlns:p="http://schemas.openxmlformats.org/presentationml/2006/main">
+  <p:cSld>
+    <p:spTree>
+      <p:nvGrpSpPr>
+        <p:cNvPr id="1" name=""/>
+        <p:cNvGrpSpPr/>
+        <p:nvPr/>
+      </p:nvGrpSpPr>
+      <p:grpSpPr>
+        <a:xfrm>
+          <a:off x="0" y="0"/>
+          <a:ext cx="0" cy="0"/>
+          <a:chOff x="0" y="0"/>
+          <a:chExt cx="0" cy="0"/>
+        </a:xfrm>
+      </p:grpSpPr>
+      <p:sp>
+        <p:nvSpPr>
+          <p:cNvPr id="2" name="Содержимое 1"/>
+          <p:cNvSpPr>
+            <a:spLocks noGrp="1"/>
+          </p:cNvSpPr>
+          <p:nvPr>
+            <p:ph idx="1"/>
+          </p:nvPr>
+        </p:nvSpPr>
+        <p:spPr>
+          <a:xfrm>
+            <a:off x="787400" y="1076453"/>
+            <a:ext cx="10883900" cy="1908047"/>
+          </a:xfrm>
+        </p:spPr>
+        <p:txBody>
+          <a:bodyPr/>
+          <a:lstStyle/>
+          <a:p>
+            <a:r>
+              <a:rPr lang="en-AU" altLang="en-US" dirty="0" smtClean="0"/>
+              <a:t>Each processor has private physical address space</a:t>
+            </a:r>
+          </a:p>
+          <a:p>
+            <a:r>
+              <a:rPr lang="en-AU" altLang="en-US" dirty="0" smtClean="0"/>
+              <a:t>Hardware sends/receives messages between processors</a:t>
+            </a:r>
+          </a:p>
+        </p:txBody>
+      </p:sp>
+      <p:sp>
+        <p:nvSpPr>
+          <p:cNvPr id="3" name="Номер слайда 2"/>
+          <p:cNvSpPr>
+            <a:spLocks noGrp="1"/>
+          </p:cNvSpPr>
+          <p:nvPr>
+            <p:ph type="sldNum" sz="quarter" idx="12"/>
+          </p:nvPr>
+        </p:nvSpPr>
+        <p:spPr/>
+        <p:txBody>
+          <a:bodyPr/>
+          <a:lstStyle/>
+          <a:p>
+            <a:pPr algn="ctr"/>
+            <a:fld id="{1397BFD8-F312-4EF2-A268-44FB4BDDBBB0}" type="slidenum">
+              <a:rPr lang="ru-RU" smtClean="0"/>
+              <a:pPr algn="ctr"/>
+              <a:t>21</a:t>
             </a:fld>
             <a:endParaRPr lang="ru-RU" dirty="0"/>
           </a:p>
@@ -8465,7 +8898,7 @@
 </p:sld>
 </file>
 
-<file path=ppt/slides/slide21.xml><?xml version="1.0" encoding="utf-8"?>
+<file path=ppt/slides/slide22.xml><?xml version="1.0" encoding="utf-8"?>
 <p:sld xmlns:a="http://schemas.openxmlformats.org/drawingml/2006/main" xmlns:r="http://schemas.openxmlformats.org/officeDocument/2006/relationships" xmlns:p="http://schemas.openxmlformats.org/presentationml/2006/main">
   <p:cSld>
     <p:spTree>
@@ -8964,7 +9397,7 @@
             <a:fld id="{1397BFD8-F312-4EF2-A268-44FB4BDDBBB0}" type="slidenum">
               <a:rPr lang="ru-RU" smtClean="0"/>
               <a:pPr algn="ctr"/>
-              <a:t>21</a:t>
+              <a:t>22</a:t>
             </a:fld>
             <a:endParaRPr lang="ru-RU" dirty="0"/>
           </a:p>
